--- a/established_personas.pptx
+++ b/established_personas.pptx
@@ -5,7 +5,7 @@
     <p:sldMasterId id="2147483648" r:id="rId1"/>
   </p:sldMasterIdLst>
   <p:notesMasterIdLst>
-    <p:notesMasterId r:id="rId8"/>
+    <p:notesMasterId r:id="rId9"/>
   </p:notesMasterIdLst>
   <p:sldIdLst>
     <p:sldId id="258" r:id="rId2"/>
@@ -14,6 +14,7 @@
     <p:sldId id="275" r:id="rId5"/>
     <p:sldId id="277" r:id="rId6"/>
     <p:sldId id="279" r:id="rId7"/>
+    <p:sldId id="281" r:id="rId8"/>
   </p:sldIdLst>
   <p:sldSz cx="12192000" cy="6858000"/>
   <p:notesSz cx="6858000" cy="9144000"/>
@@ -6202,6 +6203,55 @@
             </a:endParaRPr>
           </a:p>
           <a:p>
+            <a:r>
+              <a:rPr lang="en-US" sz="1333" dirty="0">
+                <a:solidFill>
+                  <a:srgbClr val="00297F"/>
+                </a:solidFill>
+                <a:latin typeface="Lato"/>
+                <a:ea typeface="Lato"/>
+                <a:cs typeface="Lato"/>
+                <a:sym typeface="Lato"/>
+              </a:rPr>
+              <a:t> </a:t>
+            </a:r>
+          </a:p>
+          <a:p>
+            <a:pPr marL="692150" indent="-276225">
+              <a:buSzPct val="110000"/>
+              <a:buFont typeface="Arial" panose="020B0604020202020204" pitchFamily="34" charset="0"/>
+              <a:buChar char="•"/>
+            </a:pPr>
+            <a:r>
+              <a:rPr lang="en-US" sz="1333" dirty="0">
+                <a:solidFill>
+                  <a:srgbClr val="00297F"/>
+                </a:solidFill>
+                <a:latin typeface="Lato"/>
+                <a:ea typeface="Lato"/>
+                <a:cs typeface="Lato"/>
+                <a:sym typeface="Lato"/>
+              </a:rPr>
+              <a:t>Workshop </a:t>
+            </a:r>
+          </a:p>
+          <a:p>
+            <a:pPr marL="692150" indent="-276225">
+              <a:buFont typeface="Arial" panose="020B0604020202020204" pitchFamily="34" charset="0"/>
+              <a:buChar char="•"/>
+            </a:pPr>
+            <a:r>
+              <a:rPr lang="en-US" sz="1333" dirty="0">
+                <a:solidFill>
+                  <a:srgbClr val="00297F"/>
+                </a:solidFill>
+                <a:latin typeface="Lato"/>
+                <a:ea typeface="Lato"/>
+                <a:cs typeface="Lato"/>
+                <a:sym typeface="Lato"/>
+              </a:rPr>
+              <a:t>Conference</a:t>
+            </a:r>
             <a:endParaRPr sz="1333" dirty="0">
               <a:solidFill>
                 <a:srgbClr val="00297F"/>
@@ -8265,7 +8315,7 @@
             </a:endParaRPr>
           </a:p>
           <a:p>
-            <a:endParaRPr lang="en" sz="2000" dirty="0">
+            <a:endParaRPr lang="en" dirty="0">
               <a:solidFill>
                 <a:srgbClr val="00297F"/>
               </a:solidFill>
@@ -8334,7 +8384,40 @@
             </a:endParaRPr>
           </a:p>
           <a:p>
-            <a:pPr marL="76198"/>
+            <a:pPr marL="692150" indent="-287338">
+              <a:buFont typeface="Arial" panose="020B0604020202020204" pitchFamily="34" charset="0"/>
+              <a:buChar char="•"/>
+            </a:pPr>
+            <a:r>
+              <a:rPr lang="en-US" sz="1333" dirty="0">
+                <a:solidFill>
+                  <a:srgbClr val="00297F"/>
+                </a:solidFill>
+                <a:latin typeface="Lato"/>
+                <a:ea typeface="Lato"/>
+                <a:cs typeface="Lato"/>
+                <a:sym typeface="Lato"/>
+              </a:rPr>
+              <a:t>Meetup</a:t>
+            </a:r>
+          </a:p>
+          <a:p>
+            <a:pPr marL="692150" indent="-287338">
+              <a:buFont typeface="Arial" panose="020B0604020202020204" pitchFamily="34" charset="0"/>
+              <a:buChar char="•"/>
+            </a:pPr>
+            <a:r>
+              <a:rPr lang="en-US" sz="1333" dirty="0">
+                <a:solidFill>
+                  <a:srgbClr val="00297F"/>
+                </a:solidFill>
+                <a:latin typeface="Lato"/>
+                <a:ea typeface="Lato"/>
+                <a:cs typeface="Lato"/>
+                <a:sym typeface="Lato"/>
+              </a:rPr>
+              <a:t>Workshop</a:t>
+            </a:r>
             <a:endParaRPr sz="1333" dirty="0">
               <a:solidFill>
                 <a:srgbClr val="00297F"/>
@@ -10358,7 +10441,40 @@
             </a:endParaRPr>
           </a:p>
           <a:p>
-            <a:pPr marL="76198"/>
+            <a:pPr marL="628650" indent="-287338">
+              <a:buFont typeface="Arial" panose="020B0604020202020204" pitchFamily="34" charset="0"/>
+              <a:buChar char="•"/>
+            </a:pPr>
+            <a:r>
+              <a:rPr lang="en-US" sz="1333" dirty="0">
+                <a:solidFill>
+                  <a:srgbClr val="00297F"/>
+                </a:solidFill>
+                <a:latin typeface="Lato"/>
+                <a:ea typeface="Lato"/>
+                <a:cs typeface="Lato"/>
+                <a:sym typeface="Lato"/>
+              </a:rPr>
+              <a:t>Meetup</a:t>
+            </a:r>
+          </a:p>
+          <a:p>
+            <a:pPr marL="628650" indent="-287338">
+              <a:buFont typeface="Arial" panose="020B0604020202020204" pitchFamily="34" charset="0"/>
+              <a:buChar char="•"/>
+            </a:pPr>
+            <a:r>
+              <a:rPr lang="en-US" sz="1333" dirty="0">
+                <a:solidFill>
+                  <a:srgbClr val="00297F"/>
+                </a:solidFill>
+                <a:latin typeface="Lato"/>
+                <a:ea typeface="Lato"/>
+                <a:cs typeface="Lato"/>
+                <a:sym typeface="Lato"/>
+              </a:rPr>
+              <a:t>Workshop</a:t>
+            </a:r>
             <a:endParaRPr sz="1333" dirty="0">
               <a:solidFill>
                 <a:srgbClr val="00297F"/>
@@ -12429,26 +12545,17 @@
               <a:buChar char="●"/>
             </a:pPr>
             <a:r>
-              <a:rPr lang="en" sz="1333" i="1" dirty="0">
-                <a:solidFill>
-                  <a:srgbClr val="00297F"/>
-                </a:solidFill>
-                <a:latin typeface="Lato"/>
-                <a:ea typeface="Lato"/>
-                <a:cs typeface="Lato"/>
-                <a:sym typeface="Lato"/>
-              </a:rPr>
-              <a:t>Read blogs &amp; books</a:t>
-            </a:r>
-            <a:endParaRPr sz="1333" i="1" dirty="0">
-              <a:solidFill>
-                <a:srgbClr val="00297F"/>
-              </a:solidFill>
-              <a:latin typeface="Lato"/>
-              <a:ea typeface="Lato"/>
-              <a:cs typeface="Lato"/>
-              <a:sym typeface="Lato"/>
-            </a:endParaRPr>
+              <a:rPr lang="en-US" sz="1333" i="1" dirty="0">
+                <a:solidFill>
+                  <a:srgbClr val="00297F"/>
+                </a:solidFill>
+                <a:latin typeface="Lato"/>
+                <a:ea typeface="Lato"/>
+                <a:cs typeface="Lato"/>
+                <a:sym typeface="Lato"/>
+              </a:rPr>
+              <a:t>Conference</a:t>
+            </a:r>
           </a:p>
           <a:p>
             <a:pPr marL="609585" indent="-389457">
@@ -12457,44 +12564,16 @@
               <a:buChar char="●"/>
             </a:pPr>
             <a:r>
-              <a:rPr lang="en" sz="1333" i="1" dirty="0">
-                <a:solidFill>
-                  <a:srgbClr val="00297F"/>
-                </a:solidFill>
-                <a:latin typeface="Lato"/>
-                <a:ea typeface="Lato"/>
-                <a:cs typeface="Lato"/>
-                <a:sym typeface="Lato"/>
-              </a:rPr>
-              <a:t>Watch videos of talks</a:t>
-            </a:r>
-            <a:endParaRPr sz="1333" i="1" dirty="0">
-              <a:solidFill>
-                <a:srgbClr val="00297F"/>
-              </a:solidFill>
-              <a:latin typeface="Lato"/>
-              <a:ea typeface="Lato"/>
-              <a:cs typeface="Lato"/>
-              <a:sym typeface="Lato"/>
-            </a:endParaRPr>
-          </a:p>
-          <a:p>
-            <a:pPr marL="609585" indent="-389457">
-              <a:buSzPts val="1000"/>
-              <a:buFont typeface="Lato"/>
-              <a:buChar char="●"/>
-            </a:pPr>
-            <a:r>
-              <a:rPr lang="en" sz="1333" i="1" dirty="0">
-                <a:solidFill>
-                  <a:srgbClr val="00297F"/>
-                </a:solidFill>
-                <a:latin typeface="Lato"/>
-                <a:ea typeface="Lato"/>
-                <a:cs typeface="Lato"/>
-                <a:sym typeface="Lato"/>
-              </a:rPr>
-              <a:t>Attend a local meetup or talk</a:t>
+              <a:rPr lang="en-US" sz="1333" i="1" dirty="0">
+                <a:solidFill>
+                  <a:srgbClr val="00297F"/>
+                </a:solidFill>
+                <a:latin typeface="Lato"/>
+                <a:ea typeface="Lato"/>
+                <a:cs typeface="Lato"/>
+                <a:sym typeface="Lato"/>
+              </a:rPr>
+              <a:t>Meetup</a:t>
             </a:r>
             <a:endParaRPr sz="1333" i="1" dirty="0">
               <a:solidFill>
@@ -14509,90 +14588,40 @@
             </a:endParaRPr>
           </a:p>
           <a:p>
-            <a:pPr marL="609585" indent="-389457">
-              <a:buSzPts val="1000"/>
-              <a:buFont typeface="Lato"/>
-              <a:buChar char="●"/>
+            <a:pPr marL="628650" indent="-277813">
+              <a:buFont typeface="Arial" panose="020B0604020202020204" pitchFamily="34" charset="0"/>
+              <a:buChar char="•"/>
             </a:pPr>
             <a:r>
-              <a:rPr lang="en" sz="1333" i="1" dirty="0">
-                <a:solidFill>
-                  <a:srgbClr val="00297F"/>
-                </a:solidFill>
-                <a:latin typeface="Lato"/>
-                <a:ea typeface="Lato"/>
-                <a:cs typeface="Lato"/>
-                <a:sym typeface="Lato"/>
-              </a:rPr>
-              <a:t>Read blogs &amp; books</a:t>
-            </a:r>
-            <a:endParaRPr sz="1333" i="1" dirty="0">
-              <a:solidFill>
-                <a:srgbClr val="00297F"/>
-              </a:solidFill>
-              <a:latin typeface="Lato"/>
-              <a:ea typeface="Lato"/>
-              <a:cs typeface="Lato"/>
-              <a:sym typeface="Lato"/>
-            </a:endParaRPr>
-          </a:p>
-          <a:p>
-            <a:pPr marL="609585" indent="-389457">
-              <a:buSzPts val="1000"/>
-              <a:buFont typeface="Lato"/>
-              <a:buChar char="●"/>
+              <a:rPr lang="en-US" sz="1333" dirty="0">
+                <a:solidFill>
+                  <a:srgbClr val="00297F"/>
+                </a:solidFill>
+                <a:latin typeface="Lato"/>
+                <a:ea typeface="Lato"/>
+                <a:cs typeface="Lato"/>
+                <a:sym typeface="Lato"/>
+              </a:rPr>
+              <a:t>Conference</a:t>
+            </a:r>
+          </a:p>
+          <a:p>
+            <a:pPr marL="628650" indent="-277813">
+              <a:buFont typeface="Arial" panose="020B0604020202020204" pitchFamily="34" charset="0"/>
+              <a:buChar char="•"/>
             </a:pPr>
             <a:r>
-              <a:rPr lang="en" sz="1333" i="1" dirty="0">
-                <a:solidFill>
-                  <a:srgbClr val="00297F"/>
-                </a:solidFill>
-                <a:latin typeface="Lato"/>
-                <a:ea typeface="Lato"/>
-                <a:cs typeface="Lato"/>
-                <a:sym typeface="Lato"/>
-              </a:rPr>
-              <a:t>Watch videos of talks</a:t>
-            </a:r>
-            <a:endParaRPr sz="1333" i="1" dirty="0">
-              <a:solidFill>
-                <a:srgbClr val="00297F"/>
-              </a:solidFill>
-              <a:latin typeface="Lato"/>
-              <a:ea typeface="Lato"/>
-              <a:cs typeface="Lato"/>
-              <a:sym typeface="Lato"/>
-            </a:endParaRPr>
-          </a:p>
-          <a:p>
-            <a:pPr marL="609585" indent="-389457">
-              <a:buSzPts val="1000"/>
-              <a:buFont typeface="Lato"/>
-              <a:buChar char="●"/>
-            </a:pPr>
-            <a:r>
-              <a:rPr lang="en" sz="1333" i="1" dirty="0">
-                <a:solidFill>
-                  <a:srgbClr val="00297F"/>
-                </a:solidFill>
-                <a:latin typeface="Lato"/>
-                <a:ea typeface="Lato"/>
-                <a:cs typeface="Lato"/>
-                <a:sym typeface="Lato"/>
-              </a:rPr>
-              <a:t>Attend a local meetup or talk</a:t>
-            </a:r>
-            <a:endParaRPr sz="1333" i="1" dirty="0">
-              <a:solidFill>
-                <a:srgbClr val="00297F"/>
-              </a:solidFill>
-              <a:latin typeface="Lato"/>
-              <a:ea typeface="Lato"/>
-              <a:cs typeface="Lato"/>
-              <a:sym typeface="Lato"/>
-            </a:endParaRPr>
-          </a:p>
-          <a:p>
+              <a:rPr lang="en-US" sz="1333" dirty="0">
+                <a:solidFill>
+                  <a:srgbClr val="00297F"/>
+                </a:solidFill>
+                <a:latin typeface="Lato"/>
+                <a:ea typeface="Lato"/>
+                <a:cs typeface="Lato"/>
+                <a:sym typeface="Lato"/>
+              </a:rPr>
+              <a:t>Workshop</a:t>
+            </a:r>
             <a:endParaRPr sz="1333" dirty="0">
               <a:solidFill>
                 <a:srgbClr val="00297F"/>
@@ -15613,6 +15642,97 @@
     <p:extLst>
       <p:ext uri="{BB962C8B-B14F-4D97-AF65-F5344CB8AC3E}">
         <p14:creationId xmlns:p14="http://schemas.microsoft.com/office/powerpoint/2010/main" val="1600699399"/>
+      </p:ext>
+    </p:extLst>
+  </p:cSld>
+  <p:clrMapOvr>
+    <a:masterClrMapping/>
+  </p:clrMapOvr>
+</p:sld>
+</file>
+
+<file path=ppt/slides/slide7.xml><?xml version="1.0" encoding="utf-8"?>
+<p:sld xmlns:a="http://schemas.openxmlformats.org/drawingml/2006/main" xmlns:r="http://schemas.openxmlformats.org/officeDocument/2006/relationships" xmlns:p="http://schemas.openxmlformats.org/presentationml/2006/main">
+  <p:cSld>
+    <p:spTree>
+      <p:nvGrpSpPr>
+        <p:cNvPr id="1" name=""/>
+        <p:cNvGrpSpPr/>
+        <p:nvPr/>
+      </p:nvGrpSpPr>
+      <p:grpSpPr>
+        <a:xfrm>
+          <a:off x="0" y="0"/>
+          <a:ext cx="0" cy="0"/>
+          <a:chOff x="0" y="0"/>
+          <a:chExt cx="0" cy="0"/>
+        </a:xfrm>
+      </p:grpSpPr>
+      <p:sp>
+        <p:nvSpPr>
+          <p:cNvPr id="2" name="Title 1">
+            <a:extLst>
+              <a:ext uri="{FF2B5EF4-FFF2-40B4-BE49-F238E27FC236}">
+                <a16:creationId xmlns:a16="http://schemas.microsoft.com/office/drawing/2014/main" id="{A5B6745E-598B-0B40-881D-80F5140CE428}"/>
+              </a:ext>
+            </a:extLst>
+          </p:cNvPr>
+          <p:cNvSpPr>
+            <a:spLocks noGrp="1"/>
+          </p:cNvSpPr>
+          <p:nvPr>
+            <p:ph type="title"/>
+          </p:nvPr>
+        </p:nvSpPr>
+        <p:spPr/>
+        <p:txBody>
+          <a:bodyPr/>
+          <a:lstStyle/>
+          <a:p>
+            <a:endParaRPr lang="en-US"/>
+          </a:p>
+        </p:txBody>
+      </p:sp>
+      <p:sp>
+        <p:nvSpPr>
+          <p:cNvPr id="3" name="Content Placeholder 2">
+            <a:extLst>
+              <a:ext uri="{FF2B5EF4-FFF2-40B4-BE49-F238E27FC236}">
+                <a16:creationId xmlns:a16="http://schemas.microsoft.com/office/drawing/2014/main" id="{72818521-C879-E34C-8012-FB5DC9D0DF76}"/>
+              </a:ext>
+            </a:extLst>
+          </p:cNvPr>
+          <p:cNvSpPr>
+            <a:spLocks noGrp="1"/>
+          </p:cNvSpPr>
+          <p:nvPr>
+            <p:ph idx="1"/>
+          </p:nvPr>
+        </p:nvSpPr>
+        <p:spPr/>
+        <p:txBody>
+          <a:bodyPr/>
+          <a:lstStyle/>
+          <a:p>
+            <a:r>
+              <a:rPr lang="en-US" dirty="0"/>
+              <a:t> reading</a:t>
+            </a:r>
+            <a:r>
+              <a:rPr lang="en-US"/>
+              <a:t>, video,  </a:t>
+            </a:r>
+            <a:r>
+              <a:rPr lang="en-US" dirty="0"/>
+              <a:t>colleague</a:t>
+            </a:r>
+          </a:p>
+        </p:txBody>
+      </p:sp>
+    </p:spTree>
+    <p:extLst>
+      <p:ext uri="{BB962C8B-B14F-4D97-AF65-F5344CB8AC3E}">
+        <p14:creationId xmlns:p14="http://schemas.microsoft.com/office/powerpoint/2010/main" val="1990694595"/>
       </p:ext>
     </p:extLst>
   </p:cSld>

--- a/established_personas.pptx
+++ b/established_personas.pptx
@@ -6338,110 +6338,86 @@
       </p:sp>
       <p:grpSp>
         <p:nvGrpSpPr>
-          <p:cNvPr id="188" name="Google Shape;188;p28"/>
+          <p:cNvPr id="189" name="Google Shape;189;p28"/>
           <p:cNvGrpSpPr/>
           <p:nvPr/>
         </p:nvGrpSpPr>
         <p:grpSpPr>
           <a:xfrm>
-            <a:off x="9547634" y="0"/>
-            <a:ext cx="2695933" cy="6858000"/>
-            <a:chOff x="7160725" y="0"/>
-            <a:chExt cx="2021950" cy="5143500"/>
+            <a:off x="9593569" y="0"/>
+            <a:ext cx="2650000" cy="6857998"/>
+            <a:chOff x="7195175" y="0"/>
+            <a:chExt cx="1987500" cy="5143500"/>
           </a:xfrm>
+          <a:solidFill>
+            <a:schemeClr val="lt2"/>
+          </a:solidFill>
         </p:grpSpPr>
-        <p:grpSp>
-          <p:nvGrpSpPr>
-            <p:cNvPr id="189" name="Google Shape;189;p28"/>
-            <p:cNvGrpSpPr/>
+        <p:sp>
+          <p:nvSpPr>
+            <p:cNvPr id="190" name="Google Shape;190;p28"/>
+            <p:cNvSpPr/>
             <p:nvPr/>
-          </p:nvGrpSpPr>
-          <p:grpSpPr>
+          </p:nvSpPr>
+          <p:spPr>
             <a:xfrm>
-              <a:off x="7160725" y="0"/>
-              <a:ext cx="2021950" cy="5143500"/>
-              <a:chOff x="7160725" y="0"/>
-              <a:chExt cx="2021950" cy="5143500"/>
+              <a:off x="7195175" y="0"/>
+              <a:ext cx="1987500" cy="5143500"/>
             </a:xfrm>
-          </p:grpSpPr>
-          <p:sp>
-            <p:nvSpPr>
-              <p:cNvPr id="190" name="Google Shape;190;p28"/>
-              <p:cNvSpPr/>
-              <p:nvPr/>
-            </p:nvSpPr>
-            <p:spPr>
-              <a:xfrm>
-                <a:off x="7195175" y="0"/>
-                <a:ext cx="1987500" cy="5143500"/>
-              </a:xfrm>
-              <a:prstGeom prst="rect">
-                <a:avLst/>
-              </a:prstGeom>
-              <a:solidFill>
-                <a:schemeClr val="lt2"/>
-              </a:solidFill>
-              <a:ln>
-                <a:noFill/>
-              </a:ln>
-            </p:spPr>
-            <p:txBody>
-              <a:bodyPr spcFirstLastPara="1" wrap="square" lIns="121900" tIns="121900" rIns="121900" bIns="121900" anchor="ctr" anchorCtr="0">
-                <a:noAutofit/>
-              </a:bodyPr>
-              <a:lstStyle/>
-              <a:p>
-                <a:endParaRPr sz="2400">
-                  <a:solidFill>
-                    <a:srgbClr val="00297F"/>
-                  </a:solidFill>
-                </a:endParaRPr>
-              </a:p>
-            </p:txBody>
-          </p:sp>
-          <p:sp>
-            <p:nvSpPr>
-              <p:cNvPr id="191" name="Google Shape;191;p28"/>
-              <p:cNvSpPr txBox="1"/>
-              <p:nvPr/>
-            </p:nvSpPr>
-            <p:spPr>
-              <a:xfrm>
-                <a:off x="7305275" y="1806425"/>
-                <a:ext cx="1806000" cy="545100"/>
-              </a:xfrm>
-              <a:prstGeom prst="rect">
-                <a:avLst/>
-              </a:prstGeom>
+            <a:prstGeom prst="rect">
+              <a:avLst/>
+            </a:prstGeom>
+            <a:grpFill/>
+            <a:ln>
               <a:noFill/>
-              <a:ln>
-                <a:noFill/>
-              </a:ln>
-            </p:spPr>
-            <p:txBody>
-              <a:bodyPr spcFirstLastPara="1" wrap="square" lIns="121900" tIns="121900" rIns="121900" bIns="121900" anchor="t" anchorCtr="0">
-                <a:noAutofit/>
-              </a:bodyPr>
-              <a:lstStyle/>
-              <a:p>
-                <a:pPr>
-                  <a:lnSpc>
-                    <a:spcPct val="150000"/>
-                  </a:lnSpc>
-                </a:pPr>
-                <a:r>
-                  <a:rPr lang="en" sz="1333" b="1">
-                    <a:solidFill>
-                      <a:srgbClr val="00297F"/>
-                    </a:solidFill>
-                    <a:latin typeface="Lato"/>
-                    <a:ea typeface="Lato"/>
-                    <a:cs typeface="Lato"/>
-                    <a:sym typeface="Lato"/>
-                  </a:rPr>
-                  <a:t>Job Titles</a:t>
-                </a:r>
-                <a:endParaRPr sz="1333" b="1">
+            </a:ln>
+          </p:spPr>
+          <p:txBody>
+            <a:bodyPr spcFirstLastPara="1" wrap="square" lIns="121900" tIns="121900" rIns="121900" bIns="121900" anchor="ctr" anchorCtr="0">
+              <a:noAutofit/>
+            </a:bodyPr>
+            <a:lstStyle/>
+            <a:p>
+              <a:endParaRPr sz="2400" dirty="0">
+                <a:solidFill>
+                  <a:srgbClr val="00297F"/>
+                </a:solidFill>
+              </a:endParaRPr>
+            </a:p>
+          </p:txBody>
+        </p:sp>
+        <p:sp>
+          <p:nvSpPr>
+            <p:cNvPr id="191" name="Google Shape;191;p28"/>
+            <p:cNvSpPr txBox="1"/>
+            <p:nvPr/>
+          </p:nvSpPr>
+          <p:spPr>
+            <a:xfrm>
+              <a:off x="7305275" y="1806425"/>
+              <a:ext cx="1806000" cy="545100"/>
+            </a:xfrm>
+            <a:prstGeom prst="rect">
+              <a:avLst/>
+            </a:prstGeom>
+            <a:grpFill/>
+            <a:ln>
+              <a:noFill/>
+            </a:ln>
+          </p:spPr>
+          <p:txBody>
+            <a:bodyPr spcFirstLastPara="1" wrap="square" lIns="121900" tIns="121900" rIns="121900" bIns="121900" anchor="t" anchorCtr="0">
+              <a:noAutofit/>
+            </a:bodyPr>
+            <a:lstStyle/>
+            <a:p>
+              <a:pPr>
+                <a:lnSpc>
+                  <a:spcPct val="150000"/>
+                </a:lnSpc>
+              </a:pPr>
+              <a:r>
+                <a:rPr lang="en" sz="1333" b="1">
                   <a:solidFill>
                     <a:srgbClr val="00297F"/>
                   </a:solidFill>
@@ -6449,860 +6425,233 @@
                   <a:ea typeface="Lato"/>
                   <a:cs typeface="Lato"/>
                   <a:sym typeface="Lato"/>
-                </a:endParaRPr>
-              </a:p>
-              <a:p>
-                <a:pPr>
-                  <a:lnSpc>
-                    <a:spcPct val="150000"/>
-                  </a:lnSpc>
-                </a:pPr>
-                <a:endParaRPr sz="1333">
-                  <a:solidFill>
-                    <a:srgbClr val="00297F"/>
-                  </a:solidFill>
-                  <a:latin typeface="Lato"/>
-                  <a:ea typeface="Lato"/>
-                  <a:cs typeface="Lato"/>
-                  <a:sym typeface="Lato"/>
-                </a:endParaRPr>
-              </a:p>
-            </p:txBody>
-          </p:sp>
-          <p:sp>
-            <p:nvSpPr>
-              <p:cNvPr id="192" name="Google Shape;192;p28"/>
-              <p:cNvSpPr txBox="1"/>
-              <p:nvPr/>
-            </p:nvSpPr>
-            <p:spPr>
-              <a:xfrm>
-                <a:off x="8124450" y="76300"/>
-                <a:ext cx="1058100" cy="417000"/>
-              </a:xfrm>
-              <a:prstGeom prst="rect">
-                <a:avLst/>
-              </a:prstGeom>
-              <a:noFill/>
-              <a:ln>
-                <a:noFill/>
-              </a:ln>
-            </p:spPr>
-            <p:txBody>
-              <a:bodyPr spcFirstLastPara="1" wrap="square" lIns="121900" tIns="121900" rIns="121900" bIns="121900" anchor="t" anchorCtr="0">
-                <a:noAutofit/>
-              </a:bodyPr>
-              <a:lstStyle/>
-              <a:p>
-                <a:r>
-                  <a:rPr lang="en" sz="2400" b="1" i="1" dirty="0">
-                    <a:solidFill>
-                      <a:srgbClr val="00297F"/>
-                    </a:solidFill>
-                    <a:latin typeface="Lato"/>
-                    <a:ea typeface="Lato"/>
-                    <a:cs typeface="Lato"/>
-                    <a:sym typeface="Lato"/>
-                  </a:rPr>
-                  <a:t>68%</a:t>
-                </a:r>
-                <a:r>
-                  <a:rPr lang="en" sz="2400" i="1" dirty="0">
-                    <a:solidFill>
-                      <a:srgbClr val="00297F"/>
-                    </a:solidFill>
-                    <a:latin typeface="Lato"/>
-                    <a:ea typeface="Lato"/>
-                    <a:cs typeface="Lato"/>
-                    <a:sym typeface="Lato"/>
-                  </a:rPr>
-                  <a:t> </a:t>
-                </a:r>
-                <a:endParaRPr sz="2400" i="1" dirty="0">
-                  <a:solidFill>
-                    <a:srgbClr val="00297F"/>
-                  </a:solidFill>
-                  <a:latin typeface="Lato"/>
-                  <a:ea typeface="Lato"/>
-                  <a:cs typeface="Lato"/>
-                  <a:sym typeface="Lato"/>
-                </a:endParaRPr>
-              </a:p>
-              <a:p>
-                <a:r>
-                  <a:rPr lang="en" sz="1200" i="1" dirty="0">
-                    <a:solidFill>
-                      <a:srgbClr val="00297F"/>
-                    </a:solidFill>
-                    <a:latin typeface="Lato"/>
-                    <a:ea typeface="Lato"/>
-                    <a:cs typeface="Lato"/>
-                    <a:sym typeface="Lato"/>
-                  </a:rPr>
-                  <a:t>academically trained in research</a:t>
-                </a:r>
-                <a:endParaRPr sz="1200" i="1" dirty="0">
-                  <a:solidFill>
-                    <a:srgbClr val="00297F"/>
-                  </a:solidFill>
-                  <a:latin typeface="Lato"/>
-                  <a:ea typeface="Lato"/>
-                  <a:cs typeface="Lato"/>
-                  <a:sym typeface="Lato"/>
-                </a:endParaRPr>
-              </a:p>
-            </p:txBody>
-          </p:sp>
-          <p:pic>
-            <p:nvPicPr>
-              <p:cNvPr id="193" name="Google Shape;193;p28" title="Chart"/>
-              <p:cNvPicPr preferRelativeResize="0"/>
-              <p:nvPr/>
-            </p:nvPicPr>
-            <p:blipFill>
-              <a:blip r:embed="rId3">
-                <a:alphaModFix/>
-              </a:blip>
-              <a:stretch>
-                <a:fillRect/>
-              </a:stretch>
-            </p:blipFill>
-            <p:spPr>
-              <a:xfrm>
-                <a:off x="7192525" y="168823"/>
-                <a:ext cx="994500" cy="613298"/>
-              </a:xfrm>
-              <a:prstGeom prst="rect">
-                <a:avLst/>
-              </a:prstGeom>
-              <a:noFill/>
-              <a:ln>
-                <a:noFill/>
-              </a:ln>
-            </p:spPr>
-          </p:pic>
-          <p:pic>
-            <p:nvPicPr>
-              <p:cNvPr id="194" name="Google Shape;194;p28" title="Chart"/>
-              <p:cNvPicPr preferRelativeResize="0"/>
-              <p:nvPr/>
-            </p:nvPicPr>
-            <p:blipFill>
-              <a:blip r:embed="rId4">
-                <a:alphaModFix/>
-              </a:blip>
-              <a:stretch>
-                <a:fillRect/>
-              </a:stretch>
-            </p:blipFill>
-            <p:spPr>
-              <a:xfrm>
-                <a:off x="7160725" y="874212"/>
-                <a:ext cx="1058101" cy="652525"/>
-              </a:xfrm>
-              <a:prstGeom prst="rect">
-                <a:avLst/>
-              </a:prstGeom>
-              <a:noFill/>
-              <a:ln>
-                <a:noFill/>
-              </a:ln>
-            </p:spPr>
-          </p:pic>
-          <p:sp>
-            <p:nvSpPr>
-              <p:cNvPr id="195" name="Google Shape;195;p28"/>
-              <p:cNvSpPr txBox="1"/>
-              <p:nvPr/>
-            </p:nvSpPr>
-            <p:spPr>
-              <a:xfrm>
-                <a:off x="8124575" y="861100"/>
-                <a:ext cx="1012200" cy="417000"/>
-              </a:xfrm>
-              <a:prstGeom prst="rect">
-                <a:avLst/>
-              </a:prstGeom>
-              <a:noFill/>
-              <a:ln>
-                <a:noFill/>
-              </a:ln>
-            </p:spPr>
-            <p:txBody>
-              <a:bodyPr spcFirstLastPara="1" wrap="square" lIns="121900" tIns="121900" rIns="121900" bIns="121900" anchor="t" anchorCtr="0">
-                <a:noAutofit/>
-              </a:bodyPr>
-              <a:lstStyle/>
-              <a:p>
-                <a:r>
-                  <a:rPr lang="en" sz="2400" b="1" i="1" dirty="0">
-                    <a:solidFill>
-                      <a:srgbClr val="00297F"/>
-                    </a:solidFill>
-                    <a:latin typeface="Lato"/>
-                    <a:ea typeface="Lato"/>
-                    <a:cs typeface="Lato"/>
-                    <a:sym typeface="Lato"/>
-                  </a:rPr>
-                  <a:t>70%</a:t>
-                </a:r>
-                <a:r>
-                  <a:rPr lang="en" sz="2400" i="1" dirty="0">
-                    <a:solidFill>
-                      <a:srgbClr val="00297F"/>
-                    </a:solidFill>
-                    <a:latin typeface="Lato"/>
-                    <a:ea typeface="Lato"/>
-                    <a:cs typeface="Lato"/>
-                    <a:sym typeface="Lato"/>
-                  </a:rPr>
-                  <a:t> </a:t>
-                </a:r>
-                <a:endParaRPr sz="2400" i="1" dirty="0">
-                  <a:solidFill>
-                    <a:srgbClr val="00297F"/>
-                  </a:solidFill>
-                  <a:latin typeface="Lato"/>
-                  <a:ea typeface="Lato"/>
-                  <a:cs typeface="Lato"/>
-                  <a:sym typeface="Lato"/>
-                </a:endParaRPr>
-              </a:p>
-              <a:p>
-                <a:r>
-                  <a:rPr lang="en" sz="1200" i="1" dirty="0">
-                    <a:solidFill>
-                      <a:srgbClr val="00297F"/>
-                    </a:solidFill>
-                    <a:latin typeface="Lato"/>
-                    <a:ea typeface="Lato"/>
-                    <a:cs typeface="Lato"/>
-                    <a:sym typeface="Lato"/>
-                  </a:rPr>
-                  <a:t>currently work in large orgs</a:t>
-                </a:r>
-                <a:endParaRPr sz="1200" i="1" dirty="0">
-                  <a:solidFill>
-                    <a:srgbClr val="00297F"/>
-                  </a:solidFill>
-                  <a:latin typeface="Lato"/>
-                  <a:ea typeface="Lato"/>
-                  <a:cs typeface="Lato"/>
-                  <a:sym typeface="Lato"/>
-                </a:endParaRPr>
-              </a:p>
-            </p:txBody>
-          </p:sp>
-          <p:pic>
-            <p:nvPicPr>
-              <p:cNvPr id="196" name="Google Shape;196;p28" title="Chart"/>
-              <p:cNvPicPr preferRelativeResize="0"/>
-              <p:nvPr/>
-            </p:nvPicPr>
-            <p:blipFill rotWithShape="1">
-              <a:blip r:embed="rId5">
-                <a:alphaModFix/>
-              </a:blip>
-              <a:srcRect l="23757"/>
-              <a:stretch/>
-            </p:blipFill>
-            <p:spPr>
-              <a:xfrm>
-                <a:off x="7375775" y="2047000"/>
-                <a:ext cx="1608600" cy="1134200"/>
-              </a:xfrm>
-              <a:prstGeom prst="rect">
-                <a:avLst/>
-              </a:prstGeom>
-              <a:noFill/>
-              <a:ln>
-                <a:noFill/>
-              </a:ln>
-            </p:spPr>
-          </p:pic>
-          <p:sp>
-            <p:nvSpPr>
-              <p:cNvPr id="197" name="Google Shape;197;p28"/>
-              <p:cNvSpPr txBox="1"/>
-              <p:nvPr/>
-            </p:nvSpPr>
-            <p:spPr>
-              <a:xfrm>
-                <a:off x="7371700" y="2163100"/>
-                <a:ext cx="1303200" cy="222000"/>
-              </a:xfrm>
-              <a:prstGeom prst="rect">
-                <a:avLst/>
-              </a:prstGeom>
-              <a:noFill/>
-              <a:ln>
-                <a:noFill/>
-              </a:ln>
-            </p:spPr>
-            <p:txBody>
-              <a:bodyPr spcFirstLastPara="1" wrap="square" lIns="121900" tIns="121900" rIns="121900" bIns="121900" anchor="t" anchorCtr="0">
-                <a:noAutofit/>
-              </a:bodyPr>
-              <a:lstStyle/>
-              <a:p>
-                <a:r>
-                  <a:rPr lang="en" sz="933" b="1">
-                    <a:solidFill>
-                      <a:srgbClr val="00297F"/>
-                    </a:solidFill>
-                    <a:latin typeface="Lato"/>
-                    <a:ea typeface="Lato"/>
-                    <a:cs typeface="Lato"/>
-                    <a:sym typeface="Lato"/>
-                  </a:rPr>
-                  <a:t> UX Researcher </a:t>
-                </a:r>
-                <a:r>
-                  <a:rPr lang="en" sz="933">
-                    <a:solidFill>
-                      <a:srgbClr val="00297F"/>
-                    </a:solidFill>
-                    <a:latin typeface="Lato"/>
-                    <a:ea typeface="Lato"/>
-                    <a:cs typeface="Lato"/>
-                    <a:sym typeface="Lato"/>
-                  </a:rPr>
-                  <a:t>37%</a:t>
-                </a:r>
-                <a:endParaRPr sz="933">
-                  <a:solidFill>
-                    <a:srgbClr val="00297F"/>
-                  </a:solidFill>
-                  <a:latin typeface="Lato"/>
-                  <a:ea typeface="Lato"/>
-                  <a:cs typeface="Lato"/>
-                  <a:sym typeface="Lato"/>
-                </a:endParaRPr>
-              </a:p>
-            </p:txBody>
-          </p:sp>
-          <p:sp>
-            <p:nvSpPr>
-              <p:cNvPr id="198" name="Google Shape;198;p28"/>
-              <p:cNvSpPr txBox="1"/>
-              <p:nvPr/>
-            </p:nvSpPr>
-            <p:spPr>
-              <a:xfrm>
-                <a:off x="7371700" y="2460750"/>
-                <a:ext cx="1423800" cy="222000"/>
-              </a:xfrm>
-              <a:prstGeom prst="rect">
-                <a:avLst/>
-              </a:prstGeom>
-              <a:noFill/>
-              <a:ln>
-                <a:noFill/>
-              </a:ln>
-            </p:spPr>
-            <p:txBody>
-              <a:bodyPr spcFirstLastPara="1" wrap="square" lIns="121900" tIns="121900" rIns="121900" bIns="121900" anchor="t" anchorCtr="0">
-                <a:noAutofit/>
-              </a:bodyPr>
-              <a:lstStyle/>
-              <a:p>
-                <a:r>
-                  <a:rPr lang="en" sz="933" b="1">
-                    <a:solidFill>
-                      <a:srgbClr val="00297F"/>
-                    </a:solidFill>
-                    <a:latin typeface="Lato"/>
-                    <a:ea typeface="Lato"/>
-                    <a:cs typeface="Lato"/>
-                    <a:sym typeface="Lato"/>
-                  </a:rPr>
-                  <a:t> Senior UX Researcher </a:t>
-                </a:r>
-                <a:r>
-                  <a:rPr lang="en" sz="933">
-                    <a:solidFill>
-                      <a:srgbClr val="00297F"/>
-                    </a:solidFill>
-                    <a:latin typeface="Lato"/>
-                    <a:ea typeface="Lato"/>
-                    <a:cs typeface="Lato"/>
-                    <a:sym typeface="Lato"/>
-                  </a:rPr>
-                  <a:t>32%</a:t>
-                </a:r>
-                <a:endParaRPr sz="933">
-                  <a:solidFill>
-                    <a:srgbClr val="00297F"/>
-                  </a:solidFill>
-                  <a:latin typeface="Lato"/>
-                  <a:ea typeface="Lato"/>
-                  <a:cs typeface="Lato"/>
-                  <a:sym typeface="Lato"/>
-                </a:endParaRPr>
-              </a:p>
-            </p:txBody>
-          </p:sp>
-          <p:sp>
-            <p:nvSpPr>
-              <p:cNvPr id="199" name="Google Shape;199;p28"/>
-              <p:cNvSpPr txBox="1"/>
-              <p:nvPr/>
-            </p:nvSpPr>
-            <p:spPr>
-              <a:xfrm>
-                <a:off x="7371700" y="2779325"/>
-                <a:ext cx="1012200" cy="222000"/>
-              </a:xfrm>
-              <a:prstGeom prst="rect">
-                <a:avLst/>
-              </a:prstGeom>
-              <a:noFill/>
-              <a:ln>
-                <a:noFill/>
-              </a:ln>
-            </p:spPr>
-            <p:txBody>
-              <a:bodyPr spcFirstLastPara="1" wrap="square" lIns="121900" tIns="121900" rIns="121900" bIns="121900" anchor="t" anchorCtr="0">
-                <a:noAutofit/>
-              </a:bodyPr>
-              <a:lstStyle/>
-              <a:p>
-                <a:r>
-                  <a:rPr lang="en" sz="933" b="1">
-                    <a:solidFill>
-                      <a:srgbClr val="00297F"/>
-                    </a:solidFill>
-                    <a:latin typeface="Lato"/>
-                    <a:ea typeface="Lato"/>
-                    <a:cs typeface="Lato"/>
-                    <a:sym typeface="Lato"/>
-                  </a:rPr>
-                  <a:t>Manager </a:t>
-                </a:r>
-                <a:r>
-                  <a:rPr lang="en" sz="933">
-                    <a:solidFill>
-                      <a:srgbClr val="00297F"/>
-                    </a:solidFill>
-                    <a:latin typeface="Lato"/>
-                    <a:ea typeface="Lato"/>
-                    <a:cs typeface="Lato"/>
-                    <a:sym typeface="Lato"/>
-                  </a:rPr>
-                  <a:t>29%</a:t>
-                </a:r>
-                <a:endParaRPr sz="933">
-                  <a:solidFill>
-                    <a:srgbClr val="00297F"/>
-                  </a:solidFill>
-                  <a:latin typeface="Lato"/>
-                  <a:ea typeface="Lato"/>
-                  <a:cs typeface="Lato"/>
-                  <a:sym typeface="Lato"/>
-                </a:endParaRPr>
-              </a:p>
-            </p:txBody>
-          </p:sp>
-          <p:sp>
-            <p:nvSpPr>
-              <p:cNvPr id="200" name="Google Shape;200;p28"/>
-              <p:cNvSpPr txBox="1"/>
-              <p:nvPr/>
-            </p:nvSpPr>
-            <p:spPr>
-              <a:xfrm>
-                <a:off x="7340863" y="3215350"/>
-                <a:ext cx="1806000" cy="222000"/>
-              </a:xfrm>
-              <a:prstGeom prst="rect">
-                <a:avLst/>
-              </a:prstGeom>
-              <a:noFill/>
-              <a:ln>
-                <a:noFill/>
-              </a:ln>
-            </p:spPr>
-            <p:txBody>
-              <a:bodyPr spcFirstLastPara="1" wrap="square" lIns="121900" tIns="121900" rIns="121900" bIns="121900" anchor="t" anchorCtr="0">
-                <a:noAutofit/>
-              </a:bodyPr>
-              <a:lstStyle/>
-              <a:p>
-                <a:r>
-                  <a:rPr lang="en" sz="933">
-                    <a:solidFill>
-                      <a:srgbClr val="00297F"/>
-                    </a:solidFill>
-                    <a:latin typeface="Lato Black"/>
-                    <a:ea typeface="Lato Black"/>
-                    <a:cs typeface="Lato Black"/>
-                    <a:sym typeface="Lato Black"/>
-                  </a:rPr>
-                  <a:t>Speaker Name Recognition</a:t>
-                </a:r>
-                <a:endParaRPr sz="933">
-                  <a:solidFill>
-                    <a:srgbClr val="00297F"/>
-                  </a:solidFill>
-                  <a:latin typeface="Lato Black"/>
-                  <a:ea typeface="Lato Black"/>
-                  <a:cs typeface="Lato Black"/>
-                  <a:sym typeface="Lato Black"/>
-                </a:endParaRPr>
-              </a:p>
-            </p:txBody>
-          </p:sp>
-          <p:sp>
-            <p:nvSpPr>
-              <p:cNvPr id="201" name="Google Shape;201;p28"/>
-              <p:cNvSpPr txBox="1"/>
-              <p:nvPr/>
-            </p:nvSpPr>
-            <p:spPr>
-              <a:xfrm>
-                <a:off x="7340863" y="3665275"/>
-                <a:ext cx="1806000" cy="222000"/>
-              </a:xfrm>
-              <a:prstGeom prst="rect">
-                <a:avLst/>
-              </a:prstGeom>
-              <a:noFill/>
-              <a:ln>
-                <a:noFill/>
-              </a:ln>
-            </p:spPr>
-            <p:txBody>
-              <a:bodyPr spcFirstLastPara="1" wrap="square" lIns="121900" tIns="121900" rIns="121900" bIns="121900" anchor="t" anchorCtr="0">
-                <a:noAutofit/>
-              </a:bodyPr>
-              <a:lstStyle/>
-              <a:p>
-                <a:r>
-                  <a:rPr lang="en" sz="933">
-                    <a:solidFill>
-                      <a:srgbClr val="00297F"/>
-                    </a:solidFill>
-                    <a:latin typeface="Lato Black"/>
-                    <a:ea typeface="Lato Black"/>
-                    <a:cs typeface="Lato Black"/>
-                    <a:sym typeface="Lato Black"/>
-                  </a:rPr>
-                  <a:t>Diversity of Speakers</a:t>
-                </a:r>
-                <a:endParaRPr sz="933">
-                  <a:solidFill>
-                    <a:srgbClr val="00297F"/>
-                  </a:solidFill>
-                  <a:latin typeface="Lato Black"/>
-                  <a:ea typeface="Lato Black"/>
-                  <a:cs typeface="Lato Black"/>
-                  <a:sym typeface="Lato Black"/>
-                </a:endParaRPr>
-              </a:p>
-            </p:txBody>
-          </p:sp>
-          <p:sp>
-            <p:nvSpPr>
-              <p:cNvPr id="202" name="Google Shape;202;p28"/>
-              <p:cNvSpPr txBox="1"/>
-              <p:nvPr/>
-            </p:nvSpPr>
-            <p:spPr>
-              <a:xfrm>
-                <a:off x="7340863" y="4115200"/>
-                <a:ext cx="1806000" cy="222000"/>
-              </a:xfrm>
-              <a:prstGeom prst="rect">
-                <a:avLst/>
-              </a:prstGeom>
-              <a:noFill/>
-              <a:ln>
-                <a:noFill/>
-              </a:ln>
-            </p:spPr>
-            <p:txBody>
-              <a:bodyPr spcFirstLastPara="1" wrap="square" lIns="121900" tIns="121900" rIns="121900" bIns="121900" anchor="t" anchorCtr="0">
-                <a:noAutofit/>
-              </a:bodyPr>
-              <a:lstStyle/>
-              <a:p>
-                <a:r>
-                  <a:rPr lang="en" sz="933">
-                    <a:solidFill>
-                      <a:srgbClr val="00297F"/>
-                    </a:solidFill>
-                    <a:latin typeface="Lato Black"/>
-                    <a:ea typeface="Lato Black"/>
-                    <a:cs typeface="Lato Black"/>
-                    <a:sym typeface="Lato Black"/>
-                  </a:rPr>
-                  <a:t>Networking Opportunities</a:t>
-                </a:r>
-                <a:endParaRPr sz="933">
-                  <a:solidFill>
-                    <a:srgbClr val="00297F"/>
-                  </a:solidFill>
-                  <a:latin typeface="Lato Black"/>
-                  <a:ea typeface="Lato Black"/>
-                  <a:cs typeface="Lato Black"/>
-                  <a:sym typeface="Lato Black"/>
-                </a:endParaRPr>
-              </a:p>
-            </p:txBody>
-          </p:sp>
-          <p:cxnSp>
-            <p:nvCxnSpPr>
-              <p:cNvPr id="203" name="Google Shape;203;p28"/>
-              <p:cNvCxnSpPr/>
-              <p:nvPr/>
-            </p:nvCxnSpPr>
-            <p:spPr>
-              <a:xfrm>
-                <a:off x="7383800" y="4750875"/>
-                <a:ext cx="1601100" cy="0"/>
-              </a:xfrm>
-              <a:prstGeom prst="straightConnector1">
-                <a:avLst/>
-              </a:prstGeom>
-              <a:noFill/>
-              <a:ln w="19050" cap="flat" cmpd="sng">
-                <a:solidFill>
-                  <a:schemeClr val="dk2"/>
-                </a:solidFill>
-                <a:prstDash val="solid"/>
-                <a:round/>
-                <a:headEnd type="none" w="med" len="med"/>
-                <a:tailEnd type="triangle" w="med" len="med"/>
-              </a:ln>
-            </p:spPr>
-          </p:cxnSp>
-          <p:sp>
-            <p:nvSpPr>
-              <p:cNvPr id="204" name="Google Shape;204;p28"/>
-              <p:cNvSpPr txBox="1"/>
-              <p:nvPr/>
-            </p:nvSpPr>
-            <p:spPr>
-              <a:xfrm>
-                <a:off x="7292500" y="4750875"/>
-                <a:ext cx="1579200" cy="209700"/>
-              </a:xfrm>
-              <a:prstGeom prst="rect">
-                <a:avLst/>
-              </a:prstGeom>
-              <a:noFill/>
-              <a:ln>
-                <a:noFill/>
-              </a:ln>
-            </p:spPr>
-            <p:txBody>
-              <a:bodyPr spcFirstLastPara="1" wrap="square" lIns="121900" tIns="121900" rIns="121900" bIns="121900" anchor="t" anchorCtr="0">
-                <a:noAutofit/>
-              </a:bodyPr>
-              <a:lstStyle/>
-              <a:p>
-                <a:r>
-                  <a:rPr lang="en" sz="933" b="1">
-                    <a:solidFill>
-                      <a:srgbClr val="00297F"/>
-                    </a:solidFill>
-                    <a:latin typeface="Lato"/>
-                    <a:ea typeface="Lato"/>
-                    <a:cs typeface="Lato"/>
-                    <a:sym typeface="Lato"/>
-                  </a:rPr>
-                  <a:t>Not</a:t>
-                </a:r>
-                <a:endParaRPr sz="933" b="1">
-                  <a:solidFill>
-                    <a:srgbClr val="00297F"/>
-                  </a:solidFill>
-                  <a:latin typeface="Lato"/>
-                  <a:ea typeface="Lato"/>
-                  <a:cs typeface="Lato"/>
-                  <a:sym typeface="Lato"/>
-                </a:endParaRPr>
-              </a:p>
-              <a:p>
-                <a:r>
-                  <a:rPr lang="en" sz="933" b="1">
-                    <a:solidFill>
-                      <a:srgbClr val="00297F"/>
-                    </a:solidFill>
-                    <a:latin typeface="Lato"/>
-                    <a:ea typeface="Lato"/>
-                    <a:cs typeface="Lato"/>
-                    <a:sym typeface="Lato"/>
-                  </a:rPr>
-                  <a:t>Important</a:t>
-                </a:r>
-                <a:endParaRPr sz="933" b="1">
-                  <a:solidFill>
-                    <a:srgbClr val="00297F"/>
-                  </a:solidFill>
-                  <a:latin typeface="Lato"/>
-                  <a:ea typeface="Lato"/>
-                  <a:cs typeface="Lato"/>
-                  <a:sym typeface="Lato"/>
-                </a:endParaRPr>
-              </a:p>
-            </p:txBody>
-          </p:sp>
-          <p:sp>
-            <p:nvSpPr>
-              <p:cNvPr id="205" name="Google Shape;205;p28"/>
-              <p:cNvSpPr txBox="1"/>
-              <p:nvPr/>
-            </p:nvSpPr>
-            <p:spPr>
-              <a:xfrm>
-                <a:off x="8180825" y="4750875"/>
-                <a:ext cx="861300" cy="209700"/>
-              </a:xfrm>
-              <a:prstGeom prst="rect">
-                <a:avLst/>
-              </a:prstGeom>
-              <a:noFill/>
-              <a:ln>
-                <a:noFill/>
-              </a:ln>
-            </p:spPr>
-            <p:txBody>
-              <a:bodyPr spcFirstLastPara="1" wrap="square" lIns="121900" tIns="121900" rIns="121900" bIns="121900" anchor="t" anchorCtr="0">
-                <a:noAutofit/>
-              </a:bodyPr>
-              <a:lstStyle/>
-              <a:p>
-                <a:pPr algn="r"/>
-                <a:r>
-                  <a:rPr lang="en" sz="933" b="1">
-                    <a:solidFill>
-                      <a:srgbClr val="00297F"/>
-                    </a:solidFill>
-                    <a:latin typeface="Lato"/>
-                    <a:ea typeface="Lato"/>
-                    <a:cs typeface="Lato"/>
-                    <a:sym typeface="Lato"/>
-                  </a:rPr>
-                  <a:t>Very</a:t>
-                </a:r>
-                <a:endParaRPr sz="933" b="1">
-                  <a:solidFill>
-                    <a:srgbClr val="00297F"/>
-                  </a:solidFill>
-                  <a:latin typeface="Lato"/>
-                  <a:ea typeface="Lato"/>
-                  <a:cs typeface="Lato"/>
-                  <a:sym typeface="Lato"/>
-                </a:endParaRPr>
-              </a:p>
-              <a:p>
-                <a:pPr algn="r"/>
-                <a:r>
-                  <a:rPr lang="en" sz="933" b="1">
-                    <a:solidFill>
-                      <a:srgbClr val="00297F"/>
-                    </a:solidFill>
-                    <a:latin typeface="Lato"/>
-                    <a:ea typeface="Lato"/>
-                    <a:cs typeface="Lato"/>
-                    <a:sym typeface="Lato"/>
-                  </a:rPr>
-                  <a:t>Important</a:t>
-                </a:r>
-                <a:endParaRPr sz="933" b="1">
-                  <a:solidFill>
-                    <a:srgbClr val="00297F"/>
-                  </a:solidFill>
-                  <a:latin typeface="Lato"/>
-                  <a:ea typeface="Lato"/>
-                  <a:cs typeface="Lato"/>
-                  <a:sym typeface="Lato"/>
-                </a:endParaRPr>
-              </a:p>
-            </p:txBody>
-          </p:sp>
-          <p:cxnSp>
-            <p:nvCxnSpPr>
-              <p:cNvPr id="206" name="Google Shape;206;p28"/>
-              <p:cNvCxnSpPr/>
-              <p:nvPr/>
-            </p:nvCxnSpPr>
-            <p:spPr>
-              <a:xfrm>
-                <a:off x="7237050" y="3181825"/>
-                <a:ext cx="1896000" cy="0"/>
-              </a:xfrm>
-              <a:prstGeom prst="straightConnector1">
-                <a:avLst/>
-              </a:prstGeom>
-              <a:noFill/>
-              <a:ln w="9525" cap="flat" cmpd="sng">
-                <a:solidFill>
-                  <a:schemeClr val="dk2"/>
-                </a:solidFill>
-                <a:prstDash val="dot"/>
-                <a:round/>
-                <a:headEnd type="none" w="med" len="med"/>
-                <a:tailEnd type="none" w="med" len="med"/>
-              </a:ln>
-            </p:spPr>
-          </p:cxnSp>
-          <p:cxnSp>
-            <p:nvCxnSpPr>
-              <p:cNvPr id="207" name="Google Shape;207;p28"/>
-              <p:cNvCxnSpPr/>
-              <p:nvPr/>
-            </p:nvCxnSpPr>
-            <p:spPr>
-              <a:xfrm>
-                <a:off x="7232075" y="1766175"/>
-                <a:ext cx="1896000" cy="0"/>
-              </a:xfrm>
-              <a:prstGeom prst="straightConnector1">
-                <a:avLst/>
-              </a:prstGeom>
-              <a:noFill/>
-              <a:ln w="9525" cap="flat" cmpd="sng">
-                <a:solidFill>
-                  <a:schemeClr val="dk2"/>
-                </a:solidFill>
-                <a:prstDash val="dot"/>
-                <a:round/>
-                <a:headEnd type="none" w="med" len="med"/>
-                <a:tailEnd type="none" w="med" len="med"/>
-              </a:ln>
-            </p:spPr>
-          </p:cxnSp>
-        </p:grpSp>
-        <p:pic>
-          <p:nvPicPr>
-            <p:cNvPr id="208" name="Google Shape;208;p28" title="Chart"/>
-            <p:cNvPicPr preferRelativeResize="0"/>
+                </a:rPr>
+                <a:t>Job Titles</a:t>
+              </a:r>
+              <a:endParaRPr sz="1333" b="1">
+                <a:solidFill>
+                  <a:srgbClr val="00297F"/>
+                </a:solidFill>
+                <a:latin typeface="Lato"/>
+                <a:ea typeface="Lato"/>
+                <a:cs typeface="Lato"/>
+                <a:sym typeface="Lato"/>
+              </a:endParaRPr>
+            </a:p>
+            <a:p>
+              <a:pPr>
+                <a:lnSpc>
+                  <a:spcPct val="150000"/>
+                </a:lnSpc>
+              </a:pPr>
+              <a:endParaRPr sz="1333">
+                <a:solidFill>
+                  <a:srgbClr val="00297F"/>
+                </a:solidFill>
+                <a:latin typeface="Lato"/>
+                <a:ea typeface="Lato"/>
+                <a:cs typeface="Lato"/>
+                <a:sym typeface="Lato"/>
+              </a:endParaRPr>
+            </a:p>
+          </p:txBody>
+        </p:sp>
+        <p:cxnSp>
+          <p:nvCxnSpPr>
+            <p:cNvPr id="206" name="Google Shape;206;p28"/>
+            <p:cNvCxnSpPr/>
             <p:nvPr/>
-          </p:nvPicPr>
-          <p:blipFill rotWithShape="1">
-            <a:blip r:embed="rId6">
-              <a:alphaModFix/>
-            </a:blip>
-            <a:srcRect l="23471" b="16212"/>
-            <a:stretch/>
-          </p:blipFill>
+          </p:nvCxnSpPr>
           <p:spPr>
             <a:xfrm>
-              <a:off x="7382713" y="3198450"/>
-              <a:ext cx="1647525" cy="1623475"/>
+              <a:off x="7237050" y="3181825"/>
+              <a:ext cx="1896000" cy="0"/>
             </a:xfrm>
-            <a:prstGeom prst="rect">
+            <a:prstGeom prst="straightConnector1">
               <a:avLst/>
             </a:prstGeom>
-            <a:noFill/>
-            <a:ln>
-              <a:noFill/>
+            <a:grpFill/>
+            <a:ln w="9525" cap="flat" cmpd="sng">
+              <a:solidFill>
+                <a:schemeClr val="dk2"/>
+              </a:solidFill>
+              <a:prstDash val="dot"/>
+              <a:round/>
+              <a:headEnd type="none" w="med" len="med"/>
+              <a:tailEnd type="none" w="med" len="med"/>
             </a:ln>
           </p:spPr>
-        </p:pic>
+        </p:cxnSp>
+        <p:cxnSp>
+          <p:nvCxnSpPr>
+            <p:cNvPr id="207" name="Google Shape;207;p28"/>
+            <p:cNvCxnSpPr/>
+            <p:nvPr/>
+          </p:nvCxnSpPr>
+          <p:spPr>
+            <a:xfrm>
+              <a:off x="7232075" y="1766175"/>
+              <a:ext cx="1896000" cy="0"/>
+            </a:xfrm>
+            <a:prstGeom prst="straightConnector1">
+              <a:avLst/>
+            </a:prstGeom>
+            <a:grpFill/>
+            <a:ln w="9525" cap="flat" cmpd="sng">
+              <a:solidFill>
+                <a:schemeClr val="dk2"/>
+              </a:solidFill>
+              <a:prstDash val="dot"/>
+              <a:round/>
+              <a:headEnd type="none" w="med" len="med"/>
+              <a:tailEnd type="none" w="med" len="med"/>
+            </a:ln>
+          </p:spPr>
+        </p:cxnSp>
       </p:grpSp>
+      <p:cxnSp>
+        <p:nvCxnSpPr>
+          <p:cNvPr id="36" name="Google Shape;234;p30">
+            <a:extLst>
+              <a:ext uri="{FF2B5EF4-FFF2-40B4-BE49-F238E27FC236}">
+                <a16:creationId xmlns:a16="http://schemas.microsoft.com/office/drawing/2014/main" id="{C20D94B8-3EE7-854A-8806-23F7BE63B70A}"/>
+              </a:ext>
+            </a:extLst>
+          </p:cNvPr>
+          <p:cNvCxnSpPr/>
+          <p:nvPr/>
+        </p:nvCxnSpPr>
+        <p:spPr>
+          <a:xfrm>
+            <a:off x="9819751" y="6334500"/>
+            <a:ext cx="2134800" cy="0"/>
+          </a:xfrm>
+          <a:prstGeom prst="straightConnector1">
+            <a:avLst/>
+          </a:prstGeom>
+          <a:noFill/>
+          <a:ln w="19050" cap="flat" cmpd="sng">
+            <a:solidFill>
+              <a:schemeClr val="dk2"/>
+            </a:solidFill>
+            <a:prstDash val="solid"/>
+            <a:round/>
+            <a:headEnd type="none" w="med" len="med"/>
+            <a:tailEnd type="triangle" w="med" len="med"/>
+          </a:ln>
+        </p:spPr>
+      </p:cxnSp>
+      <p:sp>
+        <p:nvSpPr>
+          <p:cNvPr id="37" name="Google Shape;235;p30">
+            <a:extLst>
+              <a:ext uri="{FF2B5EF4-FFF2-40B4-BE49-F238E27FC236}">
+                <a16:creationId xmlns:a16="http://schemas.microsoft.com/office/drawing/2014/main" id="{1734B4D7-5EF3-8B49-ACDB-F94C4EFAB0D4}"/>
+              </a:ext>
+            </a:extLst>
+          </p:cNvPr>
+          <p:cNvSpPr txBox="1"/>
+          <p:nvPr/>
+        </p:nvSpPr>
+        <p:spPr>
+          <a:xfrm>
+            <a:off x="9698018" y="6334499"/>
+            <a:ext cx="2105600" cy="523499"/>
+          </a:xfrm>
+          <a:prstGeom prst="rect">
+            <a:avLst/>
+          </a:prstGeom>
+          <a:noFill/>
+          <a:ln>
+            <a:noFill/>
+          </a:ln>
+        </p:spPr>
+        <p:txBody>
+          <a:bodyPr spcFirstLastPara="1" wrap="square" lIns="121900" tIns="121900" rIns="121900" bIns="121900" anchor="t" anchorCtr="0">
+            <a:noAutofit/>
+          </a:bodyPr>
+          <a:lstStyle/>
+          <a:p>
+            <a:r>
+              <a:rPr lang="en" sz="933" b="1" dirty="0">
+                <a:solidFill>
+                  <a:srgbClr val="00297F"/>
+                </a:solidFill>
+                <a:latin typeface="Lato"/>
+                <a:ea typeface="Lato"/>
+                <a:cs typeface="Lato"/>
+                <a:sym typeface="Lato"/>
+              </a:rPr>
+              <a:t>Not</a:t>
+            </a:r>
+            <a:endParaRPr sz="933" b="1" dirty="0">
+              <a:solidFill>
+                <a:srgbClr val="00297F"/>
+              </a:solidFill>
+              <a:latin typeface="Lato"/>
+              <a:ea typeface="Lato"/>
+              <a:cs typeface="Lato"/>
+              <a:sym typeface="Lato"/>
+            </a:endParaRPr>
+          </a:p>
+        </p:txBody>
+      </p:sp>
+      <p:sp>
+        <p:nvSpPr>
+          <p:cNvPr id="38" name="Google Shape;236;p30">
+            <a:extLst>
+              <a:ext uri="{FF2B5EF4-FFF2-40B4-BE49-F238E27FC236}">
+                <a16:creationId xmlns:a16="http://schemas.microsoft.com/office/drawing/2014/main" id="{42492933-741E-6B46-8C9B-6F1C51D84300}"/>
+              </a:ext>
+            </a:extLst>
+          </p:cNvPr>
+          <p:cNvSpPr txBox="1"/>
+          <p:nvPr/>
+        </p:nvSpPr>
+        <p:spPr>
+          <a:xfrm>
+            <a:off x="10882450" y="6334500"/>
+            <a:ext cx="1148400" cy="279600"/>
+          </a:xfrm>
+          <a:prstGeom prst="rect">
+            <a:avLst/>
+          </a:prstGeom>
+          <a:noFill/>
+          <a:ln>
+            <a:noFill/>
+          </a:ln>
+        </p:spPr>
+        <p:txBody>
+          <a:bodyPr spcFirstLastPara="1" wrap="square" lIns="121900" tIns="121900" rIns="121900" bIns="121900" anchor="t" anchorCtr="0">
+            <a:noAutofit/>
+          </a:bodyPr>
+          <a:lstStyle/>
+          <a:p>
+            <a:pPr algn="r"/>
+            <a:r>
+              <a:rPr lang="en" sz="933" b="1" dirty="0">
+                <a:solidFill>
+                  <a:srgbClr val="00297F"/>
+                </a:solidFill>
+                <a:latin typeface="Lato"/>
+                <a:ea typeface="Lato"/>
+                <a:cs typeface="Lato"/>
+                <a:sym typeface="Lato"/>
+              </a:rPr>
+              <a:t>Very Important</a:t>
+            </a:r>
+            <a:endParaRPr sz="933" b="1" dirty="0">
+              <a:solidFill>
+                <a:srgbClr val="00297F"/>
+              </a:solidFill>
+              <a:latin typeface="Lato"/>
+              <a:ea typeface="Lato"/>
+              <a:cs typeface="Lato"/>
+              <a:sym typeface="Lato"/>
+            </a:endParaRPr>
+          </a:p>
+        </p:txBody>
+      </p:sp>
     </p:spTree>
     <p:extLst>
       <p:ext uri="{BB962C8B-B14F-4D97-AF65-F5344CB8AC3E}">
@@ -8490,10 +7839,10 @@
         </p:nvGrpSpPr>
         <p:grpSpPr>
           <a:xfrm>
-            <a:off x="9475061" y="0"/>
-            <a:ext cx="2743023" cy="6858000"/>
-            <a:chOff x="7070420" y="-10350"/>
-            <a:chExt cx="2057267" cy="5143500"/>
+            <a:off x="9552351" y="0"/>
+            <a:ext cx="2650000" cy="6858000"/>
+            <a:chOff x="7128388" y="-10350"/>
+            <a:chExt cx="1987500" cy="5143500"/>
           </a:xfrm>
         </p:grpSpPr>
         <p:sp>
@@ -8523,7 +7872,7 @@
             </a:bodyPr>
             <a:lstStyle/>
             <a:p>
-              <a:endParaRPr sz="2400">
+              <a:endParaRPr sz="2400" dirty="0">
                 <a:solidFill>
                   <a:srgbClr val="00297F"/>
                 </a:solidFill>
@@ -8562,7 +7911,7 @@
                 </a:lnSpc>
               </a:pPr>
               <a:r>
-                <a:rPr lang="en" sz="1333" b="1">
+                <a:rPr lang="en" sz="1333" b="1" dirty="0">
                   <a:solidFill>
                     <a:srgbClr val="00297F"/>
                   </a:solidFill>
@@ -8573,7 +7922,7 @@
                 </a:rPr>
                 <a:t>Job Titles</a:t>
               </a:r>
-              <a:endParaRPr sz="1333" b="1">
+              <a:endParaRPr sz="1333" b="1" dirty="0">
                 <a:solidFill>
                   <a:srgbClr val="00297F"/>
                 </a:solidFill>
@@ -8589,329 +7938,14 @@
                   <a:spcPct val="150000"/>
                 </a:lnSpc>
               </a:pPr>
-              <a:endParaRPr sz="1333">
-                <a:solidFill>
-                  <a:srgbClr val="00297F"/>
-                </a:solidFill>
-                <a:latin typeface="Lato"/>
-                <a:ea typeface="Lato"/>
-                <a:cs typeface="Lato"/>
-                <a:sym typeface="Lato"/>
-              </a:endParaRPr>
-            </a:p>
-          </p:txBody>
-        </p:sp>
-        <p:sp>
-          <p:nvSpPr>
-            <p:cNvPr id="229" name="Google Shape;229;p30"/>
-            <p:cNvSpPr txBox="1"/>
-            <p:nvPr/>
-          </p:nvSpPr>
-          <p:spPr>
-            <a:xfrm>
-              <a:off x="8069588" y="65950"/>
-              <a:ext cx="1058100" cy="417000"/>
-            </a:xfrm>
-            <a:prstGeom prst="rect">
-              <a:avLst/>
-            </a:prstGeom>
-            <a:noFill/>
-            <a:ln>
-              <a:noFill/>
-            </a:ln>
-          </p:spPr>
-          <p:txBody>
-            <a:bodyPr spcFirstLastPara="1" wrap="square" lIns="121900" tIns="121900" rIns="121900" bIns="121900" anchor="t" anchorCtr="0">
-              <a:noAutofit/>
-            </a:bodyPr>
-            <a:lstStyle/>
-            <a:p>
-              <a:r>
-                <a:rPr lang="en" sz="2400" b="1" i="1" dirty="0">
-                  <a:solidFill>
-                    <a:srgbClr val="00297F"/>
-                  </a:solidFill>
-                  <a:latin typeface="Lato"/>
-                  <a:ea typeface="Lato"/>
-                  <a:cs typeface="Lato"/>
-                  <a:sym typeface="Lato"/>
-                </a:rPr>
-                <a:t>63%</a:t>
-              </a:r>
-              <a:r>
-                <a:rPr lang="en" sz="2400" i="1" dirty="0">
-                  <a:solidFill>
-                    <a:srgbClr val="00297F"/>
-                  </a:solidFill>
-                  <a:latin typeface="Lato"/>
-                  <a:ea typeface="Lato"/>
-                  <a:cs typeface="Lato"/>
-                  <a:sym typeface="Lato"/>
-                </a:rPr>
-                <a:t> </a:t>
-              </a:r>
-              <a:endParaRPr sz="2400" i="1" dirty="0">
-                <a:solidFill>
-                  <a:srgbClr val="00297F"/>
-                </a:solidFill>
-                <a:latin typeface="Lato"/>
-                <a:ea typeface="Lato"/>
-                <a:cs typeface="Lato"/>
-                <a:sym typeface="Lato"/>
-              </a:endParaRPr>
-            </a:p>
-            <a:p>
-              <a:r>
-                <a:rPr lang="en" sz="1200" i="1" dirty="0">
-                  <a:solidFill>
-                    <a:srgbClr val="00297F"/>
-                  </a:solidFill>
-                  <a:latin typeface="Lato"/>
-                  <a:ea typeface="Lato"/>
-                  <a:cs typeface="Lato"/>
-                  <a:sym typeface="Lato"/>
-                </a:rPr>
-                <a:t>academically trained in research</a:t>
-              </a:r>
-              <a:endParaRPr sz="1200" i="1" dirty="0">
-                <a:solidFill>
-                  <a:srgbClr val="00297F"/>
-                </a:solidFill>
-                <a:latin typeface="Lato"/>
-                <a:ea typeface="Lato"/>
-                <a:cs typeface="Lato"/>
-                <a:sym typeface="Lato"/>
-              </a:endParaRPr>
-            </a:p>
-          </p:txBody>
-        </p:sp>
-        <p:sp>
-          <p:nvSpPr>
-            <p:cNvPr id="230" name="Google Shape;230;p30"/>
-            <p:cNvSpPr txBox="1"/>
-            <p:nvPr/>
-          </p:nvSpPr>
-          <p:spPr>
-            <a:xfrm>
-              <a:off x="8069713" y="850750"/>
-              <a:ext cx="1012200" cy="417000"/>
-            </a:xfrm>
-            <a:prstGeom prst="rect">
-              <a:avLst/>
-            </a:prstGeom>
-            <a:noFill/>
-            <a:ln>
-              <a:noFill/>
-            </a:ln>
-          </p:spPr>
-          <p:txBody>
-            <a:bodyPr spcFirstLastPara="1" wrap="square" lIns="121900" tIns="121900" rIns="121900" bIns="121900" anchor="t" anchorCtr="0">
-              <a:noAutofit/>
-            </a:bodyPr>
-            <a:lstStyle/>
-            <a:p>
-              <a:r>
-                <a:rPr lang="en" sz="2400" b="1" i="1" dirty="0">
-                  <a:solidFill>
-                    <a:srgbClr val="00297F"/>
-                  </a:solidFill>
-                  <a:latin typeface="Lato"/>
-                  <a:ea typeface="Lato"/>
-                  <a:cs typeface="Lato"/>
-                  <a:sym typeface="Lato"/>
-                </a:rPr>
-                <a:t>58%</a:t>
-              </a:r>
-              <a:r>
-                <a:rPr lang="en" sz="2400" i="1" dirty="0">
-                  <a:solidFill>
-                    <a:srgbClr val="00297F"/>
-                  </a:solidFill>
-                  <a:latin typeface="Lato"/>
-                  <a:ea typeface="Lato"/>
-                  <a:cs typeface="Lato"/>
-                  <a:sym typeface="Lato"/>
-                </a:rPr>
-                <a:t> </a:t>
-              </a:r>
-              <a:endParaRPr sz="2400" i="1" dirty="0">
-                <a:solidFill>
-                  <a:srgbClr val="00297F"/>
-                </a:solidFill>
-                <a:latin typeface="Lato"/>
-                <a:ea typeface="Lato"/>
-                <a:cs typeface="Lato"/>
-                <a:sym typeface="Lato"/>
-              </a:endParaRPr>
-            </a:p>
-            <a:p>
-              <a:r>
-                <a:rPr lang="en" sz="1200" i="1" dirty="0">
-                  <a:solidFill>
-                    <a:srgbClr val="00297F"/>
-                  </a:solidFill>
-                  <a:latin typeface="Lato"/>
-                  <a:ea typeface="Lato"/>
-                  <a:cs typeface="Lato"/>
-                  <a:sym typeface="Lato"/>
-                </a:rPr>
-                <a:t>currently work in large orgs</a:t>
-              </a:r>
-              <a:endParaRPr sz="1200" i="1" dirty="0">
-                <a:solidFill>
-                  <a:srgbClr val="00297F"/>
-                </a:solidFill>
-                <a:latin typeface="Lato"/>
-                <a:ea typeface="Lato"/>
-                <a:cs typeface="Lato"/>
-                <a:sym typeface="Lato"/>
-              </a:endParaRPr>
-            </a:p>
-          </p:txBody>
-        </p:sp>
-        <p:sp>
-          <p:nvSpPr>
-            <p:cNvPr id="231" name="Google Shape;231;p30"/>
-            <p:cNvSpPr txBox="1"/>
-            <p:nvPr/>
-          </p:nvSpPr>
-          <p:spPr>
-            <a:xfrm>
-              <a:off x="7286000" y="3205000"/>
-              <a:ext cx="1806000" cy="222000"/>
-            </a:xfrm>
-            <a:prstGeom prst="rect">
-              <a:avLst/>
-            </a:prstGeom>
-            <a:noFill/>
-            <a:ln>
-              <a:noFill/>
-            </a:ln>
-          </p:spPr>
-          <p:txBody>
-            <a:bodyPr spcFirstLastPara="1" wrap="square" lIns="121900" tIns="121900" rIns="121900" bIns="121900" anchor="t" anchorCtr="0">
-              <a:noAutofit/>
-            </a:bodyPr>
-            <a:lstStyle/>
-            <a:p>
-              <a:r>
-                <a:rPr lang="en" sz="933">
-                  <a:solidFill>
-                    <a:srgbClr val="00297F"/>
-                  </a:solidFill>
-                  <a:latin typeface="Lato Black"/>
-                  <a:ea typeface="Lato Black"/>
-                  <a:cs typeface="Lato Black"/>
-                  <a:sym typeface="Lato Black"/>
-                </a:rPr>
-                <a:t>Speaker Name Recognition</a:t>
-              </a:r>
-              <a:endParaRPr sz="933">
-                <a:solidFill>
-                  <a:srgbClr val="00297F"/>
-                </a:solidFill>
-                <a:latin typeface="Lato Black"/>
-                <a:ea typeface="Lato Black"/>
-                <a:cs typeface="Lato Black"/>
-                <a:sym typeface="Lato Black"/>
-              </a:endParaRPr>
-            </a:p>
-          </p:txBody>
-        </p:sp>
-        <p:sp>
-          <p:nvSpPr>
-            <p:cNvPr id="232" name="Google Shape;232;p30"/>
-            <p:cNvSpPr txBox="1"/>
-            <p:nvPr/>
-          </p:nvSpPr>
-          <p:spPr>
-            <a:xfrm>
-              <a:off x="7286000" y="3654925"/>
-              <a:ext cx="1806000" cy="222000"/>
-            </a:xfrm>
-            <a:prstGeom prst="rect">
-              <a:avLst/>
-            </a:prstGeom>
-            <a:noFill/>
-            <a:ln>
-              <a:noFill/>
-            </a:ln>
-          </p:spPr>
-          <p:txBody>
-            <a:bodyPr spcFirstLastPara="1" wrap="square" lIns="121900" tIns="121900" rIns="121900" bIns="121900" anchor="t" anchorCtr="0">
-              <a:noAutofit/>
-            </a:bodyPr>
-            <a:lstStyle/>
-            <a:p>
-              <a:r>
-                <a:rPr lang="en" sz="933">
-                  <a:solidFill>
-                    <a:srgbClr val="00297F"/>
-                  </a:solidFill>
-                  <a:latin typeface="Lato Black"/>
-                  <a:ea typeface="Lato Black"/>
-                  <a:cs typeface="Lato Black"/>
-                  <a:sym typeface="Lato Black"/>
-                </a:rPr>
-                <a:t>Diversity of Speakers</a:t>
-              </a:r>
-              <a:endParaRPr sz="933">
-                <a:solidFill>
-                  <a:srgbClr val="00297F"/>
-                </a:solidFill>
-                <a:latin typeface="Lato Black"/>
-                <a:ea typeface="Lato Black"/>
-                <a:cs typeface="Lato Black"/>
-                <a:sym typeface="Lato Black"/>
-              </a:endParaRPr>
-            </a:p>
-          </p:txBody>
-        </p:sp>
-        <p:sp>
-          <p:nvSpPr>
-            <p:cNvPr id="233" name="Google Shape;233;p30"/>
-            <p:cNvSpPr txBox="1"/>
-            <p:nvPr/>
-          </p:nvSpPr>
-          <p:spPr>
-            <a:xfrm>
-              <a:off x="7286000" y="4104850"/>
-              <a:ext cx="1806000" cy="222000"/>
-            </a:xfrm>
-            <a:prstGeom prst="rect">
-              <a:avLst/>
-            </a:prstGeom>
-            <a:noFill/>
-            <a:ln>
-              <a:noFill/>
-            </a:ln>
-          </p:spPr>
-          <p:txBody>
-            <a:bodyPr spcFirstLastPara="1" wrap="square" lIns="121900" tIns="121900" rIns="121900" bIns="121900" anchor="t" anchorCtr="0">
-              <a:noAutofit/>
-            </a:bodyPr>
-            <a:lstStyle/>
-            <a:p>
-              <a:r>
-                <a:rPr lang="en" sz="933">
-                  <a:solidFill>
-                    <a:srgbClr val="00297F"/>
-                  </a:solidFill>
-                  <a:latin typeface="Lato Black"/>
-                  <a:ea typeface="Lato Black"/>
-                  <a:cs typeface="Lato Black"/>
-                  <a:sym typeface="Lato Black"/>
-                </a:rPr>
-                <a:t>Networking Opportunities</a:t>
-              </a:r>
-              <a:endParaRPr sz="933">
-                <a:solidFill>
-                  <a:srgbClr val="00297F"/>
-                </a:solidFill>
-                <a:latin typeface="Lato Black"/>
-                <a:ea typeface="Lato Black"/>
-                <a:cs typeface="Lato Black"/>
-                <a:sym typeface="Lato Black"/>
+              <a:endParaRPr sz="1333" dirty="0">
+                <a:solidFill>
+                  <a:srgbClr val="00297F"/>
+                </a:solidFill>
+                <a:latin typeface="Lato"/>
+                <a:ea typeface="Lato"/>
+                <a:cs typeface="Lato"/>
+                <a:sym typeface="Lato"/>
               </a:endParaRPr>
             </a:p>
           </p:txBody>
@@ -8950,8 +7984,8 @@
           </p:nvSpPr>
           <p:spPr>
             <a:xfrm>
-              <a:off x="7237638" y="4740525"/>
-              <a:ext cx="1579200" cy="209700"/>
+              <a:off x="7237638" y="4740524"/>
+              <a:ext cx="1579200" cy="392624"/>
             </a:xfrm>
             <a:prstGeom prst="rect">
               <a:avLst/>
@@ -8968,7 +8002,7 @@
             <a:lstStyle/>
             <a:p>
               <a:r>
-                <a:rPr lang="en" sz="933" b="1">
+                <a:rPr lang="en" sz="933" b="1" dirty="0">
                   <a:solidFill>
                     <a:srgbClr val="00297F"/>
                   </a:solidFill>
@@ -8979,30 +8013,7 @@
                 </a:rPr>
                 <a:t>Not</a:t>
               </a:r>
-              <a:endParaRPr sz="933" b="1">
-                <a:solidFill>
-                  <a:srgbClr val="00297F"/>
-                </a:solidFill>
-                <a:latin typeface="Lato"/>
-                <a:ea typeface="Lato"/>
-                <a:cs typeface="Lato"/>
-                <a:sym typeface="Lato"/>
-              </a:endParaRPr>
-            </a:p>
-            <a:p>
-              <a:r>
-                <a:rPr lang="en" sz="933" b="1">
-                  <a:solidFill>
-                    <a:srgbClr val="00297F"/>
-                  </a:solidFill>
-                  <a:latin typeface="Lato"/>
-                  <a:ea typeface="Lato"/>
-                  <a:cs typeface="Lato"/>
-                  <a:sym typeface="Lato"/>
-                </a:rPr>
-                <a:t>Important</a:t>
-              </a:r>
-              <a:endParaRPr sz="933" b="1">
+              <a:endParaRPr sz="933" b="1" dirty="0">
                 <a:solidFill>
                   <a:srgbClr val="00297F"/>
                 </a:solidFill>
@@ -9041,7 +8052,7 @@
             <a:p>
               <a:pPr algn="r"/>
               <a:r>
-                <a:rPr lang="en" sz="933" b="1">
+                <a:rPr lang="en" sz="933" b="1" dirty="0">
                   <a:solidFill>
                     <a:srgbClr val="00297F"/>
                   </a:solidFill>
@@ -9050,33 +8061,9 @@
                   <a:cs typeface="Lato"/>
                   <a:sym typeface="Lato"/>
                 </a:rPr>
-                <a:t>Very</a:t>
+                <a:t>Very Important</a:t>
               </a:r>
-              <a:endParaRPr sz="933" b="1">
-                <a:solidFill>
-                  <a:srgbClr val="00297F"/>
-                </a:solidFill>
-                <a:latin typeface="Lato"/>
-                <a:ea typeface="Lato"/>
-                <a:cs typeface="Lato"/>
-                <a:sym typeface="Lato"/>
-              </a:endParaRPr>
-            </a:p>
-            <a:p>
-              <a:pPr algn="r"/>
-              <a:r>
-                <a:rPr lang="en" sz="933" b="1">
-                  <a:solidFill>
-                    <a:srgbClr val="00297F"/>
-                  </a:solidFill>
-                  <a:latin typeface="Lato"/>
-                  <a:ea typeface="Lato"/>
-                  <a:cs typeface="Lato"/>
-                  <a:sym typeface="Lato"/>
-                </a:rPr>
-                <a:t>Important</a:t>
-              </a:r>
-              <a:endParaRPr sz="933" b="1">
+              <a:endParaRPr sz="933" b="1" dirty="0">
                 <a:solidFill>
                   <a:srgbClr val="00297F"/>
                 </a:solidFill>
@@ -9140,311 +8127,6 @@
             </a:ln>
           </p:spPr>
         </p:cxnSp>
-        <p:pic>
-          <p:nvPicPr>
-            <p:cNvPr id="239" name="Google Shape;239;p30" title="Chart"/>
-            <p:cNvPicPr preferRelativeResize="0"/>
-            <p:nvPr/>
-          </p:nvPicPr>
-          <p:blipFill>
-            <a:blip r:embed="rId3">
-              <a:alphaModFix/>
-            </a:blip>
-            <a:stretch>
-              <a:fillRect/>
-            </a:stretch>
-          </p:blipFill>
-          <p:spPr>
-            <a:xfrm>
-              <a:off x="7155612" y="192633"/>
-              <a:ext cx="955875" cy="589492"/>
-            </a:xfrm>
-            <a:prstGeom prst="rect">
-              <a:avLst/>
-            </a:prstGeom>
-            <a:noFill/>
-            <a:ln>
-              <a:noFill/>
-            </a:ln>
-          </p:spPr>
-        </p:pic>
-        <p:pic>
-          <p:nvPicPr>
-            <p:cNvPr id="240" name="Google Shape;240;p30" title="Chart"/>
-            <p:cNvPicPr preferRelativeResize="0"/>
-            <p:nvPr/>
-          </p:nvPicPr>
-          <p:blipFill>
-            <a:blip r:embed="rId4">
-              <a:alphaModFix/>
-            </a:blip>
-            <a:stretch>
-              <a:fillRect/>
-            </a:stretch>
-          </p:blipFill>
-          <p:spPr>
-            <a:xfrm>
-              <a:off x="7070420" y="849163"/>
-              <a:ext cx="1058130" cy="652550"/>
-            </a:xfrm>
-            <a:prstGeom prst="rect">
-              <a:avLst/>
-            </a:prstGeom>
-            <a:noFill/>
-            <a:ln>
-              <a:noFill/>
-            </a:ln>
-          </p:spPr>
-        </p:pic>
-        <p:pic>
-          <p:nvPicPr>
-            <p:cNvPr id="241" name="Google Shape;241;p30" title="Chart"/>
-            <p:cNvPicPr preferRelativeResize="0"/>
-            <p:nvPr/>
-          </p:nvPicPr>
-          <p:blipFill rotWithShape="1">
-            <a:blip r:embed="rId5">
-              <a:alphaModFix/>
-            </a:blip>
-            <a:srcRect l="23687"/>
-            <a:stretch/>
-          </p:blipFill>
-          <p:spPr>
-            <a:xfrm>
-              <a:off x="7310649" y="2034450"/>
-              <a:ext cx="1401475" cy="1134200"/>
-            </a:xfrm>
-            <a:prstGeom prst="rect">
-              <a:avLst/>
-            </a:prstGeom>
-            <a:noFill/>
-            <a:ln>
-              <a:noFill/>
-            </a:ln>
-          </p:spPr>
-        </p:pic>
-        <p:sp>
-          <p:nvSpPr>
-            <p:cNvPr id="242" name="Google Shape;242;p30"/>
-            <p:cNvSpPr txBox="1"/>
-            <p:nvPr/>
-          </p:nvSpPr>
-          <p:spPr>
-            <a:xfrm>
-              <a:off x="7225875" y="2151400"/>
-              <a:ext cx="1303200" cy="222000"/>
-            </a:xfrm>
-            <a:prstGeom prst="rect">
-              <a:avLst/>
-            </a:prstGeom>
-            <a:noFill/>
-            <a:ln>
-              <a:noFill/>
-            </a:ln>
-          </p:spPr>
-          <p:txBody>
-            <a:bodyPr spcFirstLastPara="1" wrap="square" lIns="121900" tIns="121900" rIns="121900" bIns="121900" anchor="t" anchorCtr="0">
-              <a:noAutofit/>
-            </a:bodyPr>
-            <a:lstStyle/>
-            <a:p>
-              <a:r>
-                <a:rPr lang="en" sz="933" b="1">
-                  <a:solidFill>
-                    <a:srgbClr val="00297F"/>
-                  </a:solidFill>
-                  <a:latin typeface="Lato"/>
-                  <a:ea typeface="Lato"/>
-                  <a:cs typeface="Lato"/>
-                  <a:sym typeface="Lato"/>
-                </a:rPr>
-                <a:t> UX Researcher </a:t>
-              </a:r>
-              <a:r>
-                <a:rPr lang="en" sz="933">
-                  <a:solidFill>
-                    <a:srgbClr val="00297F"/>
-                  </a:solidFill>
-                  <a:latin typeface="Lato"/>
-                  <a:ea typeface="Lato"/>
-                  <a:cs typeface="Lato"/>
-                  <a:sym typeface="Lato"/>
-                </a:rPr>
-                <a:t>34%</a:t>
-              </a:r>
-              <a:endParaRPr sz="933">
-                <a:solidFill>
-                  <a:srgbClr val="00297F"/>
-                </a:solidFill>
-                <a:latin typeface="Lato"/>
-                <a:ea typeface="Lato"/>
-                <a:cs typeface="Lato"/>
-                <a:sym typeface="Lato"/>
-              </a:endParaRPr>
-            </a:p>
-          </p:txBody>
-        </p:sp>
-        <p:sp>
-          <p:nvSpPr>
-            <p:cNvPr id="243" name="Google Shape;243;p30"/>
-            <p:cNvSpPr txBox="1"/>
-            <p:nvPr/>
-          </p:nvSpPr>
-          <p:spPr>
-            <a:xfrm>
-              <a:off x="7243975" y="2768975"/>
-              <a:ext cx="1350900" cy="222000"/>
-            </a:xfrm>
-            <a:prstGeom prst="rect">
-              <a:avLst/>
-            </a:prstGeom>
-            <a:noFill/>
-            <a:ln>
-              <a:noFill/>
-            </a:ln>
-          </p:spPr>
-          <p:txBody>
-            <a:bodyPr spcFirstLastPara="1" wrap="square" lIns="121900" tIns="121900" rIns="121900" bIns="121900" anchor="t" anchorCtr="0">
-              <a:noAutofit/>
-            </a:bodyPr>
-            <a:lstStyle/>
-            <a:p>
-              <a:r>
-                <a:rPr lang="en" sz="933" b="1">
-                  <a:solidFill>
-                    <a:srgbClr val="00297F"/>
-                  </a:solidFill>
-                  <a:latin typeface="Lato"/>
-                  <a:ea typeface="Lato"/>
-                  <a:cs typeface="Lato"/>
-                  <a:sym typeface="Lato"/>
-                </a:rPr>
-                <a:t>Senior UX Researcher </a:t>
-              </a:r>
-              <a:r>
-                <a:rPr lang="en" sz="933">
-                  <a:solidFill>
-                    <a:srgbClr val="00297F"/>
-                  </a:solidFill>
-                  <a:latin typeface="Lato"/>
-                  <a:ea typeface="Lato"/>
-                  <a:cs typeface="Lato"/>
-                  <a:sym typeface="Lato"/>
-                </a:rPr>
-                <a:t>16%</a:t>
-              </a:r>
-              <a:endParaRPr sz="933">
-                <a:solidFill>
-                  <a:srgbClr val="00297F"/>
-                </a:solidFill>
-                <a:latin typeface="Lato"/>
-                <a:ea typeface="Lato"/>
-                <a:cs typeface="Lato"/>
-                <a:sym typeface="Lato"/>
-              </a:endParaRPr>
-            </a:p>
-          </p:txBody>
-        </p:sp>
-        <p:sp>
-          <p:nvSpPr>
-            <p:cNvPr id="244" name="Google Shape;244;p30"/>
-            <p:cNvSpPr txBox="1"/>
-            <p:nvPr/>
-          </p:nvSpPr>
-          <p:spPr>
-            <a:xfrm>
-              <a:off x="7243975" y="2460175"/>
-              <a:ext cx="1350900" cy="222000"/>
-            </a:xfrm>
-            <a:prstGeom prst="rect">
-              <a:avLst/>
-            </a:prstGeom>
-            <a:noFill/>
-            <a:ln>
-              <a:noFill/>
-            </a:ln>
-          </p:spPr>
-          <p:txBody>
-            <a:bodyPr spcFirstLastPara="1" wrap="square" lIns="121900" tIns="121900" rIns="121900" bIns="121900" anchor="t" anchorCtr="0">
-              <a:noAutofit/>
-            </a:bodyPr>
-            <a:lstStyle/>
-            <a:p>
-              <a:r>
-                <a:rPr lang="en" sz="933" b="1">
-                  <a:solidFill>
-                    <a:srgbClr val="00297F"/>
-                  </a:solidFill>
-                  <a:latin typeface="Lato"/>
-                  <a:ea typeface="Lato"/>
-                  <a:cs typeface="Lato"/>
-                  <a:sym typeface="Lato"/>
-                </a:rPr>
-                <a:t>UX Designer </a:t>
-              </a:r>
-              <a:r>
-                <a:rPr lang="en" sz="800" b="1">
-                  <a:solidFill>
-                    <a:srgbClr val="00297F"/>
-                  </a:solidFill>
-                  <a:latin typeface="Lato"/>
-                  <a:ea typeface="Lato"/>
-                  <a:cs typeface="Lato"/>
-                  <a:sym typeface="Lato"/>
-                </a:rPr>
-                <a:t> </a:t>
-              </a:r>
-              <a:r>
-                <a:rPr lang="en" sz="800">
-                  <a:solidFill>
-                    <a:srgbClr val="00297F"/>
-                  </a:solidFill>
-                  <a:latin typeface="Lato"/>
-                  <a:ea typeface="Lato"/>
-                  <a:cs typeface="Lato"/>
-                  <a:sym typeface="Lato"/>
-                </a:rPr>
-                <a:t>18%</a:t>
-              </a:r>
-              <a:endParaRPr sz="800">
-                <a:solidFill>
-                  <a:srgbClr val="00297F"/>
-                </a:solidFill>
-                <a:latin typeface="Lato"/>
-                <a:ea typeface="Lato"/>
-                <a:cs typeface="Lato"/>
-                <a:sym typeface="Lato"/>
-              </a:endParaRPr>
-            </a:p>
-          </p:txBody>
-        </p:sp>
-        <p:pic>
-          <p:nvPicPr>
-            <p:cNvPr id="245" name="Google Shape;245;p30" title="Chart"/>
-            <p:cNvPicPr preferRelativeResize="0"/>
-            <p:nvPr/>
-          </p:nvPicPr>
-          <p:blipFill rotWithShape="1">
-            <a:blip r:embed="rId6">
-              <a:alphaModFix/>
-            </a:blip>
-            <a:srcRect l="23447" b="23553"/>
-            <a:stretch/>
-          </p:blipFill>
-          <p:spPr>
-            <a:xfrm>
-              <a:off x="7339725" y="3168650"/>
-              <a:ext cx="1647525" cy="1482151"/>
-            </a:xfrm>
-            <a:prstGeom prst="rect">
-              <a:avLst/>
-            </a:prstGeom>
-            <a:noFill/>
-            <a:ln>
-              <a:noFill/>
-            </a:ln>
-          </p:spPr>
-        </p:pic>
       </p:grpSp>
     </p:spTree>
     <p:extLst>
@@ -10495,10 +9177,10 @@
         </p:nvGrpSpPr>
         <p:grpSpPr>
           <a:xfrm>
-            <a:off x="9510034" y="-13800"/>
-            <a:ext cx="2681967" cy="6858000"/>
-            <a:chOff x="461125" y="-10350"/>
-            <a:chExt cx="2011475" cy="5143500"/>
+            <a:off x="9542001" y="-13800"/>
+            <a:ext cx="2650000" cy="6858000"/>
+            <a:chOff x="485100" y="-10350"/>
+            <a:chExt cx="1987500" cy="5143500"/>
           </a:xfrm>
         </p:grpSpPr>
         <p:sp>
@@ -10606,493 +9288,6 @@
             </a:p>
           </p:txBody>
         </p:sp>
-        <p:sp>
-          <p:nvSpPr>
-            <p:cNvPr id="264" name="Google Shape;264;p32"/>
-            <p:cNvSpPr txBox="1"/>
-            <p:nvPr/>
-          </p:nvSpPr>
-          <p:spPr>
-            <a:xfrm>
-              <a:off x="1414375" y="65950"/>
-              <a:ext cx="1058100" cy="417000"/>
-            </a:xfrm>
-            <a:prstGeom prst="rect">
-              <a:avLst/>
-            </a:prstGeom>
-            <a:noFill/>
-            <a:ln>
-              <a:noFill/>
-            </a:ln>
-          </p:spPr>
-          <p:txBody>
-            <a:bodyPr spcFirstLastPara="1" wrap="square" lIns="121900" tIns="121900" rIns="121900" bIns="121900" anchor="t" anchorCtr="0">
-              <a:noAutofit/>
-            </a:bodyPr>
-            <a:lstStyle/>
-            <a:p>
-              <a:r>
-                <a:rPr lang="en" sz="2400" b="1" i="1" dirty="0">
-                  <a:solidFill>
-                    <a:srgbClr val="00297F"/>
-                  </a:solidFill>
-                  <a:latin typeface="Lato"/>
-                  <a:ea typeface="Lato"/>
-                  <a:cs typeface="Lato"/>
-                  <a:sym typeface="Lato"/>
-                </a:rPr>
-                <a:t>71%</a:t>
-              </a:r>
-              <a:r>
-                <a:rPr lang="en" sz="2400" i="1" dirty="0">
-                  <a:solidFill>
-                    <a:srgbClr val="00297F"/>
-                  </a:solidFill>
-                  <a:latin typeface="Lato"/>
-                  <a:ea typeface="Lato"/>
-                  <a:cs typeface="Lato"/>
-                  <a:sym typeface="Lato"/>
-                </a:rPr>
-                <a:t> </a:t>
-              </a:r>
-              <a:endParaRPr sz="2400" i="1" dirty="0">
-                <a:solidFill>
-                  <a:srgbClr val="00297F"/>
-                </a:solidFill>
-                <a:latin typeface="Lato"/>
-                <a:ea typeface="Lato"/>
-                <a:cs typeface="Lato"/>
-                <a:sym typeface="Lato"/>
-              </a:endParaRPr>
-            </a:p>
-            <a:p>
-              <a:r>
-                <a:rPr lang="en" sz="1200" i="1" dirty="0">
-                  <a:solidFill>
-                    <a:srgbClr val="00297F"/>
-                  </a:solidFill>
-                  <a:latin typeface="Lato"/>
-                  <a:ea typeface="Lato"/>
-                  <a:cs typeface="Lato"/>
-                  <a:sym typeface="Lato"/>
-                </a:rPr>
-                <a:t>academically trained in research</a:t>
-              </a:r>
-              <a:endParaRPr sz="1200" i="1" dirty="0">
-                <a:solidFill>
-                  <a:srgbClr val="00297F"/>
-                </a:solidFill>
-                <a:latin typeface="Lato"/>
-                <a:ea typeface="Lato"/>
-                <a:cs typeface="Lato"/>
-                <a:sym typeface="Lato"/>
-              </a:endParaRPr>
-            </a:p>
-          </p:txBody>
-        </p:sp>
-        <p:sp>
-          <p:nvSpPr>
-            <p:cNvPr id="265" name="Google Shape;265;p32"/>
-            <p:cNvSpPr txBox="1"/>
-            <p:nvPr/>
-          </p:nvSpPr>
-          <p:spPr>
-            <a:xfrm>
-              <a:off x="1414500" y="850750"/>
-              <a:ext cx="1012200" cy="417000"/>
-            </a:xfrm>
-            <a:prstGeom prst="rect">
-              <a:avLst/>
-            </a:prstGeom>
-            <a:noFill/>
-            <a:ln>
-              <a:noFill/>
-            </a:ln>
-          </p:spPr>
-          <p:txBody>
-            <a:bodyPr spcFirstLastPara="1" wrap="square" lIns="121900" tIns="121900" rIns="121900" bIns="121900" anchor="t" anchorCtr="0">
-              <a:noAutofit/>
-            </a:bodyPr>
-            <a:lstStyle/>
-            <a:p>
-              <a:r>
-                <a:rPr lang="en" sz="2400" b="1" i="1" dirty="0">
-                  <a:solidFill>
-                    <a:srgbClr val="00297F"/>
-                  </a:solidFill>
-                  <a:latin typeface="Lato"/>
-                  <a:ea typeface="Lato"/>
-                  <a:cs typeface="Lato"/>
-                  <a:sym typeface="Lato"/>
-                </a:rPr>
-                <a:t>43%</a:t>
-              </a:r>
-              <a:r>
-                <a:rPr lang="en" sz="2400" i="1" dirty="0">
-                  <a:solidFill>
-                    <a:srgbClr val="00297F"/>
-                  </a:solidFill>
-                  <a:latin typeface="Lato"/>
-                  <a:ea typeface="Lato"/>
-                  <a:cs typeface="Lato"/>
-                  <a:sym typeface="Lato"/>
-                </a:rPr>
-                <a:t> </a:t>
-              </a:r>
-              <a:endParaRPr sz="2400" i="1" dirty="0">
-                <a:solidFill>
-                  <a:srgbClr val="00297F"/>
-                </a:solidFill>
-                <a:latin typeface="Lato"/>
-                <a:ea typeface="Lato"/>
-                <a:cs typeface="Lato"/>
-                <a:sym typeface="Lato"/>
-              </a:endParaRPr>
-            </a:p>
-            <a:p>
-              <a:r>
-                <a:rPr lang="en" sz="1200" i="1" dirty="0">
-                  <a:solidFill>
-                    <a:srgbClr val="00297F"/>
-                  </a:solidFill>
-                  <a:latin typeface="Lato"/>
-                  <a:ea typeface="Lato"/>
-                  <a:cs typeface="Lato"/>
-                  <a:sym typeface="Lato"/>
-                </a:rPr>
-                <a:t>currently work in large orgs</a:t>
-              </a:r>
-              <a:endParaRPr sz="1200" i="1" dirty="0">
-                <a:solidFill>
-                  <a:srgbClr val="00297F"/>
-                </a:solidFill>
-                <a:latin typeface="Lato"/>
-                <a:ea typeface="Lato"/>
-                <a:cs typeface="Lato"/>
-                <a:sym typeface="Lato"/>
-              </a:endParaRPr>
-            </a:p>
-          </p:txBody>
-        </p:sp>
-        <p:sp>
-          <p:nvSpPr>
-            <p:cNvPr id="266" name="Google Shape;266;p32"/>
-            <p:cNvSpPr txBox="1"/>
-            <p:nvPr/>
-          </p:nvSpPr>
-          <p:spPr>
-            <a:xfrm>
-              <a:off x="630788" y="3205000"/>
-              <a:ext cx="1806000" cy="222000"/>
-            </a:xfrm>
-            <a:prstGeom prst="rect">
-              <a:avLst/>
-            </a:prstGeom>
-            <a:noFill/>
-            <a:ln>
-              <a:noFill/>
-            </a:ln>
-          </p:spPr>
-          <p:txBody>
-            <a:bodyPr spcFirstLastPara="1" wrap="square" lIns="121900" tIns="121900" rIns="121900" bIns="121900" anchor="t" anchorCtr="0">
-              <a:noAutofit/>
-            </a:bodyPr>
-            <a:lstStyle/>
-            <a:p>
-              <a:r>
-                <a:rPr lang="en" sz="933">
-                  <a:solidFill>
-                    <a:srgbClr val="00297F"/>
-                  </a:solidFill>
-                  <a:latin typeface="Lato Black"/>
-                  <a:ea typeface="Lato Black"/>
-                  <a:cs typeface="Lato Black"/>
-                  <a:sym typeface="Lato Black"/>
-                </a:rPr>
-                <a:t>Speaker Name Recognition</a:t>
-              </a:r>
-              <a:endParaRPr sz="933">
-                <a:solidFill>
-                  <a:srgbClr val="00297F"/>
-                </a:solidFill>
-                <a:latin typeface="Lato Black"/>
-                <a:ea typeface="Lato Black"/>
-                <a:cs typeface="Lato Black"/>
-                <a:sym typeface="Lato Black"/>
-              </a:endParaRPr>
-            </a:p>
-          </p:txBody>
-        </p:sp>
-        <p:sp>
-          <p:nvSpPr>
-            <p:cNvPr id="267" name="Google Shape;267;p32"/>
-            <p:cNvSpPr txBox="1"/>
-            <p:nvPr/>
-          </p:nvSpPr>
-          <p:spPr>
-            <a:xfrm>
-              <a:off x="630788" y="3654925"/>
-              <a:ext cx="1806000" cy="222000"/>
-            </a:xfrm>
-            <a:prstGeom prst="rect">
-              <a:avLst/>
-            </a:prstGeom>
-            <a:noFill/>
-            <a:ln>
-              <a:noFill/>
-            </a:ln>
-          </p:spPr>
-          <p:txBody>
-            <a:bodyPr spcFirstLastPara="1" wrap="square" lIns="121900" tIns="121900" rIns="121900" bIns="121900" anchor="t" anchorCtr="0">
-              <a:noAutofit/>
-            </a:bodyPr>
-            <a:lstStyle/>
-            <a:p>
-              <a:r>
-                <a:rPr lang="en" sz="933">
-                  <a:solidFill>
-                    <a:srgbClr val="00297F"/>
-                  </a:solidFill>
-                  <a:latin typeface="Lato Black"/>
-                  <a:ea typeface="Lato Black"/>
-                  <a:cs typeface="Lato Black"/>
-                  <a:sym typeface="Lato Black"/>
-                </a:rPr>
-                <a:t>Diversity of Speakers</a:t>
-              </a:r>
-              <a:endParaRPr sz="933">
-                <a:solidFill>
-                  <a:srgbClr val="00297F"/>
-                </a:solidFill>
-                <a:latin typeface="Lato Black"/>
-                <a:ea typeface="Lato Black"/>
-                <a:cs typeface="Lato Black"/>
-                <a:sym typeface="Lato Black"/>
-              </a:endParaRPr>
-            </a:p>
-          </p:txBody>
-        </p:sp>
-        <p:sp>
-          <p:nvSpPr>
-            <p:cNvPr id="268" name="Google Shape;268;p32"/>
-            <p:cNvSpPr txBox="1"/>
-            <p:nvPr/>
-          </p:nvSpPr>
-          <p:spPr>
-            <a:xfrm>
-              <a:off x="630788" y="4104850"/>
-              <a:ext cx="1806000" cy="222000"/>
-            </a:xfrm>
-            <a:prstGeom prst="rect">
-              <a:avLst/>
-            </a:prstGeom>
-            <a:noFill/>
-            <a:ln>
-              <a:noFill/>
-            </a:ln>
-          </p:spPr>
-          <p:txBody>
-            <a:bodyPr spcFirstLastPara="1" wrap="square" lIns="121900" tIns="121900" rIns="121900" bIns="121900" anchor="t" anchorCtr="0">
-              <a:noAutofit/>
-            </a:bodyPr>
-            <a:lstStyle/>
-            <a:p>
-              <a:r>
-                <a:rPr lang="en" sz="933">
-                  <a:solidFill>
-                    <a:srgbClr val="00297F"/>
-                  </a:solidFill>
-                  <a:latin typeface="Lato Black"/>
-                  <a:ea typeface="Lato Black"/>
-                  <a:cs typeface="Lato Black"/>
-                  <a:sym typeface="Lato Black"/>
-                </a:rPr>
-                <a:t>Networking Opportunities</a:t>
-              </a:r>
-              <a:endParaRPr sz="933">
-                <a:solidFill>
-                  <a:srgbClr val="00297F"/>
-                </a:solidFill>
-                <a:latin typeface="Lato Black"/>
-                <a:ea typeface="Lato Black"/>
-                <a:cs typeface="Lato Black"/>
-                <a:sym typeface="Lato Black"/>
-              </a:endParaRPr>
-            </a:p>
-          </p:txBody>
-        </p:sp>
-        <p:cxnSp>
-          <p:nvCxnSpPr>
-            <p:cNvPr id="269" name="Google Shape;269;p32"/>
-            <p:cNvCxnSpPr/>
-            <p:nvPr/>
-          </p:nvCxnSpPr>
-          <p:spPr>
-            <a:xfrm>
-              <a:off x="673725" y="4740525"/>
-              <a:ext cx="1601100" cy="0"/>
-            </a:xfrm>
-            <a:prstGeom prst="straightConnector1">
-              <a:avLst/>
-            </a:prstGeom>
-            <a:noFill/>
-            <a:ln w="19050" cap="flat" cmpd="sng">
-              <a:solidFill>
-                <a:schemeClr val="dk2"/>
-              </a:solidFill>
-              <a:prstDash val="solid"/>
-              <a:round/>
-              <a:headEnd type="none" w="med" len="med"/>
-              <a:tailEnd type="triangle" w="med" len="med"/>
-            </a:ln>
-          </p:spPr>
-        </p:cxnSp>
-        <p:sp>
-          <p:nvSpPr>
-            <p:cNvPr id="270" name="Google Shape;270;p32"/>
-            <p:cNvSpPr txBox="1"/>
-            <p:nvPr/>
-          </p:nvSpPr>
-          <p:spPr>
-            <a:xfrm>
-              <a:off x="582425" y="4740525"/>
-              <a:ext cx="1579200" cy="209700"/>
-            </a:xfrm>
-            <a:prstGeom prst="rect">
-              <a:avLst/>
-            </a:prstGeom>
-            <a:noFill/>
-            <a:ln>
-              <a:noFill/>
-            </a:ln>
-          </p:spPr>
-          <p:txBody>
-            <a:bodyPr spcFirstLastPara="1" wrap="square" lIns="121900" tIns="121900" rIns="121900" bIns="121900" anchor="t" anchorCtr="0">
-              <a:noAutofit/>
-            </a:bodyPr>
-            <a:lstStyle/>
-            <a:p>
-              <a:r>
-                <a:rPr lang="en" sz="933" b="1">
-                  <a:solidFill>
-                    <a:srgbClr val="00297F"/>
-                  </a:solidFill>
-                  <a:latin typeface="Lato"/>
-                  <a:ea typeface="Lato"/>
-                  <a:cs typeface="Lato"/>
-                  <a:sym typeface="Lato"/>
-                </a:rPr>
-                <a:t>Not</a:t>
-              </a:r>
-              <a:endParaRPr sz="933" b="1">
-                <a:solidFill>
-                  <a:srgbClr val="00297F"/>
-                </a:solidFill>
-                <a:latin typeface="Lato"/>
-                <a:ea typeface="Lato"/>
-                <a:cs typeface="Lato"/>
-                <a:sym typeface="Lato"/>
-              </a:endParaRPr>
-            </a:p>
-            <a:p>
-              <a:r>
-                <a:rPr lang="en" sz="933" b="1">
-                  <a:solidFill>
-                    <a:srgbClr val="00297F"/>
-                  </a:solidFill>
-                  <a:latin typeface="Lato"/>
-                  <a:ea typeface="Lato"/>
-                  <a:cs typeface="Lato"/>
-                  <a:sym typeface="Lato"/>
-                </a:rPr>
-                <a:t>Important</a:t>
-              </a:r>
-              <a:endParaRPr sz="933" b="1">
-                <a:solidFill>
-                  <a:srgbClr val="00297F"/>
-                </a:solidFill>
-                <a:latin typeface="Lato"/>
-                <a:ea typeface="Lato"/>
-                <a:cs typeface="Lato"/>
-                <a:sym typeface="Lato"/>
-              </a:endParaRPr>
-            </a:p>
-          </p:txBody>
-        </p:sp>
-        <p:sp>
-          <p:nvSpPr>
-            <p:cNvPr id="271" name="Google Shape;271;p32"/>
-            <p:cNvSpPr txBox="1"/>
-            <p:nvPr/>
-          </p:nvSpPr>
-          <p:spPr>
-            <a:xfrm>
-              <a:off x="1470750" y="4740525"/>
-              <a:ext cx="861300" cy="209700"/>
-            </a:xfrm>
-            <a:prstGeom prst="rect">
-              <a:avLst/>
-            </a:prstGeom>
-            <a:noFill/>
-            <a:ln>
-              <a:noFill/>
-            </a:ln>
-          </p:spPr>
-          <p:txBody>
-            <a:bodyPr spcFirstLastPara="1" wrap="square" lIns="121900" tIns="121900" rIns="121900" bIns="121900" anchor="t" anchorCtr="0">
-              <a:noAutofit/>
-            </a:bodyPr>
-            <a:lstStyle/>
-            <a:p>
-              <a:pPr algn="r"/>
-              <a:r>
-                <a:rPr lang="en" sz="933" b="1">
-                  <a:solidFill>
-                    <a:srgbClr val="00297F"/>
-                  </a:solidFill>
-                  <a:latin typeface="Lato"/>
-                  <a:ea typeface="Lato"/>
-                  <a:cs typeface="Lato"/>
-                  <a:sym typeface="Lato"/>
-                </a:rPr>
-                <a:t>Very</a:t>
-              </a:r>
-              <a:endParaRPr sz="933" b="1">
-                <a:solidFill>
-                  <a:srgbClr val="00297F"/>
-                </a:solidFill>
-                <a:latin typeface="Lato"/>
-                <a:ea typeface="Lato"/>
-                <a:cs typeface="Lato"/>
-                <a:sym typeface="Lato"/>
-              </a:endParaRPr>
-            </a:p>
-            <a:p>
-              <a:pPr algn="r"/>
-              <a:r>
-                <a:rPr lang="en" sz="933" b="1">
-                  <a:solidFill>
-                    <a:srgbClr val="00297F"/>
-                  </a:solidFill>
-                  <a:latin typeface="Lato"/>
-                  <a:ea typeface="Lato"/>
-                  <a:cs typeface="Lato"/>
-                  <a:sym typeface="Lato"/>
-                </a:rPr>
-                <a:t>Important</a:t>
-              </a:r>
-              <a:endParaRPr sz="933" b="1">
-                <a:solidFill>
-                  <a:srgbClr val="00297F"/>
-                </a:solidFill>
-                <a:latin typeface="Lato"/>
-                <a:ea typeface="Lato"/>
-                <a:cs typeface="Lato"/>
-                <a:sym typeface="Lato"/>
-              </a:endParaRPr>
-            </a:p>
-          </p:txBody>
-        </p:sp>
         <p:cxnSp>
           <p:nvCxnSpPr>
             <p:cNvPr id="272" name="Google Shape;272;p32"/>
@@ -11145,287 +9340,6 @@
             </a:ln>
           </p:spPr>
         </p:cxnSp>
-        <p:pic>
-          <p:nvPicPr>
-            <p:cNvPr id="274" name="Google Shape;274;p32" title="Chart"/>
-            <p:cNvPicPr preferRelativeResize="0"/>
-            <p:nvPr/>
-          </p:nvPicPr>
-          <p:blipFill>
-            <a:blip r:embed="rId3">
-              <a:alphaModFix/>
-            </a:blip>
-            <a:stretch>
-              <a:fillRect/>
-            </a:stretch>
-          </p:blipFill>
-          <p:spPr>
-            <a:xfrm>
-              <a:off x="504525" y="192624"/>
-              <a:ext cx="955892" cy="589500"/>
-            </a:xfrm>
-            <a:prstGeom prst="rect">
-              <a:avLst/>
-            </a:prstGeom>
-            <a:noFill/>
-            <a:ln>
-              <a:noFill/>
-            </a:ln>
-          </p:spPr>
-        </p:pic>
-        <p:pic>
-          <p:nvPicPr>
-            <p:cNvPr id="275" name="Google Shape;275;p32" title="Chart"/>
-            <p:cNvPicPr preferRelativeResize="0"/>
-            <p:nvPr/>
-          </p:nvPicPr>
-          <p:blipFill>
-            <a:blip r:embed="rId4">
-              <a:alphaModFix/>
-            </a:blip>
-            <a:stretch>
-              <a:fillRect/>
-            </a:stretch>
-          </p:blipFill>
-          <p:spPr>
-            <a:xfrm>
-              <a:off x="461125" y="863331"/>
-              <a:ext cx="1012200" cy="624218"/>
-            </a:xfrm>
-            <a:prstGeom prst="rect">
-              <a:avLst/>
-            </a:prstGeom>
-            <a:noFill/>
-            <a:ln>
-              <a:noFill/>
-            </a:ln>
-          </p:spPr>
-        </p:pic>
-        <p:pic>
-          <p:nvPicPr>
-            <p:cNvPr id="276" name="Google Shape;276;p32" title="Chart"/>
-            <p:cNvPicPr preferRelativeResize="0"/>
-            <p:nvPr/>
-          </p:nvPicPr>
-          <p:blipFill rotWithShape="1">
-            <a:blip r:embed="rId5">
-              <a:alphaModFix/>
-            </a:blip>
-            <a:srcRect l="23687"/>
-            <a:stretch/>
-          </p:blipFill>
-          <p:spPr>
-            <a:xfrm>
-              <a:off x="665698" y="2034450"/>
-              <a:ext cx="1401475" cy="1134200"/>
-            </a:xfrm>
-            <a:prstGeom prst="rect">
-              <a:avLst/>
-            </a:prstGeom>
-            <a:noFill/>
-            <a:ln>
-              <a:noFill/>
-            </a:ln>
-          </p:spPr>
-        </p:pic>
-        <p:sp>
-          <p:nvSpPr>
-            <p:cNvPr id="277" name="Google Shape;277;p32"/>
-            <p:cNvSpPr txBox="1"/>
-            <p:nvPr/>
-          </p:nvSpPr>
-          <p:spPr>
-            <a:xfrm>
-              <a:off x="630788" y="2152750"/>
-              <a:ext cx="1303200" cy="222000"/>
-            </a:xfrm>
-            <a:prstGeom prst="rect">
-              <a:avLst/>
-            </a:prstGeom>
-            <a:noFill/>
-            <a:ln>
-              <a:noFill/>
-            </a:ln>
-          </p:spPr>
-          <p:txBody>
-            <a:bodyPr spcFirstLastPara="1" wrap="square" lIns="121900" tIns="121900" rIns="121900" bIns="121900" anchor="t" anchorCtr="0">
-              <a:noAutofit/>
-            </a:bodyPr>
-            <a:lstStyle/>
-            <a:p>
-              <a:r>
-                <a:rPr lang="en" sz="933" b="1">
-                  <a:solidFill>
-                    <a:srgbClr val="00297F"/>
-                  </a:solidFill>
-                  <a:latin typeface="Lato"/>
-                  <a:ea typeface="Lato"/>
-                  <a:cs typeface="Lato"/>
-                  <a:sym typeface="Lato"/>
-                </a:rPr>
-                <a:t> UX Researcher </a:t>
-              </a:r>
-              <a:r>
-                <a:rPr lang="en" sz="933">
-                  <a:solidFill>
-                    <a:srgbClr val="00297F"/>
-                  </a:solidFill>
-                  <a:latin typeface="Lato"/>
-                  <a:ea typeface="Lato"/>
-                  <a:cs typeface="Lato"/>
-                  <a:sym typeface="Lato"/>
-                </a:rPr>
-                <a:t>57%</a:t>
-              </a:r>
-              <a:endParaRPr sz="933">
-                <a:solidFill>
-                  <a:srgbClr val="00297F"/>
-                </a:solidFill>
-                <a:latin typeface="Lato"/>
-                <a:ea typeface="Lato"/>
-                <a:cs typeface="Lato"/>
-                <a:sym typeface="Lato"/>
-              </a:endParaRPr>
-            </a:p>
-          </p:txBody>
-        </p:sp>
-        <p:sp>
-          <p:nvSpPr>
-            <p:cNvPr id="278" name="Google Shape;278;p32"/>
-            <p:cNvSpPr txBox="1"/>
-            <p:nvPr/>
-          </p:nvSpPr>
-          <p:spPr>
-            <a:xfrm>
-              <a:off x="630788" y="2450400"/>
-              <a:ext cx="1423800" cy="222000"/>
-            </a:xfrm>
-            <a:prstGeom prst="rect">
-              <a:avLst/>
-            </a:prstGeom>
-            <a:noFill/>
-            <a:ln>
-              <a:noFill/>
-            </a:ln>
-          </p:spPr>
-          <p:txBody>
-            <a:bodyPr spcFirstLastPara="1" wrap="square" lIns="121900" tIns="121900" rIns="121900" bIns="121900" anchor="t" anchorCtr="0">
-              <a:noAutofit/>
-            </a:bodyPr>
-            <a:lstStyle/>
-            <a:p>
-              <a:r>
-                <a:rPr lang="en" sz="933" b="1">
-                  <a:solidFill>
-                    <a:srgbClr val="00297F"/>
-                  </a:solidFill>
-                  <a:latin typeface="Lato"/>
-                  <a:ea typeface="Lato"/>
-                  <a:cs typeface="Lato"/>
-                  <a:sym typeface="Lato"/>
-                </a:rPr>
-                <a:t>UX Designer  29%</a:t>
-              </a:r>
-              <a:endParaRPr sz="933" b="1">
-                <a:solidFill>
-                  <a:srgbClr val="00297F"/>
-                </a:solidFill>
-                <a:latin typeface="Lato"/>
-                <a:ea typeface="Lato"/>
-                <a:cs typeface="Lato"/>
-                <a:sym typeface="Lato"/>
-              </a:endParaRPr>
-            </a:p>
-          </p:txBody>
-        </p:sp>
-        <p:sp>
-          <p:nvSpPr>
-            <p:cNvPr id="279" name="Google Shape;279;p32"/>
-            <p:cNvSpPr txBox="1"/>
-            <p:nvPr/>
-          </p:nvSpPr>
-          <p:spPr>
-            <a:xfrm>
-              <a:off x="794550" y="2768975"/>
-              <a:ext cx="1350900" cy="222000"/>
-            </a:xfrm>
-            <a:prstGeom prst="rect">
-              <a:avLst/>
-            </a:prstGeom>
-            <a:noFill/>
-            <a:ln>
-              <a:noFill/>
-            </a:ln>
-          </p:spPr>
-          <p:txBody>
-            <a:bodyPr spcFirstLastPara="1" wrap="square" lIns="121900" tIns="121900" rIns="121900" bIns="121900" anchor="t" anchorCtr="0">
-              <a:noAutofit/>
-            </a:bodyPr>
-            <a:lstStyle/>
-            <a:p>
-              <a:r>
-                <a:rPr lang="en" sz="933" b="1">
-                  <a:solidFill>
-                    <a:srgbClr val="00297F"/>
-                  </a:solidFill>
-                  <a:latin typeface="Lato"/>
-                  <a:ea typeface="Lato"/>
-                  <a:cs typeface="Lato"/>
-                  <a:sym typeface="Lato"/>
-                </a:rPr>
-                <a:t>Senior UX Researcher </a:t>
-              </a:r>
-              <a:r>
-                <a:rPr lang="en" sz="933">
-                  <a:solidFill>
-                    <a:srgbClr val="00297F"/>
-                  </a:solidFill>
-                  <a:latin typeface="Lato"/>
-                  <a:ea typeface="Lato"/>
-                  <a:cs typeface="Lato"/>
-                  <a:sym typeface="Lato"/>
-                </a:rPr>
-                <a:t>7%</a:t>
-              </a:r>
-              <a:endParaRPr sz="933">
-                <a:solidFill>
-                  <a:srgbClr val="00297F"/>
-                </a:solidFill>
-                <a:latin typeface="Lato"/>
-                <a:ea typeface="Lato"/>
-                <a:cs typeface="Lato"/>
-                <a:sym typeface="Lato"/>
-              </a:endParaRPr>
-            </a:p>
-          </p:txBody>
-        </p:sp>
-        <p:pic>
-          <p:nvPicPr>
-            <p:cNvPr id="280" name="Google Shape;280;p32" title="Chart"/>
-            <p:cNvPicPr preferRelativeResize="0"/>
-            <p:nvPr/>
-          </p:nvPicPr>
-          <p:blipFill rotWithShape="1">
-            <a:blip r:embed="rId6">
-              <a:alphaModFix/>
-            </a:blip>
-            <a:srcRect l="23611" b="23640"/>
-            <a:stretch/>
-          </p:blipFill>
-          <p:spPr>
-            <a:xfrm>
-              <a:off x="684500" y="3174300"/>
-              <a:ext cx="1647549" cy="1482152"/>
-            </a:xfrm>
-            <a:prstGeom prst="rect">
-              <a:avLst/>
-            </a:prstGeom>
-            <a:noFill/>
-            <a:ln>
-              <a:noFill/>
-            </a:ln>
-          </p:spPr>
-        </p:pic>
       </p:grpSp>
       <p:cxnSp>
         <p:nvCxnSpPr>
@@ -11479,6 +9393,149 @@
           </a:ln>
         </p:spPr>
       </p:cxnSp>
+      <p:cxnSp>
+        <p:nvCxnSpPr>
+          <p:cNvPr id="28" name="Google Shape;234;p30">
+            <a:extLst>
+              <a:ext uri="{FF2B5EF4-FFF2-40B4-BE49-F238E27FC236}">
+                <a16:creationId xmlns:a16="http://schemas.microsoft.com/office/drawing/2014/main" id="{6ADFB012-95F8-FE4C-A55D-78D05C9FCF2C}"/>
+              </a:ext>
+            </a:extLst>
+          </p:cNvPr>
+          <p:cNvCxnSpPr/>
+          <p:nvPr/>
+        </p:nvCxnSpPr>
+        <p:spPr>
+          <a:xfrm>
+            <a:off x="9819751" y="6334500"/>
+            <a:ext cx="2134800" cy="0"/>
+          </a:xfrm>
+          <a:prstGeom prst="straightConnector1">
+            <a:avLst/>
+          </a:prstGeom>
+          <a:noFill/>
+          <a:ln w="19050" cap="flat" cmpd="sng">
+            <a:solidFill>
+              <a:schemeClr val="dk2"/>
+            </a:solidFill>
+            <a:prstDash val="solid"/>
+            <a:round/>
+            <a:headEnd type="none" w="med" len="med"/>
+            <a:tailEnd type="triangle" w="med" len="med"/>
+          </a:ln>
+        </p:spPr>
+      </p:cxnSp>
+      <p:sp>
+        <p:nvSpPr>
+          <p:cNvPr id="29" name="Google Shape;235;p30">
+            <a:extLst>
+              <a:ext uri="{FF2B5EF4-FFF2-40B4-BE49-F238E27FC236}">
+                <a16:creationId xmlns:a16="http://schemas.microsoft.com/office/drawing/2014/main" id="{856BF70D-36CD-594A-8C27-FA7B07D5426B}"/>
+              </a:ext>
+            </a:extLst>
+          </p:cNvPr>
+          <p:cNvSpPr txBox="1"/>
+          <p:nvPr/>
+        </p:nvSpPr>
+        <p:spPr>
+          <a:xfrm>
+            <a:off x="9698018" y="6334499"/>
+            <a:ext cx="2105600" cy="523499"/>
+          </a:xfrm>
+          <a:prstGeom prst="rect">
+            <a:avLst/>
+          </a:prstGeom>
+          <a:noFill/>
+          <a:ln>
+            <a:noFill/>
+          </a:ln>
+        </p:spPr>
+        <p:txBody>
+          <a:bodyPr spcFirstLastPara="1" wrap="square" lIns="121900" tIns="121900" rIns="121900" bIns="121900" anchor="t" anchorCtr="0">
+            <a:noAutofit/>
+          </a:bodyPr>
+          <a:lstStyle/>
+          <a:p>
+            <a:r>
+              <a:rPr lang="en" sz="933" b="1" dirty="0">
+                <a:solidFill>
+                  <a:srgbClr val="00297F"/>
+                </a:solidFill>
+                <a:latin typeface="Lato"/>
+                <a:ea typeface="Lato"/>
+                <a:cs typeface="Lato"/>
+                <a:sym typeface="Lato"/>
+              </a:rPr>
+              <a:t>Not</a:t>
+            </a:r>
+            <a:endParaRPr sz="933" b="1" dirty="0">
+              <a:solidFill>
+                <a:srgbClr val="00297F"/>
+              </a:solidFill>
+              <a:latin typeface="Lato"/>
+              <a:ea typeface="Lato"/>
+              <a:cs typeface="Lato"/>
+              <a:sym typeface="Lato"/>
+            </a:endParaRPr>
+          </a:p>
+        </p:txBody>
+      </p:sp>
+      <p:sp>
+        <p:nvSpPr>
+          <p:cNvPr id="30" name="Google Shape;236;p30">
+            <a:extLst>
+              <a:ext uri="{FF2B5EF4-FFF2-40B4-BE49-F238E27FC236}">
+                <a16:creationId xmlns:a16="http://schemas.microsoft.com/office/drawing/2014/main" id="{814C5985-B060-1A42-AFC2-2812E9770AB0}"/>
+              </a:ext>
+            </a:extLst>
+          </p:cNvPr>
+          <p:cNvSpPr txBox="1"/>
+          <p:nvPr/>
+        </p:nvSpPr>
+        <p:spPr>
+          <a:xfrm>
+            <a:off x="10882450" y="6334500"/>
+            <a:ext cx="1148400" cy="279600"/>
+          </a:xfrm>
+          <a:prstGeom prst="rect">
+            <a:avLst/>
+          </a:prstGeom>
+          <a:noFill/>
+          <a:ln>
+            <a:noFill/>
+          </a:ln>
+        </p:spPr>
+        <p:txBody>
+          <a:bodyPr spcFirstLastPara="1" wrap="square" lIns="121900" tIns="121900" rIns="121900" bIns="121900" anchor="t" anchorCtr="0">
+            <a:noAutofit/>
+          </a:bodyPr>
+          <a:lstStyle/>
+          <a:p>
+            <a:pPr algn="r"/>
+            <a:r>
+              <a:rPr lang="en" sz="933" b="1" dirty="0">
+                <a:solidFill>
+                  <a:srgbClr val="00297F"/>
+                </a:solidFill>
+                <a:latin typeface="Lato"/>
+                <a:ea typeface="Lato"/>
+                <a:cs typeface="Lato"/>
+                <a:sym typeface="Lato"/>
+              </a:rPr>
+              <a:t>Very Important</a:t>
+            </a:r>
+            <a:endParaRPr sz="933" b="1" dirty="0">
+              <a:solidFill>
+                <a:srgbClr val="00297F"/>
+              </a:solidFill>
+              <a:latin typeface="Lato"/>
+              <a:ea typeface="Lato"/>
+              <a:cs typeface="Lato"/>
+              <a:sym typeface="Lato"/>
+            </a:endParaRPr>
+          </a:p>
+        </p:txBody>
+      </p:sp>
     </p:spTree>
     <p:extLst>
       <p:ext uri="{BB962C8B-B14F-4D97-AF65-F5344CB8AC3E}">
@@ -12659,7 +10716,7 @@
         </p:nvSpPr>
         <p:spPr>
           <a:xfrm>
-            <a:off x="9525167" y="-13800"/>
+            <a:off x="9528833" y="-2"/>
             <a:ext cx="2650000" cy="6858000"/>
           </a:xfrm>
           <a:prstGeom prst="rect">
@@ -12745,493 +10802,6 @@
               </a:lnSpc>
             </a:pPr>
             <a:endParaRPr sz="1333">
-              <a:solidFill>
-                <a:srgbClr val="00297F"/>
-              </a:solidFill>
-              <a:latin typeface="Lato"/>
-              <a:ea typeface="Lato"/>
-              <a:cs typeface="Lato"/>
-              <a:sym typeface="Lato"/>
-            </a:endParaRPr>
-          </a:p>
-        </p:txBody>
-      </p:sp>
-      <p:sp>
-        <p:nvSpPr>
-          <p:cNvPr id="302" name="Google Shape;302;p34"/>
-          <p:cNvSpPr txBox="1"/>
-          <p:nvPr/>
-        </p:nvSpPr>
-        <p:spPr>
-          <a:xfrm>
-            <a:off x="10780100" y="87933"/>
-            <a:ext cx="1410800" cy="556000"/>
-          </a:xfrm>
-          <a:prstGeom prst="rect">
-            <a:avLst/>
-          </a:prstGeom>
-          <a:noFill/>
-          <a:ln>
-            <a:noFill/>
-          </a:ln>
-        </p:spPr>
-        <p:txBody>
-          <a:bodyPr spcFirstLastPara="1" wrap="square" lIns="121900" tIns="121900" rIns="121900" bIns="121900" anchor="t" anchorCtr="0">
-            <a:noAutofit/>
-          </a:bodyPr>
-          <a:lstStyle/>
-          <a:p>
-            <a:r>
-              <a:rPr lang="en" sz="2400" b="1" i="1" dirty="0">
-                <a:solidFill>
-                  <a:srgbClr val="00297F"/>
-                </a:solidFill>
-                <a:latin typeface="Lato"/>
-                <a:ea typeface="Lato"/>
-                <a:cs typeface="Lato"/>
-                <a:sym typeface="Lato"/>
-              </a:rPr>
-              <a:t>70%</a:t>
-            </a:r>
-            <a:r>
-              <a:rPr lang="en" sz="2400" i="1" dirty="0">
-                <a:solidFill>
-                  <a:srgbClr val="00297F"/>
-                </a:solidFill>
-                <a:latin typeface="Lato"/>
-                <a:ea typeface="Lato"/>
-                <a:cs typeface="Lato"/>
-                <a:sym typeface="Lato"/>
-              </a:rPr>
-              <a:t> </a:t>
-            </a:r>
-            <a:endParaRPr sz="2400" i="1" dirty="0">
-              <a:solidFill>
-                <a:srgbClr val="00297F"/>
-              </a:solidFill>
-              <a:latin typeface="Lato"/>
-              <a:ea typeface="Lato"/>
-              <a:cs typeface="Lato"/>
-              <a:sym typeface="Lato"/>
-            </a:endParaRPr>
-          </a:p>
-          <a:p>
-            <a:r>
-              <a:rPr lang="en" sz="1200" i="1" dirty="0">
-                <a:solidFill>
-                  <a:srgbClr val="00297F"/>
-                </a:solidFill>
-                <a:latin typeface="Lato"/>
-                <a:ea typeface="Lato"/>
-                <a:cs typeface="Lato"/>
-                <a:sym typeface="Lato"/>
-              </a:rPr>
-              <a:t>academically trained in research</a:t>
-            </a:r>
-            <a:endParaRPr sz="1200" i="1" dirty="0">
-              <a:solidFill>
-                <a:srgbClr val="00297F"/>
-              </a:solidFill>
-              <a:latin typeface="Lato"/>
-              <a:ea typeface="Lato"/>
-              <a:cs typeface="Lato"/>
-              <a:sym typeface="Lato"/>
-            </a:endParaRPr>
-          </a:p>
-        </p:txBody>
-      </p:sp>
-      <p:sp>
-        <p:nvSpPr>
-          <p:cNvPr id="303" name="Google Shape;303;p34"/>
-          <p:cNvSpPr txBox="1"/>
-          <p:nvPr/>
-        </p:nvSpPr>
-        <p:spPr>
-          <a:xfrm>
-            <a:off x="10780267" y="1134333"/>
-            <a:ext cx="1349600" cy="556000"/>
-          </a:xfrm>
-          <a:prstGeom prst="rect">
-            <a:avLst/>
-          </a:prstGeom>
-          <a:noFill/>
-          <a:ln>
-            <a:noFill/>
-          </a:ln>
-        </p:spPr>
-        <p:txBody>
-          <a:bodyPr spcFirstLastPara="1" wrap="square" lIns="121900" tIns="121900" rIns="121900" bIns="121900" anchor="t" anchorCtr="0">
-            <a:noAutofit/>
-          </a:bodyPr>
-          <a:lstStyle/>
-          <a:p>
-            <a:r>
-              <a:rPr lang="en" sz="2400" b="1" i="1" dirty="0">
-                <a:solidFill>
-                  <a:srgbClr val="00297F"/>
-                </a:solidFill>
-                <a:latin typeface="Lato"/>
-                <a:ea typeface="Lato"/>
-                <a:cs typeface="Lato"/>
-                <a:sym typeface="Lato"/>
-              </a:rPr>
-              <a:t>60%</a:t>
-            </a:r>
-            <a:r>
-              <a:rPr lang="en" sz="2400" i="1" dirty="0">
-                <a:solidFill>
-                  <a:srgbClr val="00297F"/>
-                </a:solidFill>
-                <a:latin typeface="Lato"/>
-                <a:ea typeface="Lato"/>
-                <a:cs typeface="Lato"/>
-                <a:sym typeface="Lato"/>
-              </a:rPr>
-              <a:t> </a:t>
-            </a:r>
-            <a:endParaRPr sz="2400" i="1" dirty="0">
-              <a:solidFill>
-                <a:srgbClr val="00297F"/>
-              </a:solidFill>
-              <a:latin typeface="Lato"/>
-              <a:ea typeface="Lato"/>
-              <a:cs typeface="Lato"/>
-              <a:sym typeface="Lato"/>
-            </a:endParaRPr>
-          </a:p>
-          <a:p>
-            <a:r>
-              <a:rPr lang="en" sz="1200" i="1" dirty="0">
-                <a:solidFill>
-                  <a:srgbClr val="00297F"/>
-                </a:solidFill>
-                <a:latin typeface="Lato"/>
-                <a:ea typeface="Lato"/>
-                <a:cs typeface="Lato"/>
-                <a:sym typeface="Lato"/>
-              </a:rPr>
-              <a:t>currently work in small orgs</a:t>
-            </a:r>
-            <a:endParaRPr sz="1200" i="1" dirty="0">
-              <a:solidFill>
-                <a:srgbClr val="00297F"/>
-              </a:solidFill>
-              <a:latin typeface="Lato"/>
-              <a:ea typeface="Lato"/>
-              <a:cs typeface="Lato"/>
-              <a:sym typeface="Lato"/>
-            </a:endParaRPr>
-          </a:p>
-        </p:txBody>
-      </p:sp>
-      <p:sp>
-        <p:nvSpPr>
-          <p:cNvPr id="304" name="Google Shape;304;p34"/>
-          <p:cNvSpPr txBox="1"/>
-          <p:nvPr/>
-        </p:nvSpPr>
-        <p:spPr>
-          <a:xfrm>
-            <a:off x="9735317" y="4273333"/>
-            <a:ext cx="2408000" cy="296000"/>
-          </a:xfrm>
-          <a:prstGeom prst="rect">
-            <a:avLst/>
-          </a:prstGeom>
-          <a:noFill/>
-          <a:ln>
-            <a:noFill/>
-          </a:ln>
-        </p:spPr>
-        <p:txBody>
-          <a:bodyPr spcFirstLastPara="1" wrap="square" lIns="121900" tIns="121900" rIns="121900" bIns="121900" anchor="t" anchorCtr="0">
-            <a:noAutofit/>
-          </a:bodyPr>
-          <a:lstStyle/>
-          <a:p>
-            <a:r>
-              <a:rPr lang="en" sz="933">
-                <a:solidFill>
-                  <a:srgbClr val="00297F"/>
-                </a:solidFill>
-                <a:latin typeface="Lato Black"/>
-                <a:ea typeface="Lato Black"/>
-                <a:cs typeface="Lato Black"/>
-                <a:sym typeface="Lato Black"/>
-              </a:rPr>
-              <a:t>Speaker Name Recognition</a:t>
-            </a:r>
-            <a:endParaRPr sz="933">
-              <a:solidFill>
-                <a:srgbClr val="00297F"/>
-              </a:solidFill>
-              <a:latin typeface="Lato Black"/>
-              <a:ea typeface="Lato Black"/>
-              <a:cs typeface="Lato Black"/>
-              <a:sym typeface="Lato Black"/>
-            </a:endParaRPr>
-          </a:p>
-        </p:txBody>
-      </p:sp>
-      <p:sp>
-        <p:nvSpPr>
-          <p:cNvPr id="305" name="Google Shape;305;p34"/>
-          <p:cNvSpPr txBox="1"/>
-          <p:nvPr/>
-        </p:nvSpPr>
-        <p:spPr>
-          <a:xfrm>
-            <a:off x="9735317" y="4873233"/>
-            <a:ext cx="2408000" cy="296000"/>
-          </a:xfrm>
-          <a:prstGeom prst="rect">
-            <a:avLst/>
-          </a:prstGeom>
-          <a:noFill/>
-          <a:ln>
-            <a:noFill/>
-          </a:ln>
-        </p:spPr>
-        <p:txBody>
-          <a:bodyPr spcFirstLastPara="1" wrap="square" lIns="121900" tIns="121900" rIns="121900" bIns="121900" anchor="t" anchorCtr="0">
-            <a:noAutofit/>
-          </a:bodyPr>
-          <a:lstStyle/>
-          <a:p>
-            <a:r>
-              <a:rPr lang="en" sz="933">
-                <a:solidFill>
-                  <a:srgbClr val="00297F"/>
-                </a:solidFill>
-                <a:latin typeface="Lato Black"/>
-                <a:ea typeface="Lato Black"/>
-                <a:cs typeface="Lato Black"/>
-                <a:sym typeface="Lato Black"/>
-              </a:rPr>
-              <a:t>Diversity of Speakers</a:t>
-            </a:r>
-            <a:endParaRPr sz="933">
-              <a:solidFill>
-                <a:srgbClr val="00297F"/>
-              </a:solidFill>
-              <a:latin typeface="Lato Black"/>
-              <a:ea typeface="Lato Black"/>
-              <a:cs typeface="Lato Black"/>
-              <a:sym typeface="Lato Black"/>
-            </a:endParaRPr>
-          </a:p>
-        </p:txBody>
-      </p:sp>
-      <p:sp>
-        <p:nvSpPr>
-          <p:cNvPr id="306" name="Google Shape;306;p34"/>
-          <p:cNvSpPr txBox="1"/>
-          <p:nvPr/>
-        </p:nvSpPr>
-        <p:spPr>
-          <a:xfrm>
-            <a:off x="9735317" y="5473133"/>
-            <a:ext cx="2408000" cy="296000"/>
-          </a:xfrm>
-          <a:prstGeom prst="rect">
-            <a:avLst/>
-          </a:prstGeom>
-          <a:noFill/>
-          <a:ln>
-            <a:noFill/>
-          </a:ln>
-        </p:spPr>
-        <p:txBody>
-          <a:bodyPr spcFirstLastPara="1" wrap="square" lIns="121900" tIns="121900" rIns="121900" bIns="121900" anchor="t" anchorCtr="0">
-            <a:noAutofit/>
-          </a:bodyPr>
-          <a:lstStyle/>
-          <a:p>
-            <a:r>
-              <a:rPr lang="en" sz="933">
-                <a:solidFill>
-                  <a:srgbClr val="00297F"/>
-                </a:solidFill>
-                <a:latin typeface="Lato Black"/>
-                <a:ea typeface="Lato Black"/>
-                <a:cs typeface="Lato Black"/>
-                <a:sym typeface="Lato Black"/>
-              </a:rPr>
-              <a:t>Networking Opportunities</a:t>
-            </a:r>
-            <a:endParaRPr sz="933">
-              <a:solidFill>
-                <a:srgbClr val="00297F"/>
-              </a:solidFill>
-              <a:latin typeface="Lato Black"/>
-              <a:ea typeface="Lato Black"/>
-              <a:cs typeface="Lato Black"/>
-              <a:sym typeface="Lato Black"/>
-            </a:endParaRPr>
-          </a:p>
-        </p:txBody>
-      </p:sp>
-      <p:cxnSp>
-        <p:nvCxnSpPr>
-          <p:cNvPr id="307" name="Google Shape;307;p34"/>
-          <p:cNvCxnSpPr/>
-          <p:nvPr/>
-        </p:nvCxnSpPr>
-        <p:spPr>
-          <a:xfrm>
-            <a:off x="9792567" y="6320700"/>
-            <a:ext cx="2134800" cy="0"/>
-          </a:xfrm>
-          <a:prstGeom prst="straightConnector1">
-            <a:avLst/>
-          </a:prstGeom>
-          <a:noFill/>
-          <a:ln w="19050" cap="flat" cmpd="sng">
-            <a:solidFill>
-              <a:schemeClr val="dk2"/>
-            </a:solidFill>
-            <a:prstDash val="solid"/>
-            <a:round/>
-            <a:headEnd type="none" w="med" len="med"/>
-            <a:tailEnd type="triangle" w="med" len="med"/>
-          </a:ln>
-        </p:spPr>
-      </p:cxnSp>
-      <p:sp>
-        <p:nvSpPr>
-          <p:cNvPr id="308" name="Google Shape;308;p34"/>
-          <p:cNvSpPr txBox="1"/>
-          <p:nvPr/>
-        </p:nvSpPr>
-        <p:spPr>
-          <a:xfrm>
-            <a:off x="9670833" y="6320700"/>
-            <a:ext cx="2105600" cy="279600"/>
-          </a:xfrm>
-          <a:prstGeom prst="rect">
-            <a:avLst/>
-          </a:prstGeom>
-          <a:noFill/>
-          <a:ln>
-            <a:noFill/>
-          </a:ln>
-        </p:spPr>
-        <p:txBody>
-          <a:bodyPr spcFirstLastPara="1" wrap="square" lIns="121900" tIns="121900" rIns="121900" bIns="121900" anchor="t" anchorCtr="0">
-            <a:noAutofit/>
-          </a:bodyPr>
-          <a:lstStyle/>
-          <a:p>
-            <a:r>
-              <a:rPr lang="en" sz="933" b="1">
-                <a:solidFill>
-                  <a:srgbClr val="00297F"/>
-                </a:solidFill>
-                <a:latin typeface="Lato"/>
-                <a:ea typeface="Lato"/>
-                <a:cs typeface="Lato"/>
-                <a:sym typeface="Lato"/>
-              </a:rPr>
-              <a:t>Not</a:t>
-            </a:r>
-            <a:endParaRPr sz="933" b="1">
-              <a:solidFill>
-                <a:srgbClr val="00297F"/>
-              </a:solidFill>
-              <a:latin typeface="Lato"/>
-              <a:ea typeface="Lato"/>
-              <a:cs typeface="Lato"/>
-              <a:sym typeface="Lato"/>
-            </a:endParaRPr>
-          </a:p>
-          <a:p>
-            <a:r>
-              <a:rPr lang="en" sz="933" b="1">
-                <a:solidFill>
-                  <a:srgbClr val="00297F"/>
-                </a:solidFill>
-                <a:latin typeface="Lato"/>
-                <a:ea typeface="Lato"/>
-                <a:cs typeface="Lato"/>
-                <a:sym typeface="Lato"/>
-              </a:rPr>
-              <a:t>Important</a:t>
-            </a:r>
-            <a:endParaRPr sz="933" b="1">
-              <a:solidFill>
-                <a:srgbClr val="00297F"/>
-              </a:solidFill>
-              <a:latin typeface="Lato"/>
-              <a:ea typeface="Lato"/>
-              <a:cs typeface="Lato"/>
-              <a:sym typeface="Lato"/>
-            </a:endParaRPr>
-          </a:p>
-        </p:txBody>
-      </p:sp>
-      <p:sp>
-        <p:nvSpPr>
-          <p:cNvPr id="309" name="Google Shape;309;p34"/>
-          <p:cNvSpPr txBox="1"/>
-          <p:nvPr/>
-        </p:nvSpPr>
-        <p:spPr>
-          <a:xfrm>
-            <a:off x="10855267" y="6320700"/>
-            <a:ext cx="1148400" cy="279600"/>
-          </a:xfrm>
-          <a:prstGeom prst="rect">
-            <a:avLst/>
-          </a:prstGeom>
-          <a:noFill/>
-          <a:ln>
-            <a:noFill/>
-          </a:ln>
-        </p:spPr>
-        <p:txBody>
-          <a:bodyPr spcFirstLastPara="1" wrap="square" lIns="121900" tIns="121900" rIns="121900" bIns="121900" anchor="t" anchorCtr="0">
-            <a:noAutofit/>
-          </a:bodyPr>
-          <a:lstStyle/>
-          <a:p>
-            <a:pPr algn="r"/>
-            <a:r>
-              <a:rPr lang="en" sz="933" b="1">
-                <a:solidFill>
-                  <a:srgbClr val="00297F"/>
-                </a:solidFill>
-                <a:latin typeface="Lato"/>
-                <a:ea typeface="Lato"/>
-                <a:cs typeface="Lato"/>
-                <a:sym typeface="Lato"/>
-              </a:rPr>
-              <a:t>Very</a:t>
-            </a:r>
-            <a:endParaRPr sz="933" b="1">
-              <a:solidFill>
-                <a:srgbClr val="00297F"/>
-              </a:solidFill>
-              <a:latin typeface="Lato"/>
-              <a:ea typeface="Lato"/>
-              <a:cs typeface="Lato"/>
-              <a:sym typeface="Lato"/>
-            </a:endParaRPr>
-          </a:p>
-          <a:p>
-            <a:pPr algn="r"/>
-            <a:r>
-              <a:rPr lang="en" sz="933" b="1">
-                <a:solidFill>
-                  <a:srgbClr val="00297F"/>
-                </a:solidFill>
-                <a:latin typeface="Lato"/>
-                <a:ea typeface="Lato"/>
-                <a:cs typeface="Lato"/>
-                <a:sym typeface="Lato"/>
-              </a:rPr>
-              <a:t>Important</a:t>
-            </a:r>
-            <a:endParaRPr sz="933" b="1">
               <a:solidFill>
                 <a:srgbClr val="00297F"/>
               </a:solidFill>
@@ -13295,99 +10865,54 @@
           </a:ln>
         </p:spPr>
       </p:cxnSp>
-      <p:pic>
-        <p:nvPicPr>
-          <p:cNvPr id="312" name="Google Shape;312;p34" title="Chart"/>
-          <p:cNvPicPr preferRelativeResize="0"/>
+      <p:cxnSp>
+        <p:nvCxnSpPr>
+          <p:cNvPr id="26" name="Google Shape;234;p30">
+            <a:extLst>
+              <a:ext uri="{FF2B5EF4-FFF2-40B4-BE49-F238E27FC236}">
+                <a16:creationId xmlns:a16="http://schemas.microsoft.com/office/drawing/2014/main" id="{C9DCC4C5-8CD4-6D47-9601-A046D6B18B82}"/>
+              </a:ext>
+            </a:extLst>
+          </p:cNvPr>
+          <p:cNvCxnSpPr/>
           <p:nvPr/>
-        </p:nvPicPr>
-        <p:blipFill>
-          <a:blip r:embed="rId3">
-            <a:alphaModFix/>
-          </a:blip>
-          <a:stretch>
-            <a:fillRect/>
-          </a:stretch>
-        </p:blipFill>
+        </p:nvCxnSpPr>
         <p:spPr>
           <a:xfrm>
-            <a:off x="9526451" y="256834"/>
-            <a:ext cx="1326000" cy="817765"/>
+            <a:off x="9819751" y="6334500"/>
+            <a:ext cx="2134800" cy="0"/>
           </a:xfrm>
-          <a:prstGeom prst="rect">
+          <a:prstGeom prst="straightConnector1">
             <a:avLst/>
           </a:prstGeom>
           <a:noFill/>
-          <a:ln>
-            <a:noFill/>
+          <a:ln w="19050" cap="flat" cmpd="sng">
+            <a:solidFill>
+              <a:schemeClr val="dk2"/>
+            </a:solidFill>
+            <a:prstDash val="solid"/>
+            <a:round/>
+            <a:headEnd type="none" w="med" len="med"/>
+            <a:tailEnd type="triangle" w="med" len="med"/>
           </a:ln>
         </p:spPr>
-      </p:pic>
-      <p:pic>
-        <p:nvPicPr>
-          <p:cNvPr id="313" name="Google Shape;313;p34" title="Chart"/>
-          <p:cNvPicPr preferRelativeResize="0"/>
-          <p:nvPr/>
-        </p:nvPicPr>
-        <p:blipFill>
-          <a:blip r:embed="rId4">
-            <a:alphaModFix/>
-          </a:blip>
-          <a:stretch>
-            <a:fillRect/>
-          </a:stretch>
-        </p:blipFill>
-        <p:spPr>
-          <a:xfrm>
-            <a:off x="9459434" y="1145125"/>
-            <a:ext cx="1410833" cy="873097"/>
-          </a:xfrm>
-          <a:prstGeom prst="rect">
-            <a:avLst/>
-          </a:prstGeom>
-          <a:noFill/>
-          <a:ln>
-            <a:noFill/>
-          </a:ln>
-        </p:spPr>
-      </p:pic>
-      <p:pic>
-        <p:nvPicPr>
-          <p:cNvPr id="314" name="Google Shape;314;p34" title="Chart"/>
-          <p:cNvPicPr preferRelativeResize="0"/>
-          <p:nvPr/>
-        </p:nvPicPr>
-        <p:blipFill rotWithShape="1">
-          <a:blip r:embed="rId5">
-            <a:alphaModFix/>
-          </a:blip>
-          <a:srcRect l="22330"/>
-          <a:stretch/>
-        </p:blipFill>
-        <p:spPr>
-          <a:xfrm>
-            <a:off x="9782630" y="2734533"/>
-            <a:ext cx="1349599" cy="1075675"/>
-          </a:xfrm>
-          <a:prstGeom prst="rect">
-            <a:avLst/>
-          </a:prstGeom>
-          <a:noFill/>
-          <a:ln>
-            <a:noFill/>
-          </a:ln>
-        </p:spPr>
-      </p:pic>
+      </p:cxnSp>
       <p:sp>
         <p:nvSpPr>
-          <p:cNvPr id="315" name="Google Shape;315;p34"/>
+          <p:cNvPr id="27" name="Google Shape;235;p30">
+            <a:extLst>
+              <a:ext uri="{FF2B5EF4-FFF2-40B4-BE49-F238E27FC236}">
+                <a16:creationId xmlns:a16="http://schemas.microsoft.com/office/drawing/2014/main" id="{621A0892-29CE-F14A-AF5B-1D90E46DAEBC}"/>
+              </a:ext>
+            </a:extLst>
+          </p:cNvPr>
           <p:cNvSpPr txBox="1"/>
           <p:nvPr/>
         </p:nvSpPr>
         <p:spPr>
           <a:xfrm>
-            <a:off x="9756751" y="2868533"/>
-            <a:ext cx="1737600" cy="296000"/>
+            <a:off x="9698018" y="6334499"/>
+            <a:ext cx="2105600" cy="523499"/>
           </a:xfrm>
           <a:prstGeom prst="rect">
             <a:avLst/>
@@ -13404,18 +10929,18 @@
           <a:lstStyle/>
           <a:p>
             <a:r>
-              <a:rPr lang="en" sz="933" b="1">
-                <a:solidFill>
-                  <a:srgbClr val="00297F"/>
-                </a:solidFill>
-                <a:latin typeface="Lato"/>
-                <a:ea typeface="Lato"/>
-                <a:cs typeface="Lato"/>
-                <a:sym typeface="Lato"/>
-              </a:rPr>
-              <a:t>Executive 55%</a:t>
-            </a:r>
-            <a:endParaRPr sz="933">
+              <a:rPr lang="en" sz="933" b="1" dirty="0">
+                <a:solidFill>
+                  <a:srgbClr val="00297F"/>
+                </a:solidFill>
+                <a:latin typeface="Lato"/>
+                <a:ea typeface="Lato"/>
+                <a:cs typeface="Lato"/>
+                <a:sym typeface="Lato"/>
+              </a:rPr>
+              <a:t>Not</a:t>
+            </a:r>
+            <a:endParaRPr sz="933" b="1" dirty="0">
               <a:solidFill>
                 <a:srgbClr val="00297F"/>
               </a:solidFill>
@@ -13429,14 +10954,20 @@
       </p:sp>
       <p:sp>
         <p:nvSpPr>
-          <p:cNvPr id="316" name="Google Shape;316;p34"/>
+          <p:cNvPr id="28" name="Google Shape;236;p30">
+            <a:extLst>
+              <a:ext uri="{FF2B5EF4-FFF2-40B4-BE49-F238E27FC236}">
+                <a16:creationId xmlns:a16="http://schemas.microsoft.com/office/drawing/2014/main" id="{F45BDC53-824B-4E41-988B-3D1C02B6196A}"/>
+              </a:ext>
+            </a:extLst>
+          </p:cNvPr>
           <p:cNvSpPr txBox="1"/>
           <p:nvPr/>
         </p:nvSpPr>
         <p:spPr>
           <a:xfrm>
-            <a:off x="9780884" y="3280233"/>
-            <a:ext cx="1801200" cy="296000"/>
+            <a:off x="10882450" y="6334500"/>
+            <a:ext cx="1148400" cy="279600"/>
           </a:xfrm>
           <a:prstGeom prst="rect">
             <a:avLst/>
@@ -13452,19 +10983,20 @@
           </a:bodyPr>
           <a:lstStyle/>
           <a:p>
-            <a:r>
-              <a:rPr lang="en" sz="933" b="1">
-                <a:solidFill>
-                  <a:srgbClr val="00297F"/>
-                </a:solidFill>
-                <a:latin typeface="Lato"/>
-                <a:ea typeface="Lato"/>
-                <a:cs typeface="Lato"/>
-                <a:sym typeface="Lato"/>
-              </a:rPr>
-              <a:t>Consultant 45%</a:t>
-            </a:r>
-            <a:endParaRPr sz="800">
+            <a:pPr algn="r"/>
+            <a:r>
+              <a:rPr lang="en" sz="933" b="1" dirty="0">
+                <a:solidFill>
+                  <a:srgbClr val="00297F"/>
+                </a:solidFill>
+                <a:latin typeface="Lato"/>
+                <a:ea typeface="Lato"/>
+                <a:cs typeface="Lato"/>
+                <a:sym typeface="Lato"/>
+              </a:rPr>
+              <a:t>Very Important</a:t>
+            </a:r>
+            <a:endParaRPr sz="933" b="1" dirty="0">
               <a:solidFill>
                 <a:srgbClr val="00297F"/>
               </a:solidFill>
@@ -13478,29 +11010,32 @@
       </p:sp>
       <p:pic>
         <p:nvPicPr>
-          <p:cNvPr id="317" name="Google Shape;317;p34" title="Chart"/>
-          <p:cNvPicPr preferRelativeResize="0"/>
+          <p:cNvPr id="2" name="Picture 1">
+            <a:extLst>
+              <a:ext uri="{FF2B5EF4-FFF2-40B4-BE49-F238E27FC236}">
+                <a16:creationId xmlns:a16="http://schemas.microsoft.com/office/drawing/2014/main" id="{DFADCF9B-A263-B745-AE2F-21DA85F3A30A}"/>
+              </a:ext>
+            </a:extLst>
+          </p:cNvPr>
+          <p:cNvPicPr>
+            <a:picLocks noChangeAspect="1"/>
+          </p:cNvPicPr>
           <p:nvPr/>
         </p:nvPicPr>
-        <p:blipFill rotWithShape="1">
-          <a:blip r:embed="rId6">
-            <a:alphaModFix/>
-          </a:blip>
-          <a:srcRect l="24525" t="12262" r="3083" b="24626"/>
-          <a:stretch/>
+        <p:blipFill>
+          <a:blip r:embed="rId3"/>
+          <a:stretch>
+            <a:fillRect/>
+          </a:stretch>
         </p:blipFill>
         <p:spPr>
           <a:xfrm>
-            <a:off x="9748356" y="4535518"/>
-            <a:ext cx="2194560" cy="1674929"/>
+            <a:off x="9687867" y="4682203"/>
+            <a:ext cx="2334024" cy="1531885"/>
           </a:xfrm>
           <a:prstGeom prst="rect">
             <a:avLst/>
           </a:prstGeom>
-          <a:noFill/>
-          <a:ln>
-            <a:noFill/>
-          </a:ln>
         </p:spPr>
       </p:pic>
     </p:spTree>
@@ -14694,10 +12229,10 @@
         </p:nvGrpSpPr>
         <p:grpSpPr>
           <a:xfrm>
-            <a:off x="9528834" y="-13800"/>
-            <a:ext cx="2673900" cy="6858000"/>
-            <a:chOff x="7092050" y="-10350"/>
-            <a:chExt cx="2005425" cy="5143500"/>
+            <a:off x="9552734" y="-13800"/>
+            <a:ext cx="2650000" cy="6858000"/>
+            <a:chOff x="7109975" y="-10350"/>
+            <a:chExt cx="1987500" cy="5143500"/>
           </a:xfrm>
         </p:grpSpPr>
         <p:sp>
@@ -14805,493 +12340,6 @@
             </a:p>
           </p:txBody>
         </p:sp>
-        <p:sp>
-          <p:nvSpPr>
-            <p:cNvPr id="338" name="Google Shape;338;p36"/>
-            <p:cNvSpPr txBox="1"/>
-            <p:nvPr/>
-          </p:nvSpPr>
-          <p:spPr>
-            <a:xfrm>
-              <a:off x="8039250" y="65950"/>
-              <a:ext cx="1058100" cy="417000"/>
-            </a:xfrm>
-            <a:prstGeom prst="rect">
-              <a:avLst/>
-            </a:prstGeom>
-            <a:noFill/>
-            <a:ln>
-              <a:noFill/>
-            </a:ln>
-          </p:spPr>
-          <p:txBody>
-            <a:bodyPr spcFirstLastPara="1" wrap="square" lIns="121900" tIns="121900" rIns="121900" bIns="121900" anchor="t" anchorCtr="0">
-              <a:noAutofit/>
-            </a:bodyPr>
-            <a:lstStyle/>
-            <a:p>
-              <a:r>
-                <a:rPr lang="en" sz="2400" b="1">
-                  <a:solidFill>
-                    <a:srgbClr val="00297F"/>
-                  </a:solidFill>
-                  <a:latin typeface="Lato"/>
-                  <a:ea typeface="Lato"/>
-                  <a:cs typeface="Lato"/>
-                  <a:sym typeface="Lato"/>
-                </a:rPr>
-                <a:t>75%</a:t>
-              </a:r>
-              <a:r>
-                <a:rPr lang="en" sz="2400">
-                  <a:solidFill>
-                    <a:srgbClr val="00297F"/>
-                  </a:solidFill>
-                  <a:latin typeface="Lato"/>
-                  <a:ea typeface="Lato"/>
-                  <a:cs typeface="Lato"/>
-                  <a:sym typeface="Lato"/>
-                </a:rPr>
-                <a:t> </a:t>
-              </a:r>
-              <a:endParaRPr sz="2400">
-                <a:solidFill>
-                  <a:srgbClr val="00297F"/>
-                </a:solidFill>
-                <a:latin typeface="Lato"/>
-                <a:ea typeface="Lato"/>
-                <a:cs typeface="Lato"/>
-                <a:sym typeface="Lato"/>
-              </a:endParaRPr>
-            </a:p>
-            <a:p>
-              <a:r>
-                <a:rPr lang="en" sz="1200">
-                  <a:solidFill>
-                    <a:srgbClr val="00297F"/>
-                  </a:solidFill>
-                  <a:latin typeface="Lato"/>
-                  <a:ea typeface="Lato"/>
-                  <a:cs typeface="Lato"/>
-                  <a:sym typeface="Lato"/>
-                </a:rPr>
-                <a:t>academically trained in research</a:t>
-              </a:r>
-              <a:endParaRPr sz="1200">
-                <a:solidFill>
-                  <a:srgbClr val="00297F"/>
-                </a:solidFill>
-                <a:latin typeface="Lato"/>
-                <a:ea typeface="Lato"/>
-                <a:cs typeface="Lato"/>
-                <a:sym typeface="Lato"/>
-              </a:endParaRPr>
-            </a:p>
-          </p:txBody>
-        </p:sp>
-        <p:sp>
-          <p:nvSpPr>
-            <p:cNvPr id="339" name="Google Shape;339;p36"/>
-            <p:cNvSpPr txBox="1"/>
-            <p:nvPr/>
-          </p:nvSpPr>
-          <p:spPr>
-            <a:xfrm>
-              <a:off x="8039375" y="850750"/>
-              <a:ext cx="1012200" cy="417000"/>
-            </a:xfrm>
-            <a:prstGeom prst="rect">
-              <a:avLst/>
-            </a:prstGeom>
-            <a:noFill/>
-            <a:ln>
-              <a:noFill/>
-            </a:ln>
-          </p:spPr>
-          <p:txBody>
-            <a:bodyPr spcFirstLastPara="1" wrap="square" lIns="121900" tIns="121900" rIns="121900" bIns="121900" anchor="t" anchorCtr="0">
-              <a:noAutofit/>
-            </a:bodyPr>
-            <a:lstStyle/>
-            <a:p>
-              <a:r>
-                <a:rPr lang="en" sz="2400" b="1">
-                  <a:solidFill>
-                    <a:srgbClr val="00297F"/>
-                  </a:solidFill>
-                  <a:latin typeface="Lato"/>
-                  <a:ea typeface="Lato"/>
-                  <a:cs typeface="Lato"/>
-                  <a:sym typeface="Lato"/>
-                </a:rPr>
-                <a:t>50%</a:t>
-              </a:r>
-              <a:r>
-                <a:rPr lang="en" sz="2400">
-                  <a:solidFill>
-                    <a:srgbClr val="00297F"/>
-                  </a:solidFill>
-                  <a:latin typeface="Lato"/>
-                  <a:ea typeface="Lato"/>
-                  <a:cs typeface="Lato"/>
-                  <a:sym typeface="Lato"/>
-                </a:rPr>
-                <a:t> </a:t>
-              </a:r>
-              <a:endParaRPr sz="2400">
-                <a:solidFill>
-                  <a:srgbClr val="00297F"/>
-                </a:solidFill>
-                <a:latin typeface="Lato"/>
-                <a:ea typeface="Lato"/>
-                <a:cs typeface="Lato"/>
-                <a:sym typeface="Lato"/>
-              </a:endParaRPr>
-            </a:p>
-            <a:p>
-              <a:r>
-                <a:rPr lang="en" sz="1200">
-                  <a:solidFill>
-                    <a:srgbClr val="00297F"/>
-                  </a:solidFill>
-                  <a:latin typeface="Lato"/>
-                  <a:ea typeface="Lato"/>
-                  <a:cs typeface="Lato"/>
-                  <a:sym typeface="Lato"/>
-                </a:rPr>
-                <a:t>currently work in medium orgs</a:t>
-              </a:r>
-              <a:endParaRPr sz="1200">
-                <a:solidFill>
-                  <a:srgbClr val="00297F"/>
-                </a:solidFill>
-                <a:latin typeface="Lato"/>
-                <a:ea typeface="Lato"/>
-                <a:cs typeface="Lato"/>
-                <a:sym typeface="Lato"/>
-              </a:endParaRPr>
-            </a:p>
-          </p:txBody>
-        </p:sp>
-        <p:sp>
-          <p:nvSpPr>
-            <p:cNvPr id="340" name="Google Shape;340;p36"/>
-            <p:cNvSpPr txBox="1"/>
-            <p:nvPr/>
-          </p:nvSpPr>
-          <p:spPr>
-            <a:xfrm>
-              <a:off x="7255663" y="3205000"/>
-              <a:ext cx="1806000" cy="222000"/>
-            </a:xfrm>
-            <a:prstGeom prst="rect">
-              <a:avLst/>
-            </a:prstGeom>
-            <a:noFill/>
-            <a:ln>
-              <a:noFill/>
-            </a:ln>
-          </p:spPr>
-          <p:txBody>
-            <a:bodyPr spcFirstLastPara="1" wrap="square" lIns="121900" tIns="121900" rIns="121900" bIns="121900" anchor="t" anchorCtr="0">
-              <a:noAutofit/>
-            </a:bodyPr>
-            <a:lstStyle/>
-            <a:p>
-              <a:r>
-                <a:rPr lang="en" sz="933">
-                  <a:solidFill>
-                    <a:srgbClr val="00297F"/>
-                  </a:solidFill>
-                  <a:latin typeface="Lato Black"/>
-                  <a:ea typeface="Lato Black"/>
-                  <a:cs typeface="Lato Black"/>
-                  <a:sym typeface="Lato Black"/>
-                </a:rPr>
-                <a:t>Speaker Name Recognition</a:t>
-              </a:r>
-              <a:endParaRPr sz="933">
-                <a:solidFill>
-                  <a:srgbClr val="00297F"/>
-                </a:solidFill>
-                <a:latin typeface="Lato Black"/>
-                <a:ea typeface="Lato Black"/>
-                <a:cs typeface="Lato Black"/>
-                <a:sym typeface="Lato Black"/>
-              </a:endParaRPr>
-            </a:p>
-          </p:txBody>
-        </p:sp>
-        <p:sp>
-          <p:nvSpPr>
-            <p:cNvPr id="341" name="Google Shape;341;p36"/>
-            <p:cNvSpPr txBox="1"/>
-            <p:nvPr/>
-          </p:nvSpPr>
-          <p:spPr>
-            <a:xfrm>
-              <a:off x="7255663" y="3654925"/>
-              <a:ext cx="1806000" cy="222000"/>
-            </a:xfrm>
-            <a:prstGeom prst="rect">
-              <a:avLst/>
-            </a:prstGeom>
-            <a:noFill/>
-            <a:ln>
-              <a:noFill/>
-            </a:ln>
-          </p:spPr>
-          <p:txBody>
-            <a:bodyPr spcFirstLastPara="1" wrap="square" lIns="121900" tIns="121900" rIns="121900" bIns="121900" anchor="t" anchorCtr="0">
-              <a:noAutofit/>
-            </a:bodyPr>
-            <a:lstStyle/>
-            <a:p>
-              <a:r>
-                <a:rPr lang="en" sz="933">
-                  <a:solidFill>
-                    <a:srgbClr val="00297F"/>
-                  </a:solidFill>
-                  <a:latin typeface="Lato Black"/>
-                  <a:ea typeface="Lato Black"/>
-                  <a:cs typeface="Lato Black"/>
-                  <a:sym typeface="Lato Black"/>
-                </a:rPr>
-                <a:t>Diversity of Speakers</a:t>
-              </a:r>
-              <a:endParaRPr sz="933">
-                <a:solidFill>
-                  <a:srgbClr val="00297F"/>
-                </a:solidFill>
-                <a:latin typeface="Lato Black"/>
-                <a:ea typeface="Lato Black"/>
-                <a:cs typeface="Lato Black"/>
-                <a:sym typeface="Lato Black"/>
-              </a:endParaRPr>
-            </a:p>
-          </p:txBody>
-        </p:sp>
-        <p:sp>
-          <p:nvSpPr>
-            <p:cNvPr id="342" name="Google Shape;342;p36"/>
-            <p:cNvSpPr txBox="1"/>
-            <p:nvPr/>
-          </p:nvSpPr>
-          <p:spPr>
-            <a:xfrm>
-              <a:off x="7255663" y="4104850"/>
-              <a:ext cx="1806000" cy="222000"/>
-            </a:xfrm>
-            <a:prstGeom prst="rect">
-              <a:avLst/>
-            </a:prstGeom>
-            <a:noFill/>
-            <a:ln>
-              <a:noFill/>
-            </a:ln>
-          </p:spPr>
-          <p:txBody>
-            <a:bodyPr spcFirstLastPara="1" wrap="square" lIns="121900" tIns="121900" rIns="121900" bIns="121900" anchor="t" anchorCtr="0">
-              <a:noAutofit/>
-            </a:bodyPr>
-            <a:lstStyle/>
-            <a:p>
-              <a:r>
-                <a:rPr lang="en" sz="933">
-                  <a:solidFill>
-                    <a:srgbClr val="00297F"/>
-                  </a:solidFill>
-                  <a:latin typeface="Lato Black"/>
-                  <a:ea typeface="Lato Black"/>
-                  <a:cs typeface="Lato Black"/>
-                  <a:sym typeface="Lato Black"/>
-                </a:rPr>
-                <a:t>Networking Opportunities</a:t>
-              </a:r>
-              <a:endParaRPr sz="933">
-                <a:solidFill>
-                  <a:srgbClr val="00297F"/>
-                </a:solidFill>
-                <a:latin typeface="Lato Black"/>
-                <a:ea typeface="Lato Black"/>
-                <a:cs typeface="Lato Black"/>
-                <a:sym typeface="Lato Black"/>
-              </a:endParaRPr>
-            </a:p>
-          </p:txBody>
-        </p:sp>
-        <p:cxnSp>
-          <p:nvCxnSpPr>
-            <p:cNvPr id="343" name="Google Shape;343;p36"/>
-            <p:cNvCxnSpPr/>
-            <p:nvPr/>
-          </p:nvCxnSpPr>
-          <p:spPr>
-            <a:xfrm>
-              <a:off x="7298600" y="4740525"/>
-              <a:ext cx="1601100" cy="0"/>
-            </a:xfrm>
-            <a:prstGeom prst="straightConnector1">
-              <a:avLst/>
-            </a:prstGeom>
-            <a:noFill/>
-            <a:ln w="19050" cap="flat" cmpd="sng">
-              <a:solidFill>
-                <a:schemeClr val="dk2"/>
-              </a:solidFill>
-              <a:prstDash val="solid"/>
-              <a:round/>
-              <a:headEnd type="none" w="med" len="med"/>
-              <a:tailEnd type="triangle" w="med" len="med"/>
-            </a:ln>
-          </p:spPr>
-        </p:cxnSp>
-        <p:sp>
-          <p:nvSpPr>
-            <p:cNvPr id="344" name="Google Shape;344;p36"/>
-            <p:cNvSpPr txBox="1"/>
-            <p:nvPr/>
-          </p:nvSpPr>
-          <p:spPr>
-            <a:xfrm>
-              <a:off x="7207300" y="4740525"/>
-              <a:ext cx="1579200" cy="209700"/>
-            </a:xfrm>
-            <a:prstGeom prst="rect">
-              <a:avLst/>
-            </a:prstGeom>
-            <a:noFill/>
-            <a:ln>
-              <a:noFill/>
-            </a:ln>
-          </p:spPr>
-          <p:txBody>
-            <a:bodyPr spcFirstLastPara="1" wrap="square" lIns="121900" tIns="121900" rIns="121900" bIns="121900" anchor="t" anchorCtr="0">
-              <a:noAutofit/>
-            </a:bodyPr>
-            <a:lstStyle/>
-            <a:p>
-              <a:r>
-                <a:rPr lang="en" sz="933" b="1">
-                  <a:solidFill>
-                    <a:srgbClr val="00297F"/>
-                  </a:solidFill>
-                  <a:latin typeface="Lato"/>
-                  <a:ea typeface="Lato"/>
-                  <a:cs typeface="Lato"/>
-                  <a:sym typeface="Lato"/>
-                </a:rPr>
-                <a:t>Not</a:t>
-              </a:r>
-              <a:endParaRPr sz="933" b="1">
-                <a:solidFill>
-                  <a:srgbClr val="00297F"/>
-                </a:solidFill>
-                <a:latin typeface="Lato"/>
-                <a:ea typeface="Lato"/>
-                <a:cs typeface="Lato"/>
-                <a:sym typeface="Lato"/>
-              </a:endParaRPr>
-            </a:p>
-            <a:p>
-              <a:r>
-                <a:rPr lang="en" sz="933" b="1">
-                  <a:solidFill>
-                    <a:srgbClr val="00297F"/>
-                  </a:solidFill>
-                  <a:latin typeface="Lato"/>
-                  <a:ea typeface="Lato"/>
-                  <a:cs typeface="Lato"/>
-                  <a:sym typeface="Lato"/>
-                </a:rPr>
-                <a:t>Important</a:t>
-              </a:r>
-              <a:endParaRPr sz="933" b="1">
-                <a:solidFill>
-                  <a:srgbClr val="00297F"/>
-                </a:solidFill>
-                <a:latin typeface="Lato"/>
-                <a:ea typeface="Lato"/>
-                <a:cs typeface="Lato"/>
-                <a:sym typeface="Lato"/>
-              </a:endParaRPr>
-            </a:p>
-          </p:txBody>
-        </p:sp>
-        <p:sp>
-          <p:nvSpPr>
-            <p:cNvPr id="345" name="Google Shape;345;p36"/>
-            <p:cNvSpPr txBox="1"/>
-            <p:nvPr/>
-          </p:nvSpPr>
-          <p:spPr>
-            <a:xfrm>
-              <a:off x="8095625" y="4740525"/>
-              <a:ext cx="861300" cy="209700"/>
-            </a:xfrm>
-            <a:prstGeom prst="rect">
-              <a:avLst/>
-            </a:prstGeom>
-            <a:noFill/>
-            <a:ln>
-              <a:noFill/>
-            </a:ln>
-          </p:spPr>
-          <p:txBody>
-            <a:bodyPr spcFirstLastPara="1" wrap="square" lIns="121900" tIns="121900" rIns="121900" bIns="121900" anchor="t" anchorCtr="0">
-              <a:noAutofit/>
-            </a:bodyPr>
-            <a:lstStyle/>
-            <a:p>
-              <a:pPr algn="r"/>
-              <a:r>
-                <a:rPr lang="en" sz="933" b="1">
-                  <a:solidFill>
-                    <a:srgbClr val="00297F"/>
-                  </a:solidFill>
-                  <a:latin typeface="Lato"/>
-                  <a:ea typeface="Lato"/>
-                  <a:cs typeface="Lato"/>
-                  <a:sym typeface="Lato"/>
-                </a:rPr>
-                <a:t>Very</a:t>
-              </a:r>
-              <a:endParaRPr sz="933" b="1">
-                <a:solidFill>
-                  <a:srgbClr val="00297F"/>
-                </a:solidFill>
-                <a:latin typeface="Lato"/>
-                <a:ea typeface="Lato"/>
-                <a:cs typeface="Lato"/>
-                <a:sym typeface="Lato"/>
-              </a:endParaRPr>
-            </a:p>
-            <a:p>
-              <a:pPr algn="r"/>
-              <a:r>
-                <a:rPr lang="en" sz="933" b="1">
-                  <a:solidFill>
-                    <a:srgbClr val="00297F"/>
-                  </a:solidFill>
-                  <a:latin typeface="Lato"/>
-                  <a:ea typeface="Lato"/>
-                  <a:cs typeface="Lato"/>
-                  <a:sym typeface="Lato"/>
-                </a:rPr>
-                <a:t>Important</a:t>
-              </a:r>
-              <a:endParaRPr sz="933" b="1">
-                <a:solidFill>
-                  <a:srgbClr val="00297F"/>
-                </a:solidFill>
-                <a:latin typeface="Lato"/>
-                <a:ea typeface="Lato"/>
-                <a:cs typeface="Lato"/>
-                <a:sym typeface="Lato"/>
-              </a:endParaRPr>
-            </a:p>
-          </p:txBody>
-        </p:sp>
         <p:cxnSp>
           <p:nvCxnSpPr>
             <p:cNvPr id="346" name="Google Shape;346;p36"/>
@@ -15344,290 +12392,55 @@
             </a:ln>
           </p:spPr>
         </p:cxnSp>
-        <p:pic>
-          <p:nvPicPr>
-            <p:cNvPr id="348" name="Google Shape;348;p36" title="Chart"/>
-            <p:cNvPicPr preferRelativeResize="0"/>
-            <p:nvPr/>
-          </p:nvPicPr>
-          <p:blipFill>
-            <a:blip r:embed="rId3">
-              <a:alphaModFix/>
-            </a:blip>
-            <a:stretch>
-              <a:fillRect/>
-            </a:stretch>
-          </p:blipFill>
-          <p:spPr>
-            <a:xfrm>
-              <a:off x="7092050" y="159683"/>
-              <a:ext cx="1058125" cy="652542"/>
-            </a:xfrm>
-            <a:prstGeom prst="rect">
-              <a:avLst/>
-            </a:prstGeom>
-            <a:noFill/>
-            <a:ln>
-              <a:noFill/>
-            </a:ln>
-          </p:spPr>
-        </p:pic>
-        <p:pic>
-          <p:nvPicPr>
-            <p:cNvPr id="349" name="Google Shape;349;p36" title="Chart"/>
-            <p:cNvPicPr preferRelativeResize="0"/>
-            <p:nvPr/>
-          </p:nvPicPr>
-          <p:blipFill>
-            <a:blip r:embed="rId4">
-              <a:alphaModFix/>
-            </a:blip>
-            <a:stretch>
-              <a:fillRect/>
-            </a:stretch>
-          </p:blipFill>
-          <p:spPr>
-            <a:xfrm>
-              <a:off x="7115013" y="865250"/>
-              <a:ext cx="1012200" cy="624213"/>
-            </a:xfrm>
-            <a:prstGeom prst="rect">
-              <a:avLst/>
-            </a:prstGeom>
-            <a:noFill/>
-            <a:ln>
-              <a:noFill/>
-            </a:ln>
-          </p:spPr>
-        </p:pic>
-        <p:pic>
-          <p:nvPicPr>
-            <p:cNvPr id="350" name="Google Shape;350;p36" title="Chart"/>
-            <p:cNvPicPr preferRelativeResize="0"/>
-            <p:nvPr/>
-          </p:nvPicPr>
-          <p:blipFill rotWithShape="1">
-            <a:blip r:embed="rId5">
-              <a:alphaModFix/>
-            </a:blip>
-            <a:srcRect l="23844"/>
-            <a:stretch/>
-          </p:blipFill>
-          <p:spPr>
-            <a:xfrm>
-              <a:off x="7280125" y="2026250"/>
-              <a:ext cx="1423800" cy="1154676"/>
-            </a:xfrm>
-            <a:prstGeom prst="rect">
-              <a:avLst/>
-            </a:prstGeom>
-            <a:noFill/>
-            <a:ln>
-              <a:noFill/>
-            </a:ln>
-          </p:spPr>
-        </p:pic>
-        <p:sp>
-          <p:nvSpPr>
-            <p:cNvPr id="351" name="Google Shape;351;p36"/>
-            <p:cNvSpPr txBox="1"/>
-            <p:nvPr/>
-          </p:nvSpPr>
-          <p:spPr>
-            <a:xfrm>
-              <a:off x="7286500" y="2152750"/>
-              <a:ext cx="1303200" cy="222000"/>
-            </a:xfrm>
-            <a:prstGeom prst="rect">
-              <a:avLst/>
-            </a:prstGeom>
-            <a:noFill/>
-            <a:ln>
-              <a:noFill/>
-            </a:ln>
-          </p:spPr>
-          <p:txBody>
-            <a:bodyPr spcFirstLastPara="1" wrap="square" lIns="121900" tIns="121900" rIns="121900" bIns="121900" anchor="t" anchorCtr="0">
-              <a:noAutofit/>
-            </a:bodyPr>
-            <a:lstStyle/>
-            <a:p>
-              <a:r>
-                <a:rPr lang="en" sz="933" b="1">
-                  <a:solidFill>
-                    <a:srgbClr val="00297F"/>
-                  </a:solidFill>
-                  <a:latin typeface="Lato"/>
-                  <a:ea typeface="Lato"/>
-                  <a:cs typeface="Lato"/>
-                  <a:sym typeface="Lato"/>
-                </a:rPr>
-                <a:t>Academic </a:t>
-              </a:r>
-              <a:r>
-                <a:rPr lang="en" sz="933">
-                  <a:solidFill>
-                    <a:srgbClr val="00297F"/>
-                  </a:solidFill>
-                  <a:latin typeface="Lato"/>
-                  <a:ea typeface="Lato"/>
-                  <a:cs typeface="Lato"/>
-                  <a:sym typeface="Lato"/>
-                </a:rPr>
-                <a:t>25%</a:t>
-              </a:r>
-              <a:endParaRPr sz="933">
-                <a:solidFill>
-                  <a:srgbClr val="00297F"/>
-                </a:solidFill>
-                <a:latin typeface="Lato"/>
-                <a:ea typeface="Lato"/>
-                <a:cs typeface="Lato"/>
-                <a:sym typeface="Lato"/>
-              </a:endParaRPr>
-            </a:p>
-          </p:txBody>
-        </p:sp>
-        <p:sp>
-          <p:nvSpPr>
-            <p:cNvPr id="352" name="Google Shape;352;p36"/>
-            <p:cNvSpPr txBox="1"/>
-            <p:nvPr/>
-          </p:nvSpPr>
-          <p:spPr>
-            <a:xfrm>
-              <a:off x="7286500" y="2450400"/>
-              <a:ext cx="1423800" cy="222000"/>
-            </a:xfrm>
-            <a:prstGeom prst="rect">
-              <a:avLst/>
-            </a:prstGeom>
-            <a:noFill/>
-            <a:ln>
-              <a:noFill/>
-            </a:ln>
-          </p:spPr>
-          <p:txBody>
-            <a:bodyPr spcFirstLastPara="1" wrap="square" lIns="121900" tIns="121900" rIns="121900" bIns="121900" anchor="t" anchorCtr="0">
-              <a:noAutofit/>
-            </a:bodyPr>
-            <a:lstStyle/>
-            <a:p>
-              <a:r>
-                <a:rPr lang="en" sz="933" b="1">
-                  <a:solidFill>
-                    <a:srgbClr val="00297F"/>
-                  </a:solidFill>
-                  <a:latin typeface="Lato"/>
-                  <a:ea typeface="Lato"/>
-                  <a:cs typeface="Lato"/>
-                  <a:sym typeface="Lato"/>
-                </a:rPr>
-                <a:t>Strategist </a:t>
-              </a:r>
-              <a:r>
-                <a:rPr lang="en" sz="933">
-                  <a:solidFill>
-                    <a:srgbClr val="00297F"/>
-                  </a:solidFill>
-                  <a:latin typeface="Lato"/>
-                  <a:ea typeface="Lato"/>
-                  <a:cs typeface="Lato"/>
-                  <a:sym typeface="Lato"/>
-                </a:rPr>
-                <a:t>13%</a:t>
-              </a:r>
-              <a:endParaRPr sz="933">
-                <a:solidFill>
-                  <a:srgbClr val="00297F"/>
-                </a:solidFill>
-                <a:latin typeface="Lato"/>
-                <a:ea typeface="Lato"/>
-                <a:cs typeface="Lato"/>
-                <a:sym typeface="Lato"/>
-              </a:endParaRPr>
-            </a:p>
-          </p:txBody>
-        </p:sp>
-        <p:sp>
-          <p:nvSpPr>
-            <p:cNvPr id="353" name="Google Shape;353;p36"/>
-            <p:cNvSpPr txBox="1"/>
-            <p:nvPr/>
-          </p:nvSpPr>
-          <p:spPr>
-            <a:xfrm>
-              <a:off x="7286500" y="2768975"/>
-              <a:ext cx="1012200" cy="222000"/>
-            </a:xfrm>
-            <a:prstGeom prst="rect">
-              <a:avLst/>
-            </a:prstGeom>
-            <a:noFill/>
-            <a:ln>
-              <a:noFill/>
-            </a:ln>
-          </p:spPr>
-          <p:txBody>
-            <a:bodyPr spcFirstLastPara="1" wrap="square" lIns="121900" tIns="121900" rIns="121900" bIns="121900" anchor="t" anchorCtr="0">
-              <a:noAutofit/>
-            </a:bodyPr>
-            <a:lstStyle/>
-            <a:p>
-              <a:r>
-                <a:rPr lang="en" sz="933" b="1">
-                  <a:solidFill>
-                    <a:srgbClr val="00297F"/>
-                  </a:solidFill>
-                  <a:latin typeface="Lato"/>
-                  <a:ea typeface="Lato"/>
-                  <a:cs typeface="Lato"/>
-                  <a:sym typeface="Lato"/>
-                </a:rPr>
-                <a:t>IA </a:t>
-              </a:r>
-              <a:r>
-                <a:rPr lang="en" sz="933">
-                  <a:solidFill>
-                    <a:srgbClr val="00297F"/>
-                  </a:solidFill>
-                  <a:latin typeface="Lato"/>
-                  <a:ea typeface="Lato"/>
-                  <a:cs typeface="Lato"/>
-                  <a:sym typeface="Lato"/>
-                </a:rPr>
-                <a:t>13%</a:t>
-              </a:r>
-              <a:endParaRPr sz="933">
-                <a:solidFill>
-                  <a:srgbClr val="00297F"/>
-                </a:solidFill>
-                <a:latin typeface="Lato"/>
-                <a:ea typeface="Lato"/>
-                <a:cs typeface="Lato"/>
-                <a:sym typeface="Lato"/>
-              </a:endParaRPr>
-            </a:p>
-          </p:txBody>
-        </p:sp>
       </p:grpSp>
-      <p:pic>
-        <p:nvPicPr>
-          <p:cNvPr id="354" name="Google Shape;354;p36" title="Chart"/>
-          <p:cNvPicPr preferRelativeResize="0"/>
+      <p:cxnSp>
+        <p:nvCxnSpPr>
+          <p:cNvPr id="28" name="Google Shape;234;p30">
+            <a:extLst>
+              <a:ext uri="{FF2B5EF4-FFF2-40B4-BE49-F238E27FC236}">
+                <a16:creationId xmlns:a16="http://schemas.microsoft.com/office/drawing/2014/main" id="{F4FC6E11-8A69-D84D-B67F-A49B335D4EB5}"/>
+              </a:ext>
+            </a:extLst>
+          </p:cNvPr>
+          <p:cNvCxnSpPr/>
           <p:nvPr/>
-        </p:nvPicPr>
-        <p:blipFill rotWithShape="1">
-          <a:blip r:embed="rId6">
-            <a:alphaModFix/>
-          </a:blip>
-          <a:srcRect l="23230" r="3115" b="25656"/>
-          <a:stretch/>
-        </p:blipFill>
+        </p:nvCxnSpPr>
         <p:spPr>
           <a:xfrm>
-            <a:off x="9831611" y="4241239"/>
-            <a:ext cx="2081432" cy="1890828"/>
+            <a:off x="9819751" y="6334500"/>
+            <a:ext cx="2134800" cy="0"/>
+          </a:xfrm>
+          <a:prstGeom prst="straightConnector1">
+            <a:avLst/>
+          </a:prstGeom>
+          <a:noFill/>
+          <a:ln w="19050" cap="flat" cmpd="sng">
+            <a:solidFill>
+              <a:schemeClr val="dk2"/>
+            </a:solidFill>
+            <a:prstDash val="solid"/>
+            <a:round/>
+            <a:headEnd type="none" w="med" len="med"/>
+            <a:tailEnd type="triangle" w="med" len="med"/>
+          </a:ln>
+        </p:spPr>
+      </p:cxnSp>
+      <p:sp>
+        <p:nvSpPr>
+          <p:cNvPr id="29" name="Google Shape;235;p30">
+            <a:extLst>
+              <a:ext uri="{FF2B5EF4-FFF2-40B4-BE49-F238E27FC236}">
+                <a16:creationId xmlns:a16="http://schemas.microsoft.com/office/drawing/2014/main" id="{9C512D30-C9FA-5144-9D74-126C96F563AB}"/>
+              </a:ext>
+            </a:extLst>
+          </p:cNvPr>
+          <p:cNvSpPr txBox="1"/>
+          <p:nvPr/>
+        </p:nvSpPr>
+        <p:spPr>
+          <a:xfrm>
+            <a:off x="9698018" y="6334499"/>
+            <a:ext cx="2105600" cy="523499"/>
           </a:xfrm>
           <a:prstGeom prst="rect">
             <a:avLst/>
@@ -15637,7 +12450,92 @@
             <a:noFill/>
           </a:ln>
         </p:spPr>
-      </p:pic>
+        <p:txBody>
+          <a:bodyPr spcFirstLastPara="1" wrap="square" lIns="121900" tIns="121900" rIns="121900" bIns="121900" anchor="t" anchorCtr="0">
+            <a:noAutofit/>
+          </a:bodyPr>
+          <a:lstStyle/>
+          <a:p>
+            <a:r>
+              <a:rPr lang="en" sz="933" b="1" dirty="0">
+                <a:solidFill>
+                  <a:srgbClr val="00297F"/>
+                </a:solidFill>
+                <a:latin typeface="Lato"/>
+                <a:ea typeface="Lato"/>
+                <a:cs typeface="Lato"/>
+                <a:sym typeface="Lato"/>
+              </a:rPr>
+              <a:t>Not</a:t>
+            </a:r>
+            <a:endParaRPr sz="933" b="1" dirty="0">
+              <a:solidFill>
+                <a:srgbClr val="00297F"/>
+              </a:solidFill>
+              <a:latin typeface="Lato"/>
+              <a:ea typeface="Lato"/>
+              <a:cs typeface="Lato"/>
+              <a:sym typeface="Lato"/>
+            </a:endParaRPr>
+          </a:p>
+        </p:txBody>
+      </p:sp>
+      <p:sp>
+        <p:nvSpPr>
+          <p:cNvPr id="30" name="Google Shape;236;p30">
+            <a:extLst>
+              <a:ext uri="{FF2B5EF4-FFF2-40B4-BE49-F238E27FC236}">
+                <a16:creationId xmlns:a16="http://schemas.microsoft.com/office/drawing/2014/main" id="{ED1C4F4C-DDC0-3146-B527-6F4E0985E597}"/>
+              </a:ext>
+            </a:extLst>
+          </p:cNvPr>
+          <p:cNvSpPr txBox="1"/>
+          <p:nvPr/>
+        </p:nvSpPr>
+        <p:spPr>
+          <a:xfrm>
+            <a:off x="10882450" y="6334500"/>
+            <a:ext cx="1148400" cy="279600"/>
+          </a:xfrm>
+          <a:prstGeom prst="rect">
+            <a:avLst/>
+          </a:prstGeom>
+          <a:noFill/>
+          <a:ln>
+            <a:noFill/>
+          </a:ln>
+        </p:spPr>
+        <p:txBody>
+          <a:bodyPr spcFirstLastPara="1" wrap="square" lIns="121900" tIns="121900" rIns="121900" bIns="121900" anchor="t" anchorCtr="0">
+            <a:noAutofit/>
+          </a:bodyPr>
+          <a:lstStyle/>
+          <a:p>
+            <a:pPr algn="r"/>
+            <a:r>
+              <a:rPr lang="en" sz="933" b="1" dirty="0">
+                <a:solidFill>
+                  <a:srgbClr val="00297F"/>
+                </a:solidFill>
+                <a:latin typeface="Lato"/>
+                <a:ea typeface="Lato"/>
+                <a:cs typeface="Lato"/>
+                <a:sym typeface="Lato"/>
+              </a:rPr>
+              <a:t>Very Important</a:t>
+            </a:r>
+            <a:endParaRPr sz="933" b="1" dirty="0">
+              <a:solidFill>
+                <a:srgbClr val="00297F"/>
+              </a:solidFill>
+              <a:latin typeface="Lato"/>
+              <a:ea typeface="Lato"/>
+              <a:cs typeface="Lato"/>
+              <a:sym typeface="Lato"/>
+            </a:endParaRPr>
+          </a:p>
+        </p:txBody>
+      </p:sp>
     </p:spTree>
     <p:extLst>
       <p:ext uri="{BB962C8B-B14F-4D97-AF65-F5344CB8AC3E}">
@@ -15716,15 +12614,7 @@
           <a:p>
             <a:r>
               <a:rPr lang="en-US" dirty="0"/>
-              <a:t> reading</a:t>
-            </a:r>
-            <a:r>
-              <a:rPr lang="en-US"/>
-              <a:t>, video,  </a:t>
-            </a:r>
-            <a:r>
-              <a:rPr lang="en-US" dirty="0"/>
-              <a:t>colleague</a:t>
+              <a:t> reading, video,  colleague</a:t>
             </a:r>
           </a:p>
         </p:txBody>

--- a/established_personas.pptx
+++ b/established_personas.pptx
@@ -113,6 +113,11 @@
       </a:defRPr>
     </a:lvl9pPr>
   </p:defaultTextStyle>
+  <p:extLst>
+    <p:ext uri="{EFAFB233-063F-42B5-8137-9DF3F51BA10A}">
+      <p15:sldGuideLst xmlns:p15="http://schemas.microsoft.com/office/powerpoint/2012/main"/>
+    </p:ext>
+  </p:extLst>
 </p:presentation>
 </file>
 
@@ -198,7 +203,7 @@
           <a:p>
             <a:fld id="{6E2FCC2E-2193-EA4F-B860-60348B945EE0}" type="datetimeFigureOut">
               <a:rPr lang="en-US" smtClean="0"/>
-              <a:t>1/21/20</a:t>
+              <a:t>1/23/20</a:t>
             </a:fld>
             <a:endParaRPr lang="en-US"/>
           </a:p>
@@ -1289,7 +1294,7 @@
           <a:p>
             <a:fld id="{EDF3D89A-7EEA-744A-8EAC-545E5C7F118B}" type="datetimeFigureOut">
               <a:rPr lang="en-US" smtClean="0"/>
-              <a:t>1/21/20</a:t>
+              <a:t>1/23/20</a:t>
             </a:fld>
             <a:endParaRPr lang="en-US"/>
           </a:p>
@@ -1487,7 +1492,7 @@
           <a:p>
             <a:fld id="{EDF3D89A-7EEA-744A-8EAC-545E5C7F118B}" type="datetimeFigureOut">
               <a:rPr lang="en-US" smtClean="0"/>
-              <a:t>1/21/20</a:t>
+              <a:t>1/23/20</a:t>
             </a:fld>
             <a:endParaRPr lang="en-US"/>
           </a:p>
@@ -1695,7 +1700,7 @@
           <a:p>
             <a:fld id="{EDF3D89A-7EEA-744A-8EAC-545E5C7F118B}" type="datetimeFigureOut">
               <a:rPr lang="en-US" smtClean="0"/>
-              <a:t>1/21/20</a:t>
+              <a:t>1/23/20</a:t>
             </a:fld>
             <a:endParaRPr lang="en-US"/>
           </a:p>
@@ -2038,7 +2043,7 @@
           <a:p>
             <a:fld id="{EDF3D89A-7EEA-744A-8EAC-545E5C7F118B}" type="datetimeFigureOut">
               <a:rPr lang="en-US" smtClean="0"/>
-              <a:t>1/21/20</a:t>
+              <a:t>1/23/20</a:t>
             </a:fld>
             <a:endParaRPr lang="en-US"/>
           </a:p>
@@ -2313,7 +2318,7 @@
           <a:p>
             <a:fld id="{EDF3D89A-7EEA-744A-8EAC-545E5C7F118B}" type="datetimeFigureOut">
               <a:rPr lang="en-US" smtClean="0"/>
-              <a:t>1/21/20</a:t>
+              <a:t>1/23/20</a:t>
             </a:fld>
             <a:endParaRPr lang="en-US"/>
           </a:p>
@@ -2578,7 +2583,7 @@
           <a:p>
             <a:fld id="{EDF3D89A-7EEA-744A-8EAC-545E5C7F118B}" type="datetimeFigureOut">
               <a:rPr lang="en-US" smtClean="0"/>
-              <a:t>1/21/20</a:t>
+              <a:t>1/23/20</a:t>
             </a:fld>
             <a:endParaRPr lang="en-US"/>
           </a:p>
@@ -2990,7 +2995,7 @@
           <a:p>
             <a:fld id="{EDF3D89A-7EEA-744A-8EAC-545E5C7F118B}" type="datetimeFigureOut">
               <a:rPr lang="en-US" smtClean="0"/>
-              <a:t>1/21/20</a:t>
+              <a:t>1/23/20</a:t>
             </a:fld>
             <a:endParaRPr lang="en-US"/>
           </a:p>
@@ -3131,7 +3136,7 @@
           <a:p>
             <a:fld id="{EDF3D89A-7EEA-744A-8EAC-545E5C7F118B}" type="datetimeFigureOut">
               <a:rPr lang="en-US" smtClean="0"/>
-              <a:t>1/21/20</a:t>
+              <a:t>1/23/20</a:t>
             </a:fld>
             <a:endParaRPr lang="en-US"/>
           </a:p>
@@ -3244,7 +3249,7 @@
           <a:p>
             <a:fld id="{EDF3D89A-7EEA-744A-8EAC-545E5C7F118B}" type="datetimeFigureOut">
               <a:rPr lang="en-US" smtClean="0"/>
-              <a:t>1/21/20</a:t>
+              <a:t>1/23/20</a:t>
             </a:fld>
             <a:endParaRPr lang="en-US"/>
           </a:p>
@@ -3555,7 +3560,7 @@
           <a:p>
             <a:fld id="{EDF3D89A-7EEA-744A-8EAC-545E5C7F118B}" type="datetimeFigureOut">
               <a:rPr lang="en-US" smtClean="0"/>
-              <a:t>1/21/20</a:t>
+              <a:t>1/23/20</a:t>
             </a:fld>
             <a:endParaRPr lang="en-US"/>
           </a:p>
@@ -3843,7 +3848,7 @@
           <a:p>
             <a:fld id="{EDF3D89A-7EEA-744A-8EAC-545E5C7F118B}" type="datetimeFigureOut">
               <a:rPr lang="en-US" smtClean="0"/>
-              <a:t>1/21/20</a:t>
+              <a:t>1/23/20</a:t>
             </a:fld>
             <a:endParaRPr lang="en-US"/>
           </a:p>
@@ -4084,7 +4089,7 @@
           <a:p>
             <a:fld id="{EDF3D89A-7EEA-744A-8EAC-545E5C7F118B}" type="datetimeFigureOut">
               <a:rPr lang="en-US" smtClean="0"/>
-              <a:t>1/21/20</a:t>
+              <a:t>1/23/20</a:t>
             </a:fld>
             <a:endParaRPr lang="en-US"/>
           </a:p>
@@ -11032,6 +11037,36 @@
           <a:xfrm>
             <a:off x="9687867" y="4682203"/>
             <a:ext cx="2334024" cy="1531885"/>
+          </a:xfrm>
+          <a:prstGeom prst="rect">
+            <a:avLst/>
+          </a:prstGeom>
+        </p:spPr>
+      </p:pic>
+      <p:pic>
+        <p:nvPicPr>
+          <p:cNvPr id="4" name="Picture 3">
+            <a:extLst>
+              <a:ext uri="{FF2B5EF4-FFF2-40B4-BE49-F238E27FC236}">
+                <a16:creationId xmlns:a16="http://schemas.microsoft.com/office/drawing/2014/main" id="{5BE3EB0D-FE98-5244-800E-F021A8D22B8D}"/>
+              </a:ext>
+            </a:extLst>
+          </p:cNvPr>
+          <p:cNvPicPr>
+            <a:picLocks noChangeAspect="1"/>
+          </p:cNvPicPr>
+          <p:nvPr/>
+        </p:nvPicPr>
+        <p:blipFill>
+          <a:blip r:embed="rId4"/>
+          <a:stretch>
+            <a:fillRect/>
+          </a:stretch>
+        </p:blipFill>
+        <p:spPr>
+          <a:xfrm>
+            <a:off x="9819751" y="2930709"/>
+            <a:ext cx="2211099" cy="1288853"/>
           </a:xfrm>
           <a:prstGeom prst="rect">
             <a:avLst/>

--- a/established_personas.pptx
+++ b/established_personas.pptx
@@ -5216,6 +5216,179 @@
           <a:chExt cx="0" cy="0"/>
         </a:xfrm>
       </p:grpSpPr>
+      <p:grpSp>
+        <p:nvGrpSpPr>
+          <p:cNvPr id="189" name="Google Shape;189;p28"/>
+          <p:cNvGrpSpPr/>
+          <p:nvPr/>
+        </p:nvGrpSpPr>
+        <p:grpSpPr>
+          <a:xfrm>
+            <a:off x="9593569" y="0"/>
+            <a:ext cx="2650000" cy="6857998"/>
+            <a:chOff x="7195175" y="121671"/>
+            <a:chExt cx="1987500" cy="5143500"/>
+          </a:xfrm>
+          <a:solidFill>
+            <a:schemeClr val="lt2"/>
+          </a:solidFill>
+        </p:grpSpPr>
+        <p:sp>
+          <p:nvSpPr>
+            <p:cNvPr id="190" name="Google Shape;190;p28"/>
+            <p:cNvSpPr/>
+            <p:nvPr/>
+          </p:nvSpPr>
+          <p:spPr>
+            <a:xfrm>
+              <a:off x="7195175" y="121671"/>
+              <a:ext cx="1987500" cy="5143500"/>
+            </a:xfrm>
+            <a:prstGeom prst="rect">
+              <a:avLst/>
+            </a:prstGeom>
+            <a:grpFill/>
+            <a:ln>
+              <a:noFill/>
+            </a:ln>
+          </p:spPr>
+          <p:txBody>
+            <a:bodyPr spcFirstLastPara="1" wrap="square" lIns="121900" tIns="121900" rIns="121900" bIns="121900" anchor="ctr" anchorCtr="0">
+              <a:noAutofit/>
+            </a:bodyPr>
+            <a:lstStyle/>
+            <a:p>
+              <a:endParaRPr sz="2400" dirty="0">
+                <a:solidFill>
+                  <a:srgbClr val="00297F"/>
+                </a:solidFill>
+              </a:endParaRPr>
+            </a:p>
+          </p:txBody>
+        </p:sp>
+        <p:sp>
+          <p:nvSpPr>
+            <p:cNvPr id="191" name="Google Shape;191;p28"/>
+            <p:cNvSpPr txBox="1"/>
+            <p:nvPr/>
+          </p:nvSpPr>
+          <p:spPr>
+            <a:xfrm>
+              <a:off x="7305275" y="1540955"/>
+              <a:ext cx="1806000" cy="545100"/>
+            </a:xfrm>
+            <a:prstGeom prst="rect">
+              <a:avLst/>
+            </a:prstGeom>
+            <a:grpFill/>
+            <a:ln>
+              <a:noFill/>
+            </a:ln>
+          </p:spPr>
+          <p:txBody>
+            <a:bodyPr spcFirstLastPara="1" wrap="square" lIns="121900" tIns="121900" rIns="121900" bIns="121900" anchor="t" anchorCtr="0">
+              <a:noAutofit/>
+            </a:bodyPr>
+            <a:lstStyle/>
+            <a:p>
+              <a:pPr>
+                <a:lnSpc>
+                  <a:spcPct val="150000"/>
+                </a:lnSpc>
+              </a:pPr>
+              <a:r>
+                <a:rPr lang="en" sz="1333" b="1" dirty="0">
+                  <a:solidFill>
+                    <a:srgbClr val="00297F"/>
+                  </a:solidFill>
+                  <a:latin typeface="Lato"/>
+                  <a:ea typeface="Lato"/>
+                  <a:cs typeface="Lato"/>
+                  <a:sym typeface="Lato"/>
+                </a:rPr>
+                <a:t>Job Titles</a:t>
+              </a:r>
+              <a:endParaRPr sz="1333" b="1" dirty="0">
+                <a:solidFill>
+                  <a:srgbClr val="00297F"/>
+                </a:solidFill>
+                <a:latin typeface="Lato"/>
+                <a:ea typeface="Lato"/>
+                <a:cs typeface="Lato"/>
+                <a:sym typeface="Lato"/>
+              </a:endParaRPr>
+            </a:p>
+            <a:p>
+              <a:pPr>
+                <a:lnSpc>
+                  <a:spcPct val="150000"/>
+                </a:lnSpc>
+              </a:pPr>
+              <a:endParaRPr sz="1333" dirty="0">
+                <a:solidFill>
+                  <a:srgbClr val="00297F"/>
+                </a:solidFill>
+                <a:latin typeface="Lato"/>
+                <a:ea typeface="Lato"/>
+                <a:cs typeface="Lato"/>
+                <a:sym typeface="Lato"/>
+              </a:endParaRPr>
+            </a:p>
+          </p:txBody>
+        </p:sp>
+        <p:cxnSp>
+          <p:nvCxnSpPr>
+            <p:cNvPr id="206" name="Google Shape;206;p28"/>
+            <p:cNvCxnSpPr/>
+            <p:nvPr/>
+          </p:nvCxnSpPr>
+          <p:spPr>
+            <a:xfrm>
+              <a:off x="7237050" y="3447291"/>
+              <a:ext cx="1896000" cy="0"/>
+            </a:xfrm>
+            <a:prstGeom prst="straightConnector1">
+              <a:avLst/>
+            </a:prstGeom>
+            <a:grpFill/>
+            <a:ln w="9525" cap="flat" cmpd="sng">
+              <a:solidFill>
+                <a:schemeClr val="dk2"/>
+              </a:solidFill>
+              <a:prstDash val="dot"/>
+              <a:round/>
+              <a:headEnd type="none" w="med" len="med"/>
+              <a:tailEnd type="none" w="med" len="med"/>
+            </a:ln>
+          </p:spPr>
+        </p:cxnSp>
+        <p:cxnSp>
+          <p:nvCxnSpPr>
+            <p:cNvPr id="207" name="Google Shape;207;p28"/>
+            <p:cNvCxnSpPr/>
+            <p:nvPr/>
+          </p:nvCxnSpPr>
+          <p:spPr>
+            <a:xfrm>
+              <a:off x="7232075" y="1589196"/>
+              <a:ext cx="1896000" cy="0"/>
+            </a:xfrm>
+            <a:prstGeom prst="straightConnector1">
+              <a:avLst/>
+            </a:prstGeom>
+            <a:grpFill/>
+            <a:ln w="9525" cap="flat" cmpd="sng">
+              <a:solidFill>
+                <a:schemeClr val="dk2"/>
+              </a:solidFill>
+              <a:prstDash val="dot"/>
+              <a:round/>
+              <a:headEnd type="none" w="med" len="med"/>
+              <a:tailEnd type="none" w="med" len="med"/>
+            </a:ln>
+          </p:spPr>
+        </p:cxnSp>
+      </p:grpSp>
       <p:sp>
         <p:nvSpPr>
           <p:cNvPr id="179" name="Google Shape;179;p28"/>
@@ -6341,179 +6514,6 @@
           </a:p>
         </p:txBody>
       </p:sp>
-      <p:grpSp>
-        <p:nvGrpSpPr>
-          <p:cNvPr id="189" name="Google Shape;189;p28"/>
-          <p:cNvGrpSpPr/>
-          <p:nvPr/>
-        </p:nvGrpSpPr>
-        <p:grpSpPr>
-          <a:xfrm>
-            <a:off x="9593569" y="0"/>
-            <a:ext cx="2650000" cy="6857998"/>
-            <a:chOff x="7195175" y="0"/>
-            <a:chExt cx="1987500" cy="5143500"/>
-          </a:xfrm>
-          <a:solidFill>
-            <a:schemeClr val="lt2"/>
-          </a:solidFill>
-        </p:grpSpPr>
-        <p:sp>
-          <p:nvSpPr>
-            <p:cNvPr id="190" name="Google Shape;190;p28"/>
-            <p:cNvSpPr/>
-            <p:nvPr/>
-          </p:nvSpPr>
-          <p:spPr>
-            <a:xfrm>
-              <a:off x="7195175" y="0"/>
-              <a:ext cx="1987500" cy="5143500"/>
-            </a:xfrm>
-            <a:prstGeom prst="rect">
-              <a:avLst/>
-            </a:prstGeom>
-            <a:grpFill/>
-            <a:ln>
-              <a:noFill/>
-            </a:ln>
-          </p:spPr>
-          <p:txBody>
-            <a:bodyPr spcFirstLastPara="1" wrap="square" lIns="121900" tIns="121900" rIns="121900" bIns="121900" anchor="ctr" anchorCtr="0">
-              <a:noAutofit/>
-            </a:bodyPr>
-            <a:lstStyle/>
-            <a:p>
-              <a:endParaRPr sz="2400" dirty="0">
-                <a:solidFill>
-                  <a:srgbClr val="00297F"/>
-                </a:solidFill>
-              </a:endParaRPr>
-            </a:p>
-          </p:txBody>
-        </p:sp>
-        <p:sp>
-          <p:nvSpPr>
-            <p:cNvPr id="191" name="Google Shape;191;p28"/>
-            <p:cNvSpPr txBox="1"/>
-            <p:nvPr/>
-          </p:nvSpPr>
-          <p:spPr>
-            <a:xfrm>
-              <a:off x="7305275" y="1806425"/>
-              <a:ext cx="1806000" cy="545100"/>
-            </a:xfrm>
-            <a:prstGeom prst="rect">
-              <a:avLst/>
-            </a:prstGeom>
-            <a:grpFill/>
-            <a:ln>
-              <a:noFill/>
-            </a:ln>
-          </p:spPr>
-          <p:txBody>
-            <a:bodyPr spcFirstLastPara="1" wrap="square" lIns="121900" tIns="121900" rIns="121900" bIns="121900" anchor="t" anchorCtr="0">
-              <a:noAutofit/>
-            </a:bodyPr>
-            <a:lstStyle/>
-            <a:p>
-              <a:pPr>
-                <a:lnSpc>
-                  <a:spcPct val="150000"/>
-                </a:lnSpc>
-              </a:pPr>
-              <a:r>
-                <a:rPr lang="en" sz="1333" b="1">
-                  <a:solidFill>
-                    <a:srgbClr val="00297F"/>
-                  </a:solidFill>
-                  <a:latin typeface="Lato"/>
-                  <a:ea typeface="Lato"/>
-                  <a:cs typeface="Lato"/>
-                  <a:sym typeface="Lato"/>
-                </a:rPr>
-                <a:t>Job Titles</a:t>
-              </a:r>
-              <a:endParaRPr sz="1333" b="1">
-                <a:solidFill>
-                  <a:srgbClr val="00297F"/>
-                </a:solidFill>
-                <a:latin typeface="Lato"/>
-                <a:ea typeface="Lato"/>
-                <a:cs typeface="Lato"/>
-                <a:sym typeface="Lato"/>
-              </a:endParaRPr>
-            </a:p>
-            <a:p>
-              <a:pPr>
-                <a:lnSpc>
-                  <a:spcPct val="150000"/>
-                </a:lnSpc>
-              </a:pPr>
-              <a:endParaRPr sz="1333">
-                <a:solidFill>
-                  <a:srgbClr val="00297F"/>
-                </a:solidFill>
-                <a:latin typeface="Lato"/>
-                <a:ea typeface="Lato"/>
-                <a:cs typeface="Lato"/>
-                <a:sym typeface="Lato"/>
-              </a:endParaRPr>
-            </a:p>
-          </p:txBody>
-        </p:sp>
-        <p:cxnSp>
-          <p:nvCxnSpPr>
-            <p:cNvPr id="206" name="Google Shape;206;p28"/>
-            <p:cNvCxnSpPr/>
-            <p:nvPr/>
-          </p:nvCxnSpPr>
-          <p:spPr>
-            <a:xfrm>
-              <a:off x="7237050" y="3181825"/>
-              <a:ext cx="1896000" cy="0"/>
-            </a:xfrm>
-            <a:prstGeom prst="straightConnector1">
-              <a:avLst/>
-            </a:prstGeom>
-            <a:grpFill/>
-            <a:ln w="9525" cap="flat" cmpd="sng">
-              <a:solidFill>
-                <a:schemeClr val="dk2"/>
-              </a:solidFill>
-              <a:prstDash val="dot"/>
-              <a:round/>
-              <a:headEnd type="none" w="med" len="med"/>
-              <a:tailEnd type="none" w="med" len="med"/>
-            </a:ln>
-          </p:spPr>
-        </p:cxnSp>
-        <p:cxnSp>
-          <p:nvCxnSpPr>
-            <p:cNvPr id="207" name="Google Shape;207;p28"/>
-            <p:cNvCxnSpPr/>
-            <p:nvPr/>
-          </p:nvCxnSpPr>
-          <p:spPr>
-            <a:xfrm>
-              <a:off x="7232075" y="1766175"/>
-              <a:ext cx="1896000" cy="0"/>
-            </a:xfrm>
-            <a:prstGeom prst="straightConnector1">
-              <a:avLst/>
-            </a:prstGeom>
-            <a:grpFill/>
-            <a:ln w="9525" cap="flat" cmpd="sng">
-              <a:solidFill>
-                <a:schemeClr val="dk2"/>
-              </a:solidFill>
-              <a:prstDash val="dot"/>
-              <a:round/>
-              <a:headEnd type="none" w="med" len="med"/>
-              <a:tailEnd type="none" w="med" len="med"/>
-            </a:ln>
-          </p:spPr>
-        </p:cxnSp>
-      </p:grpSp>
       <p:cxnSp>
         <p:nvCxnSpPr>
           <p:cNvPr id="36" name="Google Shape;234;p30">
@@ -6657,6 +6657,94 @@
           </a:p>
         </p:txBody>
       </p:sp>
+      <p:pic>
+        <p:nvPicPr>
+          <p:cNvPr id="3" name="Picture 2" descr="A picture containing bird, flower&#10;&#10;Description automatically generated">
+            <a:extLst>
+              <a:ext uri="{FF2B5EF4-FFF2-40B4-BE49-F238E27FC236}">
+                <a16:creationId xmlns:a16="http://schemas.microsoft.com/office/drawing/2014/main" id="{25AE5ED4-9632-3C41-B81A-E5F88B180613}"/>
+              </a:ext>
+            </a:extLst>
+          </p:cNvPr>
+          <p:cNvPicPr>
+            <a:picLocks noChangeAspect="1"/>
+          </p:cNvPicPr>
+          <p:nvPr/>
+        </p:nvPicPr>
+        <p:blipFill rotWithShape="1">
+          <a:blip r:embed="rId3"/>
+          <a:srcRect l="16483" t="13916" r="14505" b="17796"/>
+          <a:stretch/>
+        </p:blipFill>
+        <p:spPr>
+          <a:xfrm>
+            <a:off x="9649402" y="243900"/>
+            <a:ext cx="2498967" cy="1648477"/>
+          </a:xfrm>
+          <a:prstGeom prst="rect">
+            <a:avLst/>
+          </a:prstGeom>
+        </p:spPr>
+      </p:pic>
+      <p:pic>
+        <p:nvPicPr>
+          <p:cNvPr id="5" name="Picture 4" descr="A screenshot of a cell phone&#10;&#10;Description automatically generated">
+            <a:extLst>
+              <a:ext uri="{FF2B5EF4-FFF2-40B4-BE49-F238E27FC236}">
+                <a16:creationId xmlns:a16="http://schemas.microsoft.com/office/drawing/2014/main" id="{4BC2A7A9-0A25-EE4A-AA99-D22884A28CA9}"/>
+              </a:ext>
+            </a:extLst>
+          </p:cNvPr>
+          <p:cNvPicPr>
+            <a:picLocks noChangeAspect="1"/>
+          </p:cNvPicPr>
+          <p:nvPr/>
+        </p:nvPicPr>
+        <p:blipFill>
+          <a:blip r:embed="rId4"/>
+          <a:stretch>
+            <a:fillRect/>
+          </a:stretch>
+        </p:blipFill>
+        <p:spPr>
+          <a:xfrm>
+            <a:off x="9052560" y="2156220"/>
+            <a:ext cx="3621024" cy="2414016"/>
+          </a:xfrm>
+          <a:prstGeom prst="rect">
+            <a:avLst/>
+          </a:prstGeom>
+        </p:spPr>
+      </p:pic>
+      <p:pic>
+        <p:nvPicPr>
+          <p:cNvPr id="7" name="Picture 6" descr="A screenshot of a cell phone&#10;&#10;Description automatically generated">
+            <a:extLst>
+              <a:ext uri="{FF2B5EF4-FFF2-40B4-BE49-F238E27FC236}">
+                <a16:creationId xmlns:a16="http://schemas.microsoft.com/office/drawing/2014/main" id="{350440C0-8A03-EA42-9DFE-256556D1D946}"/>
+              </a:ext>
+            </a:extLst>
+          </p:cNvPr>
+          <p:cNvPicPr>
+            <a:picLocks noChangeAspect="1"/>
+          </p:cNvPicPr>
+          <p:nvPr/>
+        </p:nvPicPr>
+        <p:blipFill rotWithShape="1">
+          <a:blip r:embed="rId5"/>
+          <a:srcRect l="14316" t="14687" r="13300" b="21055"/>
+          <a:stretch/>
+        </p:blipFill>
+        <p:spPr>
+          <a:xfrm>
+            <a:off x="9570968" y="4697946"/>
+            <a:ext cx="2621031" cy="1551195"/>
+          </a:xfrm>
+          <a:prstGeom prst="rect">
+            <a:avLst/>
+          </a:prstGeom>
+        </p:spPr>
+      </p:pic>
     </p:spTree>
     <p:extLst>
       <p:ext uri="{BB962C8B-B14F-4D97-AF65-F5344CB8AC3E}">
@@ -7893,7 +7981,7 @@
           </p:nvSpPr>
           <p:spPr>
             <a:xfrm>
-              <a:off x="7250413" y="1796075"/>
+              <a:off x="7250413" y="1395540"/>
               <a:ext cx="1806000" cy="545100"/>
             </a:xfrm>
             <a:prstGeom prst="rect">
@@ -8088,7 +8176,7 @@
           </p:nvCxnSpPr>
           <p:spPr>
             <a:xfrm>
-              <a:off x="7182188" y="3171475"/>
+              <a:off x="7182188" y="3315780"/>
               <a:ext cx="1896000" cy="0"/>
             </a:xfrm>
             <a:prstGeom prst="straightConnector1">
@@ -8114,7 +8202,7 @@
           </p:nvCxnSpPr>
           <p:spPr>
             <a:xfrm>
-              <a:off x="7177213" y="1755825"/>
+              <a:off x="7178741" y="1443546"/>
               <a:ext cx="1896000" cy="0"/>
             </a:xfrm>
             <a:prstGeom prst="straightConnector1">
@@ -8133,6 +8221,94 @@
           </p:spPr>
         </p:cxnSp>
       </p:grpSp>
+      <p:pic>
+        <p:nvPicPr>
+          <p:cNvPr id="7" name="Picture 6" descr="A picture containing bird, flower&#10;&#10;Description automatically generated">
+            <a:extLst>
+              <a:ext uri="{FF2B5EF4-FFF2-40B4-BE49-F238E27FC236}">
+                <a16:creationId xmlns:a16="http://schemas.microsoft.com/office/drawing/2014/main" id="{6D9B1C2F-B05F-1B44-AFD9-4371EE4880AD}"/>
+              </a:ext>
+            </a:extLst>
+          </p:cNvPr>
+          <p:cNvPicPr>
+            <a:picLocks noChangeAspect="1"/>
+          </p:cNvPicPr>
+          <p:nvPr/>
+        </p:nvPicPr>
+        <p:blipFill rotWithShape="1">
+          <a:blip r:embed="rId3"/>
+          <a:srcRect l="16886" t="13891" r="13300" b="21846"/>
+          <a:stretch/>
+        </p:blipFill>
+        <p:spPr>
+          <a:xfrm>
+            <a:off x="9663998" y="243900"/>
+            <a:ext cx="2528001" cy="1551309"/>
+          </a:xfrm>
+          <a:prstGeom prst="rect">
+            <a:avLst/>
+          </a:prstGeom>
+        </p:spPr>
+      </p:pic>
+      <p:pic>
+        <p:nvPicPr>
+          <p:cNvPr id="9" name="Picture 8" descr="A picture containing screenshot, bird, tree&#10;&#10;Description automatically generated">
+            <a:extLst>
+              <a:ext uri="{FF2B5EF4-FFF2-40B4-BE49-F238E27FC236}">
+                <a16:creationId xmlns:a16="http://schemas.microsoft.com/office/drawing/2014/main" id="{DE9FCB2B-F17A-5A43-9A7A-698DFCA3D636}"/>
+              </a:ext>
+            </a:extLst>
+          </p:cNvPr>
+          <p:cNvPicPr>
+            <a:picLocks noChangeAspect="1"/>
+          </p:cNvPicPr>
+          <p:nvPr/>
+        </p:nvPicPr>
+        <p:blipFill>
+          <a:blip r:embed="rId4"/>
+          <a:stretch>
+            <a:fillRect/>
+          </a:stretch>
+        </p:blipFill>
+        <p:spPr>
+          <a:xfrm>
+            <a:off x="9052560" y="2157984"/>
+            <a:ext cx="3621024" cy="2414016"/>
+          </a:xfrm>
+          <a:prstGeom prst="rect">
+            <a:avLst/>
+          </a:prstGeom>
+        </p:spPr>
+      </p:pic>
+      <p:pic>
+        <p:nvPicPr>
+          <p:cNvPr id="11" name="Picture 10" descr="A screenshot of a cell phone&#10;&#10;Description automatically generated">
+            <a:extLst>
+              <a:ext uri="{FF2B5EF4-FFF2-40B4-BE49-F238E27FC236}">
+                <a16:creationId xmlns:a16="http://schemas.microsoft.com/office/drawing/2014/main" id="{C3551042-4C88-F849-A7DB-BA096E6536D9}"/>
+              </a:ext>
+            </a:extLst>
+          </p:cNvPr>
+          <p:cNvPicPr>
+            <a:picLocks noChangeAspect="1"/>
+          </p:cNvPicPr>
+          <p:nvPr/>
+        </p:nvPicPr>
+        <p:blipFill rotWithShape="1">
+          <a:blip r:embed="rId5"/>
+          <a:srcRect l="15656" t="9469" r="10849" b="20259"/>
+          <a:stretch/>
+        </p:blipFill>
+        <p:spPr>
+          <a:xfrm>
+            <a:off x="9619488" y="4572000"/>
+            <a:ext cx="2661251" cy="1696360"/>
+          </a:xfrm>
+          <a:prstGeom prst="rect">
+            <a:avLst/>
+          </a:prstGeom>
+        </p:spPr>
+      </p:pic>
     </p:spTree>
     <p:extLst>
       <p:ext uri="{BB962C8B-B14F-4D97-AF65-F5344CB8AC3E}">
@@ -9231,7 +9407,7 @@
           </p:nvSpPr>
           <p:spPr>
             <a:xfrm>
-              <a:off x="595200" y="1796075"/>
+              <a:off x="595200" y="1405890"/>
               <a:ext cx="1806000" cy="545100"/>
             </a:xfrm>
             <a:prstGeom prst="rect">
@@ -9254,7 +9430,7 @@
                 </a:lnSpc>
               </a:pPr>
               <a:r>
-                <a:rPr lang="en" sz="1333" b="1">
+                <a:rPr lang="en" sz="1333" b="1" dirty="0">
                   <a:solidFill>
                     <a:srgbClr val="00297F"/>
                   </a:solidFill>
@@ -9265,7 +9441,7 @@
                 </a:rPr>
                 <a:t>Job Titles</a:t>
               </a:r>
-              <a:endParaRPr sz="1333" b="1">
+              <a:endParaRPr sz="1333" b="1" dirty="0">
                 <a:solidFill>
                   <a:srgbClr val="00297F"/>
                 </a:solidFill>
@@ -9281,7 +9457,7 @@
                   <a:spcPct val="150000"/>
                 </a:lnSpc>
               </a:pPr>
-              <a:endParaRPr sz="1333">
+              <a:endParaRPr sz="1333" dirty="0">
                 <a:solidFill>
                   <a:srgbClr val="00297F"/>
                 </a:solidFill>
@@ -9301,7 +9477,7 @@
           </p:nvCxnSpPr>
           <p:spPr>
             <a:xfrm>
-              <a:off x="526975" y="3171475"/>
+              <a:off x="526975" y="3326130"/>
               <a:ext cx="1896000" cy="0"/>
             </a:xfrm>
             <a:prstGeom prst="straightConnector1">
@@ -9327,7 +9503,7 @@
           </p:nvCxnSpPr>
           <p:spPr>
             <a:xfrm>
-              <a:off x="522000" y="1755825"/>
+              <a:off x="522641" y="1453896"/>
               <a:ext cx="1896000" cy="0"/>
             </a:xfrm>
             <a:prstGeom prst="straightConnector1">
@@ -9541,6 +9717,94 @@
           </a:p>
         </p:txBody>
       </p:sp>
+      <p:pic>
+        <p:nvPicPr>
+          <p:cNvPr id="3" name="Picture 2" descr="A picture containing bird, flower&#10;&#10;Description automatically generated">
+            <a:extLst>
+              <a:ext uri="{FF2B5EF4-FFF2-40B4-BE49-F238E27FC236}">
+                <a16:creationId xmlns:a16="http://schemas.microsoft.com/office/drawing/2014/main" id="{8F971F5D-1DEF-7D47-8D88-EF15CE6B8B4D}"/>
+              </a:ext>
+            </a:extLst>
+          </p:cNvPr>
+          <p:cNvPicPr>
+            <a:picLocks noChangeAspect="1"/>
+          </p:cNvPicPr>
+          <p:nvPr/>
+        </p:nvPicPr>
+        <p:blipFill rotWithShape="1">
+          <a:blip r:embed="rId3"/>
+          <a:srcRect l="16886" t="13212" r="13300" b="21846"/>
+          <a:stretch/>
+        </p:blipFill>
+        <p:spPr>
+          <a:xfrm>
+            <a:off x="9663998" y="227500"/>
+            <a:ext cx="2528001" cy="1567712"/>
+          </a:xfrm>
+          <a:prstGeom prst="rect">
+            <a:avLst/>
+          </a:prstGeom>
+        </p:spPr>
+      </p:pic>
+      <p:pic>
+        <p:nvPicPr>
+          <p:cNvPr id="5" name="Picture 4" descr="A screenshot of a cell phone&#10;&#10;Description automatically generated">
+            <a:extLst>
+              <a:ext uri="{FF2B5EF4-FFF2-40B4-BE49-F238E27FC236}">
+                <a16:creationId xmlns:a16="http://schemas.microsoft.com/office/drawing/2014/main" id="{E8302E9B-3D14-6B4E-932B-D97A69CFA880}"/>
+              </a:ext>
+            </a:extLst>
+          </p:cNvPr>
+          <p:cNvPicPr>
+            <a:picLocks noChangeAspect="1"/>
+          </p:cNvPicPr>
+          <p:nvPr/>
+        </p:nvPicPr>
+        <p:blipFill>
+          <a:blip r:embed="rId4"/>
+          <a:stretch>
+            <a:fillRect/>
+          </a:stretch>
+        </p:blipFill>
+        <p:spPr>
+          <a:xfrm>
+            <a:off x="9052560" y="2157984"/>
+            <a:ext cx="3621024" cy="2414016"/>
+          </a:xfrm>
+          <a:prstGeom prst="rect">
+            <a:avLst/>
+          </a:prstGeom>
+        </p:spPr>
+      </p:pic>
+      <p:pic>
+        <p:nvPicPr>
+          <p:cNvPr id="7" name="Picture 6" descr="A screenshot of a cell phone&#10;&#10;Description automatically generated">
+            <a:extLst>
+              <a:ext uri="{FF2B5EF4-FFF2-40B4-BE49-F238E27FC236}">
+                <a16:creationId xmlns:a16="http://schemas.microsoft.com/office/drawing/2014/main" id="{15479710-75E9-7644-9EA8-3E55FDF38CD0}"/>
+              </a:ext>
+            </a:extLst>
+          </p:cNvPr>
+          <p:cNvPicPr>
+            <a:picLocks noChangeAspect="1"/>
+          </p:cNvPicPr>
+          <p:nvPr/>
+        </p:nvPicPr>
+        <p:blipFill rotWithShape="1">
+          <a:blip r:embed="rId5"/>
+          <a:srcRect l="16886" t="13153" r="13300" b="20258"/>
+          <a:stretch/>
+        </p:blipFill>
+        <p:spPr>
+          <a:xfrm>
+            <a:off x="9663998" y="4660899"/>
+            <a:ext cx="2528002" cy="1607461"/>
+          </a:xfrm>
+          <a:prstGeom prst="rect">
+            <a:avLst/>
+          </a:prstGeom>
+        </p:spPr>
+      </p:pic>
     </p:spTree>
     <p:extLst>
       <p:ext uri="{BB962C8B-B14F-4D97-AF65-F5344CB8AC3E}">
@@ -10756,7 +11020,7 @@
         </p:nvSpPr>
         <p:spPr>
           <a:xfrm>
-            <a:off x="9687867" y="2394767"/>
+            <a:off x="9687867" y="1874520"/>
             <a:ext cx="2408000" cy="726800"/>
           </a:xfrm>
           <a:prstGeom prst="rect">
@@ -10779,7 +11043,7 @@
               </a:lnSpc>
             </a:pPr>
             <a:r>
-              <a:rPr lang="en" sz="1333" b="1">
+              <a:rPr lang="en" sz="1333" b="1" dirty="0">
                 <a:solidFill>
                   <a:srgbClr val="00297F"/>
                 </a:solidFill>
@@ -10790,7 +11054,7 @@
               </a:rPr>
               <a:t>Job Titles</a:t>
             </a:r>
-            <a:endParaRPr sz="1333" b="1">
+            <a:endParaRPr sz="1333" b="1" dirty="0">
               <a:solidFill>
                 <a:srgbClr val="00297F"/>
               </a:solidFill>
@@ -10806,7 +11070,7 @@
                 <a:spcPct val="150000"/>
               </a:lnSpc>
             </a:pPr>
-            <a:endParaRPr sz="1333">
+            <a:endParaRPr sz="1333" dirty="0">
               <a:solidFill>
                 <a:srgbClr val="00297F"/>
               </a:solidFill>
@@ -10826,7 +11090,7 @@
         </p:nvCxnSpPr>
         <p:spPr>
           <a:xfrm>
-            <a:off x="9596900" y="4228633"/>
+            <a:off x="9596900" y="4434840"/>
             <a:ext cx="2528000" cy="0"/>
           </a:xfrm>
           <a:prstGeom prst="straightConnector1">
@@ -10852,7 +11116,7 @@
         </p:nvCxnSpPr>
         <p:spPr>
           <a:xfrm>
-            <a:off x="9590267" y="2341100"/>
+            <a:off x="9590267" y="1938528"/>
             <a:ext cx="2528000" cy="0"/>
           </a:xfrm>
           <a:prstGeom prst="straightConnector1">
@@ -11015,10 +11279,10 @@
       </p:sp>
       <p:pic>
         <p:nvPicPr>
-          <p:cNvPr id="2" name="Picture 1">
+          <p:cNvPr id="5" name="Picture 4" descr="A screenshot of a tree&#10;&#10;Description automatically generated">
             <a:extLst>
               <a:ext uri="{FF2B5EF4-FFF2-40B4-BE49-F238E27FC236}">
-                <a16:creationId xmlns:a16="http://schemas.microsoft.com/office/drawing/2014/main" id="{DFADCF9B-A263-B745-AE2F-21DA85F3A30A}"/>
+                <a16:creationId xmlns:a16="http://schemas.microsoft.com/office/drawing/2014/main" id="{47AFF098-5E32-0248-BFB8-6262835B8E33}"/>
               </a:ext>
             </a:extLst>
           </p:cNvPr>
@@ -11027,16 +11291,15 @@
           </p:cNvPicPr>
           <p:nvPr/>
         </p:nvPicPr>
-        <p:blipFill>
+        <p:blipFill rotWithShape="1">
           <a:blip r:embed="rId3"/>
-          <a:stretch>
-            <a:fillRect/>
-          </a:stretch>
+          <a:srcRect l="14534" t="13212" r="15152" b="21846"/>
+          <a:stretch/>
         </p:blipFill>
         <p:spPr>
           <a:xfrm>
-            <a:off x="9687867" y="4682203"/>
-            <a:ext cx="2334024" cy="1531885"/>
+            <a:off x="9578832" y="227500"/>
+            <a:ext cx="2546067" cy="1567712"/>
           </a:xfrm>
           <a:prstGeom prst="rect">
             <a:avLst/>
@@ -11045,10 +11308,10 @@
       </p:pic>
       <p:pic>
         <p:nvPicPr>
-          <p:cNvPr id="4" name="Picture 3">
+          <p:cNvPr id="7" name="Picture 6" descr="A screenshot of a cell phone&#10;&#10;Description automatically generated">
             <a:extLst>
               <a:ext uri="{FF2B5EF4-FFF2-40B4-BE49-F238E27FC236}">
-                <a16:creationId xmlns:a16="http://schemas.microsoft.com/office/drawing/2014/main" id="{5BE3EB0D-FE98-5244-800E-F021A8D22B8D}"/>
+                <a16:creationId xmlns:a16="http://schemas.microsoft.com/office/drawing/2014/main" id="{36B4C114-6127-7449-B215-02A14877669C}"/>
               </a:ext>
             </a:extLst>
           </p:cNvPr>
@@ -11065,8 +11328,37 @@
         </p:blipFill>
         <p:spPr>
           <a:xfrm>
-            <a:off x="9819751" y="2930709"/>
-            <a:ext cx="2211099" cy="1288853"/>
+            <a:off x="9052560" y="1865884"/>
+            <a:ext cx="3621024" cy="2414016"/>
+          </a:xfrm>
+          <a:prstGeom prst="rect">
+            <a:avLst/>
+          </a:prstGeom>
+        </p:spPr>
+      </p:pic>
+      <p:pic>
+        <p:nvPicPr>
+          <p:cNvPr id="9" name="Picture 8" descr="A screenshot of a cell phone&#10;&#10;Description automatically generated">
+            <a:extLst>
+              <a:ext uri="{FF2B5EF4-FFF2-40B4-BE49-F238E27FC236}">
+                <a16:creationId xmlns:a16="http://schemas.microsoft.com/office/drawing/2014/main" id="{D3316AF9-407D-4C41-A23D-F77DB6A81F1A}"/>
+              </a:ext>
+            </a:extLst>
+          </p:cNvPr>
+          <p:cNvPicPr>
+            <a:picLocks noChangeAspect="1"/>
+          </p:cNvPicPr>
+          <p:nvPr/>
+        </p:nvPicPr>
+        <p:blipFill rotWithShape="1">
+          <a:blip r:embed="rId5"/>
+          <a:srcRect l="16478" t="13424" r="13300" b="20259"/>
+          <a:stretch/>
+        </p:blipFill>
+        <p:spPr>
+          <a:xfrm>
+            <a:off x="9649232" y="4667484"/>
+            <a:ext cx="2542768" cy="1600875"/>
           </a:xfrm>
           <a:prstGeom prst="rect">
             <a:avLst/>
@@ -12313,7 +12605,7 @@
           </p:nvSpPr>
           <p:spPr>
             <a:xfrm>
-              <a:off x="7220075" y="1796075"/>
+              <a:off x="7220075" y="1405890"/>
               <a:ext cx="1806000" cy="545100"/>
             </a:xfrm>
             <a:prstGeom prst="rect">
@@ -12336,7 +12628,7 @@
                 </a:lnSpc>
               </a:pPr>
               <a:r>
-                <a:rPr lang="en" sz="1333" b="1">
+                <a:rPr lang="en" sz="1333" b="1" dirty="0">
                   <a:solidFill>
                     <a:srgbClr val="00297F"/>
                   </a:solidFill>
@@ -12347,7 +12639,7 @@
                 </a:rPr>
                 <a:t>Job Titles</a:t>
               </a:r>
-              <a:endParaRPr sz="1333" b="1">
+              <a:endParaRPr sz="1333" b="1" dirty="0">
                 <a:solidFill>
                   <a:srgbClr val="00297F"/>
                 </a:solidFill>
@@ -12363,7 +12655,7 @@
                   <a:spcPct val="150000"/>
                 </a:lnSpc>
               </a:pPr>
-              <a:endParaRPr sz="1333">
+              <a:endParaRPr sz="1333" dirty="0">
                 <a:solidFill>
                   <a:srgbClr val="00297F"/>
                 </a:solidFill>
@@ -12383,7 +12675,7 @@
           </p:nvCxnSpPr>
           <p:spPr>
             <a:xfrm>
-              <a:off x="7151850" y="3171475"/>
+              <a:off x="7151850" y="3326130"/>
               <a:ext cx="1896000" cy="0"/>
             </a:xfrm>
             <a:prstGeom prst="straightConnector1">
@@ -12409,7 +12701,7 @@
           </p:nvCxnSpPr>
           <p:spPr>
             <a:xfrm>
-              <a:off x="7146875" y="1755825"/>
+              <a:off x="7146875" y="1453896"/>
               <a:ext cx="1896000" cy="0"/>
             </a:xfrm>
             <a:prstGeom prst="straightConnector1">
@@ -12571,6 +12863,94 @@
           </a:p>
         </p:txBody>
       </p:sp>
+      <p:pic>
+        <p:nvPicPr>
+          <p:cNvPr id="3" name="Picture 2" descr="A picture containing bird, flower&#10;&#10;Description automatically generated">
+            <a:extLst>
+              <a:ext uri="{FF2B5EF4-FFF2-40B4-BE49-F238E27FC236}">
+                <a16:creationId xmlns:a16="http://schemas.microsoft.com/office/drawing/2014/main" id="{6E1D5B84-34EF-E147-9D99-84902A653259}"/>
+              </a:ext>
+            </a:extLst>
+          </p:cNvPr>
+          <p:cNvPicPr>
+            <a:picLocks noChangeAspect="1"/>
+          </p:cNvPicPr>
+          <p:nvPr/>
+        </p:nvPicPr>
+        <p:blipFill rotWithShape="1">
+          <a:blip r:embed="rId3"/>
+          <a:srcRect l="16384" t="13891" r="13003" b="21846"/>
+          <a:stretch/>
+        </p:blipFill>
+        <p:spPr>
+          <a:xfrm>
+            <a:off x="9645800" y="243900"/>
+            <a:ext cx="2556933" cy="1551312"/>
+          </a:xfrm>
+          <a:prstGeom prst="rect">
+            <a:avLst/>
+          </a:prstGeom>
+        </p:spPr>
+      </p:pic>
+      <p:pic>
+        <p:nvPicPr>
+          <p:cNvPr id="5" name="Picture 4" descr="A screenshot of a cell phone&#10;&#10;Description automatically generated">
+            <a:extLst>
+              <a:ext uri="{FF2B5EF4-FFF2-40B4-BE49-F238E27FC236}">
+                <a16:creationId xmlns:a16="http://schemas.microsoft.com/office/drawing/2014/main" id="{D1AF484D-B22A-BF40-AF93-CC7D16C6A53D}"/>
+              </a:ext>
+            </a:extLst>
+          </p:cNvPr>
+          <p:cNvPicPr>
+            <a:picLocks noChangeAspect="1"/>
+          </p:cNvPicPr>
+          <p:nvPr/>
+        </p:nvPicPr>
+        <p:blipFill>
+          <a:blip r:embed="rId4"/>
+          <a:stretch>
+            <a:fillRect/>
+          </a:stretch>
+        </p:blipFill>
+        <p:spPr>
+          <a:xfrm>
+            <a:off x="9052560" y="2157984"/>
+            <a:ext cx="3621024" cy="2414016"/>
+          </a:xfrm>
+          <a:prstGeom prst="rect">
+            <a:avLst/>
+          </a:prstGeom>
+        </p:spPr>
+      </p:pic>
+      <p:pic>
+        <p:nvPicPr>
+          <p:cNvPr id="7" name="Picture 6" descr="A screenshot of a cell phone&#10;&#10;Description automatically generated">
+            <a:extLst>
+              <a:ext uri="{FF2B5EF4-FFF2-40B4-BE49-F238E27FC236}">
+                <a16:creationId xmlns:a16="http://schemas.microsoft.com/office/drawing/2014/main" id="{3B9998D2-8D0B-1D47-BC1C-EF01CEA67129}"/>
+              </a:ext>
+            </a:extLst>
+          </p:cNvPr>
+          <p:cNvPicPr>
+            <a:picLocks noChangeAspect="1"/>
+          </p:cNvPicPr>
+          <p:nvPr/>
+        </p:nvPicPr>
+        <p:blipFill rotWithShape="1">
+          <a:blip r:embed="rId5"/>
+          <a:srcRect l="15172" t="13153" r="13300" b="20259"/>
+          <a:stretch/>
+        </p:blipFill>
+        <p:spPr>
+          <a:xfrm>
+            <a:off x="9601934" y="4660900"/>
+            <a:ext cx="2590066" cy="1607458"/>
+          </a:xfrm>
+          <a:prstGeom prst="rect">
+            <a:avLst/>
+          </a:prstGeom>
+        </p:spPr>
+      </p:pic>
     </p:spTree>
     <p:extLst>
       <p:ext uri="{BB962C8B-B14F-4D97-AF65-F5344CB8AC3E}">

--- a/established_personas.pptx
+++ b/established_personas.pptx
@@ -203,7 +203,7 @@
           <a:p>
             <a:fld id="{6E2FCC2E-2193-EA4F-B860-60348B945EE0}" type="datetimeFigureOut">
               <a:rPr lang="en-US" smtClean="0"/>
-              <a:t>1/23/20</a:t>
+              <a:t>1/24/20</a:t>
             </a:fld>
             <a:endParaRPr lang="en-US"/>
           </a:p>
@@ -1294,7 +1294,7 @@
           <a:p>
             <a:fld id="{EDF3D89A-7EEA-744A-8EAC-545E5C7F118B}" type="datetimeFigureOut">
               <a:rPr lang="en-US" smtClean="0"/>
-              <a:t>1/23/20</a:t>
+              <a:t>1/24/20</a:t>
             </a:fld>
             <a:endParaRPr lang="en-US"/>
           </a:p>
@@ -1492,7 +1492,7 @@
           <a:p>
             <a:fld id="{EDF3D89A-7EEA-744A-8EAC-545E5C7F118B}" type="datetimeFigureOut">
               <a:rPr lang="en-US" smtClean="0"/>
-              <a:t>1/23/20</a:t>
+              <a:t>1/24/20</a:t>
             </a:fld>
             <a:endParaRPr lang="en-US"/>
           </a:p>
@@ -1700,7 +1700,7 @@
           <a:p>
             <a:fld id="{EDF3D89A-7EEA-744A-8EAC-545E5C7F118B}" type="datetimeFigureOut">
               <a:rPr lang="en-US" smtClean="0"/>
-              <a:t>1/23/20</a:t>
+              <a:t>1/24/20</a:t>
             </a:fld>
             <a:endParaRPr lang="en-US"/>
           </a:p>
@@ -2043,7 +2043,7 @@
           <a:p>
             <a:fld id="{EDF3D89A-7EEA-744A-8EAC-545E5C7F118B}" type="datetimeFigureOut">
               <a:rPr lang="en-US" smtClean="0"/>
-              <a:t>1/23/20</a:t>
+              <a:t>1/24/20</a:t>
             </a:fld>
             <a:endParaRPr lang="en-US"/>
           </a:p>
@@ -2318,7 +2318,7 @@
           <a:p>
             <a:fld id="{EDF3D89A-7EEA-744A-8EAC-545E5C7F118B}" type="datetimeFigureOut">
               <a:rPr lang="en-US" smtClean="0"/>
-              <a:t>1/23/20</a:t>
+              <a:t>1/24/20</a:t>
             </a:fld>
             <a:endParaRPr lang="en-US"/>
           </a:p>
@@ -2583,7 +2583,7 @@
           <a:p>
             <a:fld id="{EDF3D89A-7EEA-744A-8EAC-545E5C7F118B}" type="datetimeFigureOut">
               <a:rPr lang="en-US" smtClean="0"/>
-              <a:t>1/23/20</a:t>
+              <a:t>1/24/20</a:t>
             </a:fld>
             <a:endParaRPr lang="en-US"/>
           </a:p>
@@ -2995,7 +2995,7 @@
           <a:p>
             <a:fld id="{EDF3D89A-7EEA-744A-8EAC-545E5C7F118B}" type="datetimeFigureOut">
               <a:rPr lang="en-US" smtClean="0"/>
-              <a:t>1/23/20</a:t>
+              <a:t>1/24/20</a:t>
             </a:fld>
             <a:endParaRPr lang="en-US"/>
           </a:p>
@@ -3136,7 +3136,7 @@
           <a:p>
             <a:fld id="{EDF3D89A-7EEA-744A-8EAC-545E5C7F118B}" type="datetimeFigureOut">
               <a:rPr lang="en-US" smtClean="0"/>
-              <a:t>1/23/20</a:t>
+              <a:t>1/24/20</a:t>
             </a:fld>
             <a:endParaRPr lang="en-US"/>
           </a:p>
@@ -3249,7 +3249,7 @@
           <a:p>
             <a:fld id="{EDF3D89A-7EEA-744A-8EAC-545E5C7F118B}" type="datetimeFigureOut">
               <a:rPr lang="en-US" smtClean="0"/>
-              <a:t>1/23/20</a:t>
+              <a:t>1/24/20</a:t>
             </a:fld>
             <a:endParaRPr lang="en-US"/>
           </a:p>
@@ -3560,7 +3560,7 @@
           <a:p>
             <a:fld id="{EDF3D89A-7EEA-744A-8EAC-545E5C7F118B}" type="datetimeFigureOut">
               <a:rPr lang="en-US" smtClean="0"/>
-              <a:t>1/23/20</a:t>
+              <a:t>1/24/20</a:t>
             </a:fld>
             <a:endParaRPr lang="en-US"/>
           </a:p>
@@ -3848,7 +3848,7 @@
           <a:p>
             <a:fld id="{EDF3D89A-7EEA-744A-8EAC-545E5C7F118B}" type="datetimeFigureOut">
               <a:rPr lang="en-US" smtClean="0"/>
-              <a:t>1/23/20</a:t>
+              <a:t>1/24/20</a:t>
             </a:fld>
             <a:endParaRPr lang="en-US"/>
           </a:p>
@@ -4089,7 +4089,7 @@
           <a:p>
             <a:fld id="{EDF3D89A-7EEA-744A-8EAC-545E5C7F118B}" type="datetimeFigureOut">
               <a:rPr lang="en-US" smtClean="0"/>
-              <a:t>1/23/20</a:t>
+              <a:t>1/24/20</a:t>
             </a:fld>
             <a:endParaRPr lang="en-US"/>
           </a:p>
@@ -5274,7 +5274,7 @@
           </p:nvSpPr>
           <p:spPr>
             <a:xfrm>
-              <a:off x="7305275" y="1540955"/>
+              <a:off x="7222504" y="1540955"/>
               <a:ext cx="1806000" cy="545100"/>
             </a:xfrm>
             <a:prstGeom prst="rect">
@@ -5344,7 +5344,7 @@
           </p:nvCxnSpPr>
           <p:spPr>
             <a:xfrm>
-              <a:off x="7237050" y="3447291"/>
+              <a:off x="7237050" y="3281748"/>
               <a:ext cx="1896000" cy="0"/>
             </a:xfrm>
             <a:prstGeom prst="straightConnector1">
@@ -6700,16 +6700,15 @@
           </p:cNvPicPr>
           <p:nvPr/>
         </p:nvPicPr>
-        <p:blipFill>
+        <p:blipFill rotWithShape="1">
           <a:blip r:embed="rId4"/>
-          <a:stretch>
-            <a:fillRect/>
-          </a:stretch>
+          <a:srcRect l="16483" t="13426" b="17219"/>
+          <a:stretch/>
         </p:blipFill>
         <p:spPr>
           <a:xfrm>
-            <a:off x="9052560" y="2156220"/>
-            <a:ext cx="3621024" cy="2414016"/>
+            <a:off x="9646920" y="2385714"/>
+            <a:ext cx="3024182" cy="1674247"/>
           </a:xfrm>
           <a:prstGeom prst="rect">
             <a:avLst/>
@@ -6737,7 +6736,7 @@
         </p:blipFill>
         <p:spPr>
           <a:xfrm>
-            <a:off x="9570968" y="4697946"/>
+            <a:off x="9573768" y="4697946"/>
             <a:ext cx="2621031" cy="1551195"/>
           </a:xfrm>
           <a:prstGeom prst="rect">
@@ -6745,6 +6744,77 @@
           </a:prstGeom>
         </p:spPr>
       </p:pic>
+      <p:sp>
+        <p:nvSpPr>
+          <p:cNvPr id="22" name="Google Shape;191;p28">
+            <a:extLst>
+              <a:ext uri="{FF2B5EF4-FFF2-40B4-BE49-F238E27FC236}">
+                <a16:creationId xmlns:a16="http://schemas.microsoft.com/office/drawing/2014/main" id="{18611545-3BD4-1740-A49A-7AB62DDAEFC7}"/>
+              </a:ext>
+            </a:extLst>
+          </p:cNvPr>
+          <p:cNvSpPr txBox="1"/>
+          <p:nvPr/>
+        </p:nvSpPr>
+        <p:spPr>
+          <a:xfrm>
+            <a:off x="9620760" y="4249934"/>
+            <a:ext cx="2408000" cy="746741"/>
+          </a:xfrm>
+          <a:prstGeom prst="rect">
+            <a:avLst/>
+          </a:prstGeom>
+          <a:noFill/>
+          <a:ln>
+            <a:noFill/>
+          </a:ln>
+        </p:spPr>
+        <p:txBody>
+          <a:bodyPr spcFirstLastPara="1" wrap="square" lIns="121900" tIns="121900" rIns="121900" bIns="121900" anchor="t" anchorCtr="0">
+            <a:noAutofit/>
+          </a:bodyPr>
+          <a:lstStyle/>
+          <a:p>
+            <a:r>
+              <a:rPr lang="en" sz="1333" b="1" dirty="0">
+                <a:solidFill>
+                  <a:srgbClr val="00297F"/>
+                </a:solidFill>
+                <a:latin typeface="Lato"/>
+                <a:ea typeface="Lato"/>
+                <a:cs typeface="Lato"/>
+                <a:sym typeface="Lato"/>
+              </a:rPr>
+              <a:t>What They Want to See</a:t>
+            </a:r>
+            <a:endParaRPr sz="1333" b="1" dirty="0">
+              <a:solidFill>
+                <a:srgbClr val="00297F"/>
+              </a:solidFill>
+              <a:latin typeface="Lato"/>
+              <a:ea typeface="Lato"/>
+              <a:cs typeface="Lato"/>
+              <a:sym typeface="Lato"/>
+            </a:endParaRPr>
+          </a:p>
+          <a:p>
+            <a:pPr>
+              <a:lnSpc>
+                <a:spcPct val="150000"/>
+              </a:lnSpc>
+            </a:pPr>
+            <a:endParaRPr sz="1333" dirty="0">
+              <a:solidFill>
+                <a:srgbClr val="00297F"/>
+              </a:solidFill>
+              <a:latin typeface="Lato"/>
+              <a:ea typeface="Lato"/>
+              <a:cs typeface="Lato"/>
+              <a:sym typeface="Lato"/>
+            </a:endParaRPr>
+          </a:p>
+        </p:txBody>
+      </p:sp>
     </p:spTree>
     <p:extLst>
       <p:ext uri="{BB962C8B-B14F-4D97-AF65-F5344CB8AC3E}">
@@ -7981,7 +8051,7 @@
           </p:nvSpPr>
           <p:spPr>
             <a:xfrm>
-              <a:off x="7250413" y="1395540"/>
+              <a:off x="7191290" y="1395540"/>
               <a:ext cx="1806000" cy="545100"/>
             </a:xfrm>
             <a:prstGeom prst="rect">
@@ -8176,7 +8246,7 @@
           </p:nvCxnSpPr>
           <p:spPr>
             <a:xfrm>
-              <a:off x="7182188" y="3315780"/>
+              <a:off x="7182188" y="3151188"/>
               <a:ext cx="1896000" cy="0"/>
             </a:xfrm>
             <a:prstGeom prst="straightConnector1">
@@ -8264,16 +8334,15 @@
           </p:cNvPicPr>
           <p:nvPr/>
         </p:nvPicPr>
-        <p:blipFill>
+        <p:blipFill rotWithShape="1">
           <a:blip r:embed="rId4"/>
-          <a:stretch>
-            <a:fillRect/>
-          </a:stretch>
+          <a:srcRect t="13793" b="15935"/>
+          <a:stretch/>
         </p:blipFill>
         <p:spPr>
           <a:xfrm>
-            <a:off x="9052560" y="2157984"/>
-            <a:ext cx="3621024" cy="2414016"/>
+            <a:off x="9052560" y="2386585"/>
+            <a:ext cx="3621024" cy="1696360"/>
           </a:xfrm>
           <a:prstGeom prst="rect">
             <a:avLst/>
@@ -8309,6 +8378,77 @@
           </a:prstGeom>
         </p:spPr>
       </p:pic>
+      <p:sp>
+        <p:nvSpPr>
+          <p:cNvPr id="19" name="Google Shape;191;p28">
+            <a:extLst>
+              <a:ext uri="{FF2B5EF4-FFF2-40B4-BE49-F238E27FC236}">
+                <a16:creationId xmlns:a16="http://schemas.microsoft.com/office/drawing/2014/main" id="{C7E88665-64BC-F740-8FCB-E6437B65AF4B}"/>
+              </a:ext>
+            </a:extLst>
+          </p:cNvPr>
+          <p:cNvSpPr txBox="1"/>
+          <p:nvPr/>
+        </p:nvSpPr>
+        <p:spPr>
+          <a:xfrm>
+            <a:off x="9620760" y="4249934"/>
+            <a:ext cx="2408000" cy="746741"/>
+          </a:xfrm>
+          <a:prstGeom prst="rect">
+            <a:avLst/>
+          </a:prstGeom>
+          <a:noFill/>
+          <a:ln>
+            <a:noFill/>
+          </a:ln>
+        </p:spPr>
+        <p:txBody>
+          <a:bodyPr spcFirstLastPara="1" wrap="square" lIns="121900" tIns="121900" rIns="121900" bIns="121900" anchor="t" anchorCtr="0">
+            <a:noAutofit/>
+          </a:bodyPr>
+          <a:lstStyle/>
+          <a:p>
+            <a:r>
+              <a:rPr lang="en" sz="1333" b="1" dirty="0">
+                <a:solidFill>
+                  <a:srgbClr val="00297F"/>
+                </a:solidFill>
+                <a:latin typeface="Lato"/>
+                <a:ea typeface="Lato"/>
+                <a:cs typeface="Lato"/>
+                <a:sym typeface="Lato"/>
+              </a:rPr>
+              <a:t>What They Want to See</a:t>
+            </a:r>
+            <a:endParaRPr sz="1333" b="1" dirty="0">
+              <a:solidFill>
+                <a:srgbClr val="00297F"/>
+              </a:solidFill>
+              <a:latin typeface="Lato"/>
+              <a:ea typeface="Lato"/>
+              <a:cs typeface="Lato"/>
+              <a:sym typeface="Lato"/>
+            </a:endParaRPr>
+          </a:p>
+          <a:p>
+            <a:pPr>
+              <a:lnSpc>
+                <a:spcPct val="150000"/>
+              </a:lnSpc>
+            </a:pPr>
+            <a:endParaRPr sz="1333" dirty="0">
+              <a:solidFill>
+                <a:srgbClr val="00297F"/>
+              </a:solidFill>
+              <a:latin typeface="Lato"/>
+              <a:ea typeface="Lato"/>
+              <a:cs typeface="Lato"/>
+              <a:sym typeface="Lato"/>
+            </a:endParaRPr>
+          </a:p>
+        </p:txBody>
+      </p:sp>
     </p:spTree>
     <p:extLst>
       <p:ext uri="{BB962C8B-B14F-4D97-AF65-F5344CB8AC3E}">
@@ -9407,7 +9547,7 @@
           </p:nvSpPr>
           <p:spPr>
             <a:xfrm>
-              <a:off x="595200" y="1405890"/>
+              <a:off x="547903" y="1405890"/>
               <a:ext cx="1806000" cy="545100"/>
             </a:xfrm>
             <a:prstGeom prst="rect">
@@ -9477,7 +9617,7 @@
           </p:nvCxnSpPr>
           <p:spPr>
             <a:xfrm>
-              <a:off x="526975" y="3326130"/>
+              <a:off x="526975" y="3161538"/>
               <a:ext cx="1896000" cy="0"/>
             </a:xfrm>
             <a:prstGeom prst="straightConnector1">
@@ -9760,16 +9900,15 @@
           </p:cNvPicPr>
           <p:nvPr/>
         </p:nvPicPr>
-        <p:blipFill>
+        <p:blipFill rotWithShape="1">
           <a:blip r:embed="rId4"/>
-          <a:stretch>
-            <a:fillRect/>
-          </a:stretch>
+          <a:srcRect t="13140" b="13761"/>
+          <a:stretch/>
         </p:blipFill>
         <p:spPr>
           <a:xfrm>
-            <a:off x="9052560" y="2157984"/>
-            <a:ext cx="3621024" cy="2414016"/>
+            <a:off x="9052560" y="2386585"/>
+            <a:ext cx="3621024" cy="1764616"/>
           </a:xfrm>
           <a:prstGeom prst="rect">
             <a:avLst/>
@@ -9805,6 +9944,77 @@
           </a:prstGeom>
         </p:spPr>
       </p:pic>
+      <p:sp>
+        <p:nvSpPr>
+          <p:cNvPr id="21" name="Google Shape;191;p28">
+            <a:extLst>
+              <a:ext uri="{FF2B5EF4-FFF2-40B4-BE49-F238E27FC236}">
+                <a16:creationId xmlns:a16="http://schemas.microsoft.com/office/drawing/2014/main" id="{2F91DEC4-CD60-594D-B479-047FDD982545}"/>
+              </a:ext>
+            </a:extLst>
+          </p:cNvPr>
+          <p:cNvSpPr txBox="1"/>
+          <p:nvPr/>
+        </p:nvSpPr>
+        <p:spPr>
+          <a:xfrm>
+            <a:off x="9620760" y="4249934"/>
+            <a:ext cx="2408000" cy="746741"/>
+          </a:xfrm>
+          <a:prstGeom prst="rect">
+            <a:avLst/>
+          </a:prstGeom>
+          <a:noFill/>
+          <a:ln>
+            <a:noFill/>
+          </a:ln>
+        </p:spPr>
+        <p:txBody>
+          <a:bodyPr spcFirstLastPara="1" wrap="square" lIns="121900" tIns="121900" rIns="121900" bIns="121900" anchor="t" anchorCtr="0">
+            <a:noAutofit/>
+          </a:bodyPr>
+          <a:lstStyle/>
+          <a:p>
+            <a:r>
+              <a:rPr lang="en" sz="1333" b="1" dirty="0">
+                <a:solidFill>
+                  <a:srgbClr val="00297F"/>
+                </a:solidFill>
+                <a:latin typeface="Lato"/>
+                <a:ea typeface="Lato"/>
+                <a:cs typeface="Lato"/>
+                <a:sym typeface="Lato"/>
+              </a:rPr>
+              <a:t>What They Want to See</a:t>
+            </a:r>
+            <a:endParaRPr sz="1333" b="1" dirty="0">
+              <a:solidFill>
+                <a:srgbClr val="00297F"/>
+              </a:solidFill>
+              <a:latin typeface="Lato"/>
+              <a:ea typeface="Lato"/>
+              <a:cs typeface="Lato"/>
+              <a:sym typeface="Lato"/>
+            </a:endParaRPr>
+          </a:p>
+          <a:p>
+            <a:pPr>
+              <a:lnSpc>
+                <a:spcPct val="150000"/>
+              </a:lnSpc>
+            </a:pPr>
+            <a:endParaRPr sz="1333" dirty="0">
+              <a:solidFill>
+                <a:srgbClr val="00297F"/>
+              </a:solidFill>
+              <a:latin typeface="Lato"/>
+              <a:ea typeface="Lato"/>
+              <a:cs typeface="Lato"/>
+              <a:sym typeface="Lato"/>
+            </a:endParaRPr>
+          </a:p>
+        </p:txBody>
+      </p:sp>
     </p:spTree>
     <p:extLst>
       <p:ext uri="{BB962C8B-B14F-4D97-AF65-F5344CB8AC3E}">
@@ -11020,7 +11230,7 @@
         </p:nvSpPr>
         <p:spPr>
           <a:xfrm>
-            <a:off x="9687867" y="1874520"/>
+            <a:off x="9624803" y="1874520"/>
             <a:ext cx="2408000" cy="726800"/>
           </a:xfrm>
           <a:prstGeom prst="rect">
@@ -11090,7 +11300,7 @@
         </p:nvCxnSpPr>
         <p:spPr>
           <a:xfrm>
-            <a:off x="9596900" y="4434840"/>
+            <a:off x="9596900" y="4215384"/>
             <a:ext cx="2528000" cy="0"/>
           </a:xfrm>
           <a:prstGeom prst="straightConnector1">
@@ -11320,16 +11530,15 @@
           </p:cNvPicPr>
           <p:nvPr/>
         </p:nvPicPr>
-        <p:blipFill>
+        <p:blipFill rotWithShape="1">
           <a:blip r:embed="rId4"/>
-          <a:stretch>
-            <a:fillRect/>
-          </a:stretch>
+          <a:srcRect t="23085"/>
+          <a:stretch/>
         </p:blipFill>
         <p:spPr>
           <a:xfrm>
-            <a:off x="9052560" y="1865884"/>
-            <a:ext cx="3621024" cy="2414016"/>
+            <a:off x="9052560" y="2414016"/>
+            <a:ext cx="3621024" cy="1856740"/>
           </a:xfrm>
           <a:prstGeom prst="rect">
             <a:avLst/>
@@ -11365,6 +11574,77 @@
           </a:prstGeom>
         </p:spPr>
       </p:pic>
+      <p:sp>
+        <p:nvSpPr>
+          <p:cNvPr id="18" name="Google Shape;191;p28">
+            <a:extLst>
+              <a:ext uri="{FF2B5EF4-FFF2-40B4-BE49-F238E27FC236}">
+                <a16:creationId xmlns:a16="http://schemas.microsoft.com/office/drawing/2014/main" id="{23560568-148C-5A48-B3FE-1719E6782472}"/>
+              </a:ext>
+            </a:extLst>
+          </p:cNvPr>
+          <p:cNvSpPr txBox="1"/>
+          <p:nvPr/>
+        </p:nvSpPr>
+        <p:spPr>
+          <a:xfrm>
+            <a:off x="9620760" y="4249934"/>
+            <a:ext cx="2408000" cy="746741"/>
+          </a:xfrm>
+          <a:prstGeom prst="rect">
+            <a:avLst/>
+          </a:prstGeom>
+          <a:noFill/>
+          <a:ln>
+            <a:noFill/>
+          </a:ln>
+        </p:spPr>
+        <p:txBody>
+          <a:bodyPr spcFirstLastPara="1" wrap="square" lIns="121900" tIns="121900" rIns="121900" bIns="121900" anchor="t" anchorCtr="0">
+            <a:noAutofit/>
+          </a:bodyPr>
+          <a:lstStyle/>
+          <a:p>
+            <a:r>
+              <a:rPr lang="en" sz="1333" b="1" dirty="0">
+                <a:solidFill>
+                  <a:srgbClr val="00297F"/>
+                </a:solidFill>
+                <a:latin typeface="Lato"/>
+                <a:ea typeface="Lato"/>
+                <a:cs typeface="Lato"/>
+                <a:sym typeface="Lato"/>
+              </a:rPr>
+              <a:t>What They Want to See</a:t>
+            </a:r>
+            <a:endParaRPr sz="1333" b="1" dirty="0">
+              <a:solidFill>
+                <a:srgbClr val="00297F"/>
+              </a:solidFill>
+              <a:latin typeface="Lato"/>
+              <a:ea typeface="Lato"/>
+              <a:cs typeface="Lato"/>
+              <a:sym typeface="Lato"/>
+            </a:endParaRPr>
+          </a:p>
+          <a:p>
+            <a:pPr>
+              <a:lnSpc>
+                <a:spcPct val="150000"/>
+              </a:lnSpc>
+            </a:pPr>
+            <a:endParaRPr sz="1333" dirty="0">
+              <a:solidFill>
+                <a:srgbClr val="00297F"/>
+              </a:solidFill>
+              <a:latin typeface="Lato"/>
+              <a:ea typeface="Lato"/>
+              <a:cs typeface="Lato"/>
+              <a:sym typeface="Lato"/>
+            </a:endParaRPr>
+          </a:p>
+        </p:txBody>
+      </p:sp>
     </p:spTree>
     <p:extLst>
       <p:ext uri="{BB962C8B-B14F-4D97-AF65-F5344CB8AC3E}">
@@ -12605,7 +12885,7 @@
           </p:nvSpPr>
           <p:spPr>
             <a:xfrm>
-              <a:off x="7220075" y="1405890"/>
+              <a:off x="7160953" y="1405890"/>
               <a:ext cx="1806000" cy="545100"/>
             </a:xfrm>
             <a:prstGeom prst="rect">
@@ -12675,7 +12955,7 @@
           </p:nvCxnSpPr>
           <p:spPr>
             <a:xfrm>
-              <a:off x="7151850" y="3326130"/>
+              <a:off x="7151850" y="3161538"/>
               <a:ext cx="1896000" cy="0"/>
             </a:xfrm>
             <a:prstGeom prst="straightConnector1">
@@ -12906,16 +13186,15 @@
           </p:cNvPicPr>
           <p:nvPr/>
         </p:nvPicPr>
-        <p:blipFill>
+        <p:blipFill rotWithShape="1">
           <a:blip r:embed="rId4"/>
-          <a:stretch>
-            <a:fillRect/>
-          </a:stretch>
+          <a:srcRect t="13793" b="15848"/>
+          <a:stretch/>
         </p:blipFill>
         <p:spPr>
           <a:xfrm>
-            <a:off x="9052560" y="2157984"/>
-            <a:ext cx="3621024" cy="2414016"/>
+            <a:off x="9052560" y="2386585"/>
+            <a:ext cx="3621024" cy="1698474"/>
           </a:xfrm>
           <a:prstGeom prst="rect">
             <a:avLst/>
@@ -12951,6 +13230,77 @@
           </a:prstGeom>
         </p:spPr>
       </p:pic>
+      <p:sp>
+        <p:nvSpPr>
+          <p:cNvPr id="19" name="Google Shape;191;p28">
+            <a:extLst>
+              <a:ext uri="{FF2B5EF4-FFF2-40B4-BE49-F238E27FC236}">
+                <a16:creationId xmlns:a16="http://schemas.microsoft.com/office/drawing/2014/main" id="{38B14D50-BC8C-F74B-9C85-25E92BF03048}"/>
+              </a:ext>
+            </a:extLst>
+          </p:cNvPr>
+          <p:cNvSpPr txBox="1"/>
+          <p:nvPr/>
+        </p:nvSpPr>
+        <p:spPr>
+          <a:xfrm>
+            <a:off x="9620760" y="4249934"/>
+            <a:ext cx="2408000" cy="746741"/>
+          </a:xfrm>
+          <a:prstGeom prst="rect">
+            <a:avLst/>
+          </a:prstGeom>
+          <a:noFill/>
+          <a:ln>
+            <a:noFill/>
+          </a:ln>
+        </p:spPr>
+        <p:txBody>
+          <a:bodyPr spcFirstLastPara="1" wrap="square" lIns="121900" tIns="121900" rIns="121900" bIns="121900" anchor="t" anchorCtr="0">
+            <a:noAutofit/>
+          </a:bodyPr>
+          <a:lstStyle/>
+          <a:p>
+            <a:r>
+              <a:rPr lang="en" sz="1333" b="1" dirty="0">
+                <a:solidFill>
+                  <a:srgbClr val="00297F"/>
+                </a:solidFill>
+                <a:latin typeface="Lato"/>
+                <a:ea typeface="Lato"/>
+                <a:cs typeface="Lato"/>
+                <a:sym typeface="Lato"/>
+              </a:rPr>
+              <a:t>What They Want to See</a:t>
+            </a:r>
+            <a:endParaRPr sz="1333" b="1" dirty="0">
+              <a:solidFill>
+                <a:srgbClr val="00297F"/>
+              </a:solidFill>
+              <a:latin typeface="Lato"/>
+              <a:ea typeface="Lato"/>
+              <a:cs typeface="Lato"/>
+              <a:sym typeface="Lato"/>
+            </a:endParaRPr>
+          </a:p>
+          <a:p>
+            <a:pPr>
+              <a:lnSpc>
+                <a:spcPct val="150000"/>
+              </a:lnSpc>
+            </a:pPr>
+            <a:endParaRPr sz="1333" dirty="0">
+              <a:solidFill>
+                <a:srgbClr val="00297F"/>
+              </a:solidFill>
+              <a:latin typeface="Lato"/>
+              <a:ea typeface="Lato"/>
+              <a:cs typeface="Lato"/>
+              <a:sym typeface="Lato"/>
+            </a:endParaRPr>
+          </a:p>
+        </p:txBody>
+      </p:sp>
     </p:spTree>
     <p:extLst>
       <p:ext uri="{BB962C8B-B14F-4D97-AF65-F5344CB8AC3E}">
